--- a/ppt.pptx
+++ b/ppt.pptx
@@ -7,17 +7,20 @@
     <p:sldMasterId id="2147483750" r:id="rId3"/>
   </p:sldMasterIdLst>
   <p:notesMasterIdLst>
-    <p:notesMasterId r:id="rId12"/>
+    <p:notesMasterId r:id="rId15"/>
   </p:notesMasterIdLst>
   <p:sldIdLst>
     <p:sldId id="401" r:id="rId4"/>
     <p:sldId id="414" r:id="rId5"/>
-    <p:sldId id="424" r:id="rId6"/>
-    <p:sldId id="425" r:id="rId7"/>
-    <p:sldId id="427" r:id="rId8"/>
-    <p:sldId id="413" r:id="rId9"/>
-    <p:sldId id="415" r:id="rId10"/>
-    <p:sldId id="423" r:id="rId11"/>
+    <p:sldId id="429" r:id="rId6"/>
+    <p:sldId id="431" r:id="rId7"/>
+    <p:sldId id="432" r:id="rId8"/>
+    <p:sldId id="424" r:id="rId9"/>
+    <p:sldId id="425" r:id="rId10"/>
+    <p:sldId id="427" r:id="rId11"/>
+    <p:sldId id="413" r:id="rId12"/>
+    <p:sldId id="415" r:id="rId13"/>
+    <p:sldId id="423" r:id="rId14"/>
   </p:sldIdLst>
   <p:sldSz cx="12192000" cy="6858000"/>
   <p:notesSz cx="6858000" cy="9144000"/>
@@ -123,6 +126,9 @@
           <p14:sldIdLst>
             <p14:sldId id="401"/>
             <p14:sldId id="414"/>
+            <p14:sldId id="429"/>
+            <p14:sldId id="431"/>
+            <p14:sldId id="432"/>
             <p14:sldId id="424"/>
             <p14:sldId id="425"/>
             <p14:sldId id="427"/>
@@ -4871,6 +4877,13 @@
             </a:pPr>
             <a:r>
               <a:rPr lang="ko-KR" altLang="en-US" sz="2400" dirty="0" err="1" smtClean="0">
+                <a:effectLst>
+                  <a:outerShdw blurRad="38100" dist="38100" dir="2700000" algn="tl">
+                    <a:srgbClr val="000000">
+                      <a:alpha val="43137"/>
+                    </a:srgbClr>
+                  </a:outerShdw>
+                </a:effectLst>
                 <a:latin typeface="+mj-lt"/>
                 <a:ea typeface="+mj-ea"/>
                 <a:cs typeface="+mj-cs"/>
@@ -4879,6 +4892,13 @@
             </a:r>
             <a:r>
               <a:rPr lang="ko-KR" altLang="en-US" sz="2400" dirty="0" smtClean="0">
+                <a:effectLst>
+                  <a:outerShdw blurRad="38100" dist="38100" dir="2700000" algn="tl">
+                    <a:srgbClr val="000000">
+                      <a:alpha val="43137"/>
+                    </a:srgbClr>
+                  </a:outerShdw>
+                </a:effectLst>
                 <a:latin typeface="+mj-lt"/>
                 <a:ea typeface="+mj-ea"/>
                 <a:cs typeface="+mj-cs"/>
@@ -4886,6 +4906,13 @@
               <a:t> 따라하는</a:t>
             </a:r>
             <a:endParaRPr lang="en-US" altLang="ko-KR" sz="2400" dirty="0" smtClean="0">
+              <a:effectLst>
+                <a:outerShdw blurRad="38100" dist="38100" dir="2700000" algn="tl">
+                  <a:srgbClr val="000000">
+                    <a:alpha val="43137"/>
+                  </a:srgbClr>
+                </a:outerShdw>
+              </a:effectLst>
               <a:latin typeface="+mj-lt"/>
               <a:ea typeface="+mj-ea"/>
               <a:cs typeface="+mj-cs"/>
@@ -4905,6 +4932,13 @@
             </a:pPr>
             <a:r>
               <a:rPr lang="en-US" altLang="ko-KR" sz="2400" dirty="0" err="1" smtClean="0">
+                <a:effectLst>
+                  <a:outerShdw blurRad="38100" dist="38100" dir="2700000" algn="tl">
+                    <a:srgbClr val="000000">
+                      <a:alpha val="43137"/>
+                    </a:srgbClr>
+                  </a:outerShdw>
+                </a:effectLst>
                 <a:latin typeface="+mj-lt"/>
                 <a:ea typeface="+mj-ea"/>
                 <a:cs typeface="+mj-cs"/>
@@ -4913,6 +4947,13 @@
             </a:r>
             <a:r>
               <a:rPr lang="en-US" altLang="ko-KR" sz="2400" dirty="0" smtClean="0">
+                <a:effectLst>
+                  <a:outerShdw blurRad="38100" dist="38100" dir="2700000" algn="tl">
+                    <a:srgbClr val="000000">
+                      <a:alpha val="43137"/>
+                    </a:srgbClr>
+                  </a:outerShdw>
+                </a:effectLst>
                 <a:latin typeface="+mj-lt"/>
                 <a:ea typeface="+mj-ea"/>
                 <a:cs typeface="+mj-cs"/>
@@ -4921,6 +4962,13 @@
             </a:r>
             <a:r>
               <a:rPr lang="en-US" altLang="ko-KR" sz="2400" dirty="0" err="1" smtClean="0">
+                <a:effectLst>
+                  <a:outerShdw blurRad="38100" dist="38100" dir="2700000" algn="tl">
+                    <a:srgbClr val="000000">
+                      <a:alpha val="43137"/>
+                    </a:srgbClr>
+                  </a:outerShdw>
+                </a:effectLst>
                 <a:latin typeface="+mj-lt"/>
                 <a:ea typeface="+mj-ea"/>
                 <a:cs typeface="+mj-cs"/>
@@ -4929,6 +4977,13 @@
             </a:r>
             <a:r>
               <a:rPr lang="en-US" altLang="ko-KR" sz="2400" dirty="0" smtClean="0">
+                <a:effectLst>
+                  <a:outerShdw blurRad="38100" dist="38100" dir="2700000" algn="tl">
+                    <a:srgbClr val="000000">
+                      <a:alpha val="43137"/>
+                    </a:srgbClr>
+                  </a:outerShdw>
+                </a:effectLst>
                 <a:latin typeface="+mj-lt"/>
                 <a:ea typeface="+mj-ea"/>
                 <a:cs typeface="+mj-cs"/>
@@ -4937,6 +4992,13 @@
             </a:r>
             <a:r>
               <a:rPr lang="ko-KR" altLang="en-US" sz="2400" dirty="0" smtClean="0">
+                <a:effectLst>
+                  <a:outerShdw blurRad="38100" dist="38100" dir="2700000" algn="tl">
+                    <a:srgbClr val="000000">
+                      <a:alpha val="43137"/>
+                    </a:srgbClr>
+                  </a:outerShdw>
+                </a:effectLst>
                 <a:latin typeface="+mj-lt"/>
                 <a:ea typeface="+mj-ea"/>
                 <a:cs typeface="+mj-cs"/>
@@ -4945,6 +5007,13 @@
             </a:r>
             <a:r>
               <a:rPr lang="en-US" altLang="ko-KR" sz="2400" dirty="0">
+                <a:effectLst>
+                  <a:outerShdw blurRad="38100" dist="38100" dir="2700000" algn="tl">
+                    <a:srgbClr val="000000">
+                      <a:alpha val="43137"/>
+                    </a:srgbClr>
+                  </a:outerShdw>
+                </a:effectLst>
                 <a:latin typeface="+mj-lt"/>
                 <a:ea typeface="+mj-ea"/>
                 <a:cs typeface="+mj-cs"/>
@@ -4953,6 +5022,13 @@
             </a:r>
             <a:r>
               <a:rPr lang="en-US" altLang="ko-KR" sz="2400" dirty="0" smtClean="0">
+                <a:effectLst>
+                  <a:outerShdw blurRad="38100" dist="38100" dir="2700000" algn="tl">
+                    <a:srgbClr val="000000">
+                      <a:alpha val="43137"/>
+                    </a:srgbClr>
+                  </a:outerShdw>
+                </a:effectLst>
                 <a:latin typeface="+mj-lt"/>
                 <a:ea typeface="+mj-ea"/>
                 <a:cs typeface="+mj-cs"/>
@@ -4961,6 +5037,13 @@
             </a:r>
             <a:r>
               <a:rPr lang="ko-KR" altLang="en-US" sz="2400" dirty="0" smtClean="0">
+                <a:effectLst>
+                  <a:outerShdw blurRad="38100" dist="38100" dir="2700000" algn="tl">
+                    <a:srgbClr val="000000">
+                      <a:alpha val="43137"/>
+                    </a:srgbClr>
+                  </a:outerShdw>
+                </a:effectLst>
                 <a:latin typeface="+mj-lt"/>
                 <a:ea typeface="+mj-ea"/>
                 <a:cs typeface="+mj-cs"/>
@@ -4971,6 +5054,13 @@
               <a:solidFill>
                 <a:schemeClr val="tx1"/>
               </a:solidFill>
+              <a:effectLst>
+                <a:outerShdw blurRad="38100" dist="38100" dir="2700000" algn="tl">
+                  <a:srgbClr val="000000">
+                    <a:alpha val="43137"/>
+                  </a:srgbClr>
+                </a:outerShdw>
+              </a:effectLst>
               <a:latin typeface="+mj-lt"/>
               <a:ea typeface="+mj-ea"/>
               <a:cs typeface="+mj-cs"/>
@@ -4978,10 +5068,374 @@
           </a:p>
         </p:txBody>
       </p:sp>
+      <p:sp>
+        <p:nvSpPr>
+          <p:cNvPr id="10" name="직사각형 9"/>
+          <p:cNvSpPr/>
+          <p:nvPr/>
+        </p:nvSpPr>
+        <p:spPr>
+          <a:xfrm>
+            <a:off x="489098" y="5099472"/>
+            <a:ext cx="2498633" cy="307777"/>
+          </a:xfrm>
+          <a:prstGeom prst="rect">
+            <a:avLst/>
+          </a:prstGeom>
+        </p:spPr>
+        <p:txBody>
+          <a:bodyPr wrap="none">
+            <a:spAutoFit/>
+          </a:bodyPr>
+          <a:lstStyle/>
+          <a:p>
+            <a:r>
+              <a:rPr lang="ko-KR" altLang="en-US" sz="1400" dirty="0"/>
+              <a:t>https://git-scm.com/downloads</a:t>
+            </a:r>
+          </a:p>
+        </p:txBody>
+      </p:sp>
+      <p:sp>
+        <p:nvSpPr>
+          <p:cNvPr id="11" name="직사각형 10"/>
+          <p:cNvSpPr/>
+          <p:nvPr/>
+        </p:nvSpPr>
+        <p:spPr>
+          <a:xfrm>
+            <a:off x="489098" y="5459810"/>
+            <a:ext cx="5186974" cy="307777"/>
+          </a:xfrm>
+          <a:prstGeom prst="rect">
+            <a:avLst/>
+          </a:prstGeom>
+        </p:spPr>
+        <p:txBody>
+          <a:bodyPr wrap="square">
+            <a:spAutoFit/>
+          </a:bodyPr>
+          <a:lstStyle/>
+          <a:p>
+            <a:r>
+              <a:rPr lang="ko-KR" altLang="en-US" sz="1400" dirty="0"/>
+              <a:t>https://www.jetbrains.com/ko-kr/idea/download/#section=windows</a:t>
+            </a:r>
+          </a:p>
+        </p:txBody>
+      </p:sp>
     </p:spTree>
     <p:extLst>
       <p:ext uri="{BB962C8B-B14F-4D97-AF65-F5344CB8AC3E}">
         <p14:creationId xmlns:p14="http://schemas.microsoft.com/office/powerpoint/2010/main" val="3256291963"/>
+      </p:ext>
+    </p:extLst>
+  </p:cSld>
+  <p:clrMapOvr>
+    <a:masterClrMapping/>
+  </p:clrMapOvr>
+  <p:timing>
+    <p:tnLst>
+      <p:par>
+        <p:cTn id="1" dur="indefinite" restart="never" nodeType="tmRoot"/>
+      </p:par>
+    </p:tnLst>
+  </p:timing>
+</p:sld>
+</file>
+
+<file path=ppt/slides/slide10.xml><?xml version="1.0" encoding="utf-8"?>
+<p:sld xmlns:a="http://schemas.openxmlformats.org/drawingml/2006/main" xmlns:r="http://schemas.openxmlformats.org/officeDocument/2006/relationships" xmlns:p="http://schemas.openxmlformats.org/presentationml/2006/main">
+  <p:cSld>
+    <p:spTree>
+      <p:nvGrpSpPr>
+        <p:cNvPr id="1" name=""/>
+        <p:cNvGrpSpPr/>
+        <p:nvPr/>
+      </p:nvGrpSpPr>
+      <p:grpSpPr>
+        <a:xfrm>
+          <a:off x="0" y="0"/>
+          <a:ext cx="0" cy="0"/>
+          <a:chOff x="0" y="0"/>
+          <a:chExt cx="0" cy="0"/>
+        </a:xfrm>
+      </p:grpSpPr>
+      <p:sp>
+        <p:nvSpPr>
+          <p:cNvPr id="4" name="직사각형 3"/>
+          <p:cNvSpPr/>
+          <p:nvPr/>
+        </p:nvSpPr>
+        <p:spPr>
+          <a:xfrm>
+            <a:off x="476931" y="4388630"/>
+            <a:ext cx="6748462" cy="381934"/>
+          </a:xfrm>
+          <a:prstGeom prst="rect">
+            <a:avLst/>
+          </a:prstGeom>
+          <a:noFill/>
+          <a:ln w="76200">
+            <a:solidFill>
+              <a:srgbClr val="FF0000"/>
+            </a:solidFill>
+          </a:ln>
+        </p:spPr>
+        <p:style>
+          <a:lnRef idx="2">
+            <a:schemeClr val="accent2"/>
+          </a:lnRef>
+          <a:fillRef idx="1">
+            <a:schemeClr val="lt1"/>
+          </a:fillRef>
+          <a:effectRef idx="0">
+            <a:schemeClr val="accent2"/>
+          </a:effectRef>
+          <a:fontRef idx="minor">
+            <a:schemeClr val="dk1"/>
+          </a:fontRef>
+        </p:style>
+        <p:txBody>
+          <a:bodyPr rtlCol="0" anchor="ctr"/>
+          <a:lstStyle/>
+          <a:p>
+            <a:pPr algn="ctr"/>
+            <a:endParaRPr lang="ko-KR" altLang="en-US"/>
+          </a:p>
+        </p:txBody>
+      </p:sp>
+      <p:sp>
+        <p:nvSpPr>
+          <p:cNvPr id="8" name="직사각형 7"/>
+          <p:cNvSpPr/>
+          <p:nvPr/>
+        </p:nvSpPr>
+        <p:spPr>
+          <a:xfrm>
+            <a:off x="1804308" y="1308735"/>
+            <a:ext cx="1396092" cy="271562"/>
+          </a:xfrm>
+          <a:prstGeom prst="rect">
+            <a:avLst/>
+          </a:prstGeom>
+          <a:noFill/>
+          <a:ln w="28575">
+            <a:solidFill>
+              <a:srgbClr val="FF0000"/>
+            </a:solidFill>
+          </a:ln>
+        </p:spPr>
+        <p:style>
+          <a:lnRef idx="2">
+            <a:schemeClr val="accent2"/>
+          </a:lnRef>
+          <a:fillRef idx="1">
+            <a:schemeClr val="lt1"/>
+          </a:fillRef>
+          <a:effectRef idx="0">
+            <a:schemeClr val="accent2"/>
+          </a:effectRef>
+          <a:fontRef idx="minor">
+            <a:schemeClr val="dk1"/>
+          </a:fontRef>
+        </p:style>
+        <p:txBody>
+          <a:bodyPr rtlCol="0" anchor="ctr"/>
+          <a:lstStyle/>
+          <a:p>
+            <a:pPr algn="ctr"/>
+            <a:endParaRPr lang="ko-KR" altLang="en-US"/>
+          </a:p>
+        </p:txBody>
+      </p:sp>
+      <p:pic>
+        <p:nvPicPr>
+          <p:cNvPr id="9" name="Picture 2" descr="나이스 - 뽐뿌:짤방갤러리"/>
+          <p:cNvPicPr>
+            <a:picLocks noChangeAspect="1" noChangeArrowheads="1"/>
+          </p:cNvPicPr>
+          <p:nvPr/>
+        </p:nvPicPr>
+        <p:blipFill>
+          <a:blip r:embed="rId2">
+            <a:extLst>
+              <a:ext uri="{28A0092B-C50C-407E-A947-70E740481C1C}">
+                <a14:useLocalDpi xmlns:a14="http://schemas.microsoft.com/office/drawing/2010/main" val="0"/>
+              </a:ext>
+            </a:extLst>
+          </a:blip>
+          <a:srcRect/>
+          <a:stretch>
+            <a:fillRect/>
+          </a:stretch>
+        </p:blipFill>
+        <p:spPr bwMode="auto">
+          <a:xfrm>
+            <a:off x="8465471" y="816429"/>
+            <a:ext cx="2390775" cy="1914525"/>
+          </a:xfrm>
+          <a:prstGeom prst="rect">
+            <a:avLst/>
+          </a:prstGeom>
+          <a:ln>
+            <a:noFill/>
+          </a:ln>
+          <a:effectLst>
+            <a:softEdge rad="112500"/>
+          </a:effectLst>
+          <a:extLst>
+            <a:ext uri="{909E8E84-426E-40DD-AFC4-6F175D3DCCD1}">
+              <a14:hiddenFill xmlns:a14="http://schemas.microsoft.com/office/drawing/2010/main">
+                <a:solidFill>
+                  <a:srgbClr val="FFFFFF"/>
+                </a:solidFill>
+              </a14:hiddenFill>
+            </a:ext>
+          </a:extLst>
+        </p:spPr>
+      </p:pic>
+    </p:spTree>
+    <p:extLst>
+      <p:ext uri="{BB962C8B-B14F-4D97-AF65-F5344CB8AC3E}">
+        <p14:creationId xmlns:p14="http://schemas.microsoft.com/office/powerpoint/2010/main" val="3329504896"/>
+      </p:ext>
+    </p:extLst>
+  </p:cSld>
+  <p:clrMapOvr>
+    <a:masterClrMapping/>
+  </p:clrMapOvr>
+  <p:timing>
+    <p:tnLst>
+      <p:par>
+        <p:cTn id="1" dur="indefinite" restart="never" nodeType="tmRoot"/>
+      </p:par>
+    </p:tnLst>
+  </p:timing>
+</p:sld>
+</file>
+
+<file path=ppt/slides/slide11.xml><?xml version="1.0" encoding="utf-8"?>
+<p:sld xmlns:a="http://schemas.openxmlformats.org/drawingml/2006/main" xmlns:r="http://schemas.openxmlformats.org/officeDocument/2006/relationships" xmlns:p="http://schemas.openxmlformats.org/presentationml/2006/main">
+  <p:cSld>
+    <p:spTree>
+      <p:nvGrpSpPr>
+        <p:cNvPr id="1" name=""/>
+        <p:cNvGrpSpPr/>
+        <p:nvPr/>
+      </p:nvGrpSpPr>
+      <p:grpSpPr>
+        <a:xfrm>
+          <a:off x="0" y="0"/>
+          <a:ext cx="0" cy="0"/>
+          <a:chOff x="0" y="0"/>
+          <a:chExt cx="0" cy="0"/>
+        </a:xfrm>
+      </p:grpSpPr>
+      <p:sp>
+        <p:nvSpPr>
+          <p:cNvPr id="7" name="직사각형 6"/>
+          <p:cNvSpPr/>
+          <p:nvPr/>
+        </p:nvSpPr>
+        <p:spPr>
+          <a:xfrm>
+            <a:off x="4279662" y="3081636"/>
+            <a:ext cx="3394767" cy="1877437"/>
+          </a:xfrm>
+          <a:prstGeom prst="rect">
+            <a:avLst/>
+          </a:prstGeom>
+          <a:noFill/>
+        </p:spPr>
+        <p:txBody>
+          <a:bodyPr wrap="square" lIns="91440" tIns="45720" rIns="91440" bIns="45720">
+            <a:spAutoFit/>
+          </a:bodyPr>
+          <a:lstStyle/>
+          <a:p>
+            <a:pPr algn="ctr"/>
+            <a:r>
+              <a:rPr lang="ko-KR" altLang="en-US" sz="4400" b="0" cap="none" spc="0" dirty="0" smtClean="0">
+                <a:ln w="0"/>
+                <a:solidFill>
+                  <a:schemeClr val="tx1"/>
+                </a:solidFill>
+                <a:effectLst>
+                  <a:outerShdw blurRad="38100" dist="19050" dir="2700000" algn="tl" rotWithShape="0">
+                    <a:schemeClr val="dk1">
+                      <a:alpha val="40000"/>
+                    </a:schemeClr>
+                  </a:outerShdw>
+                </a:effectLst>
+              </a:rPr>
+              <a:t>감사합니다</a:t>
+            </a:r>
+            <a:endParaRPr lang="en-US" altLang="ko-KR" sz="4400" b="0" cap="none" spc="0" dirty="0" smtClean="0">
+              <a:ln w="0"/>
+              <a:solidFill>
+                <a:schemeClr val="tx1"/>
+              </a:solidFill>
+              <a:effectLst>
+                <a:outerShdw blurRad="38100" dist="19050" dir="2700000" algn="tl" rotWithShape="0">
+                  <a:schemeClr val="dk1">
+                    <a:alpha val="40000"/>
+                  </a:schemeClr>
+                </a:outerShdw>
+              </a:effectLst>
+            </a:endParaRPr>
+          </a:p>
+          <a:p>
+            <a:pPr algn="ctr"/>
+            <a:endParaRPr lang="en-US" altLang="ko-KR" sz="4400" dirty="0">
+              <a:ln w="0"/>
+              <a:effectLst>
+                <a:outerShdw blurRad="38100" dist="19050" dir="2700000" algn="tl" rotWithShape="0">
+                  <a:schemeClr val="dk1">
+                    <a:alpha val="40000"/>
+                  </a:schemeClr>
+                </a:outerShdw>
+              </a:effectLst>
+            </a:endParaRPr>
+          </a:p>
+          <a:p>
+            <a:pPr algn="ctr"/>
+            <a:r>
+              <a:rPr lang="ko-KR" altLang="en-US" sz="2800" b="0" cap="none" spc="0" dirty="0" smtClean="0">
+                <a:ln w="0"/>
+                <a:solidFill>
+                  <a:schemeClr val="tx1"/>
+                </a:solidFill>
+                <a:effectLst>
+                  <a:outerShdw blurRad="38100" dist="19050" dir="2700000" algn="tl" rotWithShape="0">
+                    <a:schemeClr val="dk1">
+                      <a:alpha val="40000"/>
+                    </a:schemeClr>
+                  </a:outerShdw>
+                </a:effectLst>
+              </a:rPr>
+              <a:t>이원재</a:t>
+            </a:r>
+            <a:endParaRPr lang="en-US" altLang="ko-KR" sz="4400" b="0" cap="none" spc="0" dirty="0">
+              <a:ln w="0"/>
+              <a:solidFill>
+                <a:schemeClr val="tx1"/>
+              </a:solidFill>
+              <a:effectLst>
+                <a:outerShdw blurRad="38100" dist="19050" dir="2700000" algn="tl" rotWithShape="0">
+                  <a:schemeClr val="dk1">
+                    <a:alpha val="40000"/>
+                  </a:schemeClr>
+                </a:outerShdw>
+              </a:effectLst>
+            </a:endParaRPr>
+          </a:p>
+        </p:txBody>
+      </p:sp>
+    </p:spTree>
+    <p:extLst>
+      <p:ext uri="{BB962C8B-B14F-4D97-AF65-F5344CB8AC3E}">
+        <p14:creationId xmlns:p14="http://schemas.microsoft.com/office/powerpoint/2010/main" val="2098658592"/>
       </p:ext>
     </p:extLst>
   </p:cSld>
@@ -5045,35 +5499,77 @@
           <a:p>
             <a:r>
               <a:rPr lang="en-US" altLang="ko-KR" sz="3200" dirty="0" smtClean="0">
+                <a:effectLst>
+                  <a:outerShdw blurRad="38100" dist="38100" dir="2700000" algn="tl">
+                    <a:srgbClr val="000000">
+                      <a:alpha val="43137"/>
+                    </a:srgbClr>
+                  </a:outerShdw>
+                </a:effectLst>
                 <a:cs typeface="Arial" pitchFamily="34" charset="0"/>
               </a:rPr>
               <a:t>1.</a:t>
             </a:r>
             <a:r>
               <a:rPr lang="ko-KR" altLang="en-US" sz="3200" dirty="0" smtClean="0">
+                <a:effectLst>
+                  <a:outerShdw blurRad="38100" dist="38100" dir="2700000" algn="tl">
+                    <a:srgbClr val="000000">
+                      <a:alpha val="43137"/>
+                    </a:srgbClr>
+                  </a:outerShdw>
+                </a:effectLst>
                 <a:cs typeface="Arial" pitchFamily="34" charset="0"/>
               </a:rPr>
               <a:t> </a:t>
             </a:r>
             <a:r>
               <a:rPr lang="en-US" altLang="ko-KR" sz="2800" dirty="0" err="1" smtClean="0">
+                <a:effectLst>
+                  <a:outerShdw blurRad="38100" dist="38100" dir="2700000" algn="tl">
+                    <a:srgbClr val="000000">
+                      <a:alpha val="43137"/>
+                    </a:srgbClr>
+                  </a:outerShdw>
+                </a:effectLst>
                 <a:cs typeface="Arial" pitchFamily="34" charset="0"/>
               </a:rPr>
               <a:t>Git</a:t>
             </a:r>
             <a:r>
               <a:rPr lang="ko-KR" altLang="en-US" sz="2800" dirty="0" smtClean="0">
+                <a:effectLst>
+                  <a:outerShdw blurRad="38100" dist="38100" dir="2700000" algn="tl">
+                    <a:srgbClr val="000000">
+                      <a:alpha val="43137"/>
+                    </a:srgbClr>
+                  </a:outerShdw>
+                </a:effectLst>
                 <a:cs typeface="Arial" pitchFamily="34" charset="0"/>
               </a:rPr>
               <a:t>이란</a:t>
             </a:r>
             <a:r>
               <a:rPr lang="en-US" altLang="ko-KR" sz="2800" dirty="0" smtClean="0">
+                <a:effectLst>
+                  <a:outerShdw blurRad="38100" dist="38100" dir="2700000" algn="tl">
+                    <a:srgbClr val="000000">
+                      <a:alpha val="43137"/>
+                    </a:srgbClr>
+                  </a:outerShdw>
+                </a:effectLst>
                 <a:cs typeface="Arial" pitchFamily="34" charset="0"/>
               </a:rPr>
               <a:t>?</a:t>
             </a:r>
             <a:endParaRPr lang="ko-KR" altLang="en-US" sz="2400" dirty="0">
+              <a:effectLst>
+                <a:outerShdw blurRad="38100" dist="38100" dir="2700000" algn="tl">
+                  <a:srgbClr val="000000">
+                    <a:alpha val="43137"/>
+                  </a:srgbClr>
+                </a:outerShdw>
+              </a:effectLst>
               <a:cs typeface="Arial" pitchFamily="34" charset="0"/>
             </a:endParaRPr>
           </a:p>
@@ -5421,6 +5917,1365 @@
           <a:chExt cx="0" cy="0"/>
         </a:xfrm>
       </p:grpSpPr>
+      <p:sp>
+        <p:nvSpPr>
+          <p:cNvPr id="61" name="TextBox 60">
+            <a:extLst>
+              <a:ext uri="{FF2B5EF4-FFF2-40B4-BE49-F238E27FC236}">
+                <a16:creationId xmlns:a16="http://schemas.microsoft.com/office/drawing/2014/main" id="{00721A06-02D8-A24D-97D5-8712D26CF2B9}"/>
+              </a:ext>
+            </a:extLst>
+          </p:cNvPr>
+          <p:cNvSpPr txBox="1"/>
+          <p:nvPr/>
+        </p:nvSpPr>
+        <p:spPr>
+          <a:xfrm>
+            <a:off x="323215" y="137795"/>
+            <a:ext cx="7522845" cy="584835"/>
+          </a:xfrm>
+          <a:prstGeom prst="rect">
+            <a:avLst/>
+          </a:prstGeom>
+          <a:noFill/>
+        </p:spPr>
+        <p:txBody>
+          <a:bodyPr wrap="square" rtlCol="0" anchor="ctr">
+            <a:spAutoFit/>
+          </a:bodyPr>
+          <a:lstStyle/>
+          <a:p>
+            <a:r>
+              <a:rPr lang="en-US" altLang="ko-KR" sz="3200" dirty="0" smtClean="0">
+                <a:effectLst>
+                  <a:outerShdw blurRad="38100" dist="38100" dir="2700000" algn="tl">
+                    <a:srgbClr val="000000">
+                      <a:alpha val="43137"/>
+                    </a:srgbClr>
+                  </a:outerShdw>
+                </a:effectLst>
+                <a:cs typeface="Arial" pitchFamily="34" charset="0"/>
+              </a:rPr>
+              <a:t>1.</a:t>
+            </a:r>
+            <a:r>
+              <a:rPr lang="ko-KR" altLang="en-US" sz="3200" dirty="0" smtClean="0">
+                <a:effectLst>
+                  <a:outerShdw blurRad="38100" dist="38100" dir="2700000" algn="tl">
+                    <a:srgbClr val="000000">
+                      <a:alpha val="43137"/>
+                    </a:srgbClr>
+                  </a:outerShdw>
+                </a:effectLst>
+                <a:cs typeface="Arial" pitchFamily="34" charset="0"/>
+              </a:rPr>
+              <a:t> </a:t>
+            </a:r>
+            <a:r>
+              <a:rPr lang="en-US" altLang="ko-KR" sz="2800" dirty="0" err="1" smtClean="0">
+                <a:effectLst>
+                  <a:outerShdw blurRad="38100" dist="38100" dir="2700000" algn="tl">
+                    <a:srgbClr val="000000">
+                      <a:alpha val="43137"/>
+                    </a:srgbClr>
+                  </a:outerShdw>
+                </a:effectLst>
+                <a:cs typeface="Arial" pitchFamily="34" charset="0"/>
+              </a:rPr>
+              <a:t>Git</a:t>
+            </a:r>
+            <a:r>
+              <a:rPr lang="ko-KR" altLang="en-US" sz="2800" dirty="0" smtClean="0">
+                <a:effectLst>
+                  <a:outerShdw blurRad="38100" dist="38100" dir="2700000" algn="tl">
+                    <a:srgbClr val="000000">
+                      <a:alpha val="43137"/>
+                    </a:srgbClr>
+                  </a:outerShdw>
+                </a:effectLst>
+                <a:cs typeface="Arial" pitchFamily="34" charset="0"/>
+              </a:rPr>
+              <a:t>이란</a:t>
+            </a:r>
+            <a:r>
+              <a:rPr lang="en-US" altLang="ko-KR" sz="2800" dirty="0" smtClean="0">
+                <a:effectLst>
+                  <a:outerShdw blurRad="38100" dist="38100" dir="2700000" algn="tl">
+                    <a:srgbClr val="000000">
+                      <a:alpha val="43137"/>
+                    </a:srgbClr>
+                  </a:outerShdw>
+                </a:effectLst>
+                <a:cs typeface="Arial" pitchFamily="34" charset="0"/>
+              </a:rPr>
+              <a:t>?</a:t>
+            </a:r>
+            <a:endParaRPr lang="ko-KR" altLang="en-US" sz="2400" dirty="0">
+              <a:effectLst>
+                <a:outerShdw blurRad="38100" dist="38100" dir="2700000" algn="tl">
+                  <a:srgbClr val="000000">
+                    <a:alpha val="43137"/>
+                  </a:srgbClr>
+                </a:outerShdw>
+              </a:effectLst>
+              <a:cs typeface="Arial" pitchFamily="34" charset="0"/>
+            </a:endParaRPr>
+          </a:p>
+        </p:txBody>
+      </p:sp>
+      <p:pic>
+        <p:nvPicPr>
+          <p:cNvPr id="8" name="그림 7"/>
+          <p:cNvPicPr>
+            <a:picLocks noChangeAspect="1"/>
+          </p:cNvPicPr>
+          <p:nvPr/>
+        </p:nvPicPr>
+        <p:blipFill>
+          <a:blip r:embed="rId2"/>
+          <a:stretch>
+            <a:fillRect/>
+          </a:stretch>
+        </p:blipFill>
+        <p:spPr>
+          <a:xfrm>
+            <a:off x="947019" y="1308735"/>
+            <a:ext cx="10297962" cy="1724266"/>
+          </a:xfrm>
+          <a:prstGeom prst="rect">
+            <a:avLst/>
+          </a:prstGeom>
+        </p:spPr>
+      </p:pic>
+      <p:pic>
+        <p:nvPicPr>
+          <p:cNvPr id="2" name="그림 1"/>
+          <p:cNvPicPr>
+            <a:picLocks noChangeAspect="1"/>
+          </p:cNvPicPr>
+          <p:nvPr/>
+        </p:nvPicPr>
+        <p:blipFill>
+          <a:blip r:embed="rId3"/>
+          <a:stretch>
+            <a:fillRect/>
+          </a:stretch>
+        </p:blipFill>
+        <p:spPr>
+          <a:xfrm>
+            <a:off x="1061335" y="3886264"/>
+            <a:ext cx="10069330" cy="914528"/>
+          </a:xfrm>
+          <a:prstGeom prst="rect">
+            <a:avLst/>
+          </a:prstGeom>
+        </p:spPr>
+      </p:pic>
+    </p:spTree>
+    <p:extLst>
+      <p:ext uri="{BB962C8B-B14F-4D97-AF65-F5344CB8AC3E}">
+        <p14:creationId xmlns:p14="http://schemas.microsoft.com/office/powerpoint/2010/main" val="4265242825"/>
+      </p:ext>
+    </p:extLst>
+  </p:cSld>
+  <p:clrMapOvr>
+    <a:masterClrMapping/>
+  </p:clrMapOvr>
+  <p:timing>
+    <p:tnLst>
+      <p:par>
+        <p:cTn id="1" dur="indefinite" restart="never" nodeType="tmRoot">
+          <p:childTnLst>
+            <p:seq concurrent="1" nextAc="seek">
+              <p:cTn id="2" dur="indefinite" nodeType="mainSeq">
+                <p:childTnLst>
+                  <p:par>
+                    <p:cTn id="3" fill="hold">
+                      <p:stCondLst>
+                        <p:cond delay="indefinite"/>
+                      </p:stCondLst>
+                      <p:childTnLst>
+                        <p:par>
+                          <p:cTn id="4" fill="hold">
+                            <p:stCondLst>
+                              <p:cond delay="0"/>
+                            </p:stCondLst>
+                            <p:childTnLst>
+                              <p:par>
+                                <p:cTn id="5" presetID="10" presetClass="entr" presetSubtype="0" fill="hold" nodeType="clickEffect">
+                                  <p:stCondLst>
+                                    <p:cond delay="0"/>
+                                  </p:stCondLst>
+                                  <p:childTnLst>
+                                    <p:set>
+                                      <p:cBhvr>
+                                        <p:cTn id="6" dur="1" fill="hold">
+                                          <p:stCondLst>
+                                            <p:cond delay="0"/>
+                                          </p:stCondLst>
+                                        </p:cTn>
+                                        <p:tgtEl>
+                                          <p:spTgt spid="8"/>
+                                        </p:tgtEl>
+                                        <p:attrNameLst>
+                                          <p:attrName>style.visibility</p:attrName>
+                                        </p:attrNameLst>
+                                      </p:cBhvr>
+                                      <p:to>
+                                        <p:strVal val="visible"/>
+                                      </p:to>
+                                    </p:set>
+                                    <p:animEffect transition="in" filter="fade">
+                                      <p:cBhvr>
+                                        <p:cTn id="7" dur="500"/>
+                                        <p:tgtEl>
+                                          <p:spTgt spid="8"/>
+                                        </p:tgtEl>
+                                      </p:cBhvr>
+                                    </p:animEffect>
+                                  </p:childTnLst>
+                                </p:cTn>
+                              </p:par>
+                            </p:childTnLst>
+                          </p:cTn>
+                        </p:par>
+                      </p:childTnLst>
+                    </p:cTn>
+                  </p:par>
+                  <p:par>
+                    <p:cTn id="8" fill="hold">
+                      <p:stCondLst>
+                        <p:cond delay="indefinite"/>
+                      </p:stCondLst>
+                      <p:childTnLst>
+                        <p:par>
+                          <p:cTn id="9" fill="hold">
+                            <p:stCondLst>
+                              <p:cond delay="0"/>
+                            </p:stCondLst>
+                            <p:childTnLst>
+                              <p:par>
+                                <p:cTn id="10" presetID="10" presetClass="entr" presetSubtype="0" fill="hold" nodeType="clickEffect">
+                                  <p:stCondLst>
+                                    <p:cond delay="0"/>
+                                  </p:stCondLst>
+                                  <p:childTnLst>
+                                    <p:set>
+                                      <p:cBhvr>
+                                        <p:cTn id="11" dur="1" fill="hold">
+                                          <p:stCondLst>
+                                            <p:cond delay="0"/>
+                                          </p:stCondLst>
+                                        </p:cTn>
+                                        <p:tgtEl>
+                                          <p:spTgt spid="2"/>
+                                        </p:tgtEl>
+                                        <p:attrNameLst>
+                                          <p:attrName>style.visibility</p:attrName>
+                                        </p:attrNameLst>
+                                      </p:cBhvr>
+                                      <p:to>
+                                        <p:strVal val="visible"/>
+                                      </p:to>
+                                    </p:set>
+                                    <p:animEffect transition="in" filter="fade">
+                                      <p:cBhvr>
+                                        <p:cTn id="12" dur="500"/>
+                                        <p:tgtEl>
+                                          <p:spTgt spid="2"/>
+                                        </p:tgtEl>
+                                      </p:cBhvr>
+                                    </p:animEffect>
+                                  </p:childTnLst>
+                                </p:cTn>
+                              </p:par>
+                            </p:childTnLst>
+                          </p:cTn>
+                        </p:par>
+                      </p:childTnLst>
+                    </p:cTn>
+                  </p:par>
+                </p:childTnLst>
+              </p:cTn>
+              <p:prevCondLst>
+                <p:cond evt="onPrev" delay="0">
+                  <p:tgtEl>
+                    <p:sldTgt/>
+                  </p:tgtEl>
+                </p:cond>
+              </p:prevCondLst>
+              <p:nextCondLst>
+                <p:cond evt="onNext" delay="0">
+                  <p:tgtEl>
+                    <p:sldTgt/>
+                  </p:tgtEl>
+                </p:cond>
+              </p:nextCondLst>
+            </p:seq>
+          </p:childTnLst>
+        </p:cTn>
+      </p:par>
+    </p:tnLst>
+  </p:timing>
+</p:sld>
+</file>
+
+<file path=ppt/slides/slide4.xml><?xml version="1.0" encoding="utf-8"?>
+<p:sld xmlns:a="http://schemas.openxmlformats.org/drawingml/2006/main" xmlns:r="http://schemas.openxmlformats.org/officeDocument/2006/relationships" xmlns:p="http://schemas.openxmlformats.org/presentationml/2006/main">
+  <p:cSld>
+    <p:spTree>
+      <p:nvGrpSpPr>
+        <p:cNvPr id="1" name=""/>
+        <p:cNvGrpSpPr/>
+        <p:nvPr/>
+      </p:nvGrpSpPr>
+      <p:grpSpPr>
+        <a:xfrm>
+          <a:off x="0" y="0"/>
+          <a:ext cx="0" cy="0"/>
+          <a:chOff x="0" y="0"/>
+          <a:chExt cx="0" cy="0"/>
+        </a:xfrm>
+      </p:grpSpPr>
+      <p:sp>
+        <p:nvSpPr>
+          <p:cNvPr id="61" name="TextBox 60">
+            <a:extLst>
+              <a:ext uri="{FF2B5EF4-FFF2-40B4-BE49-F238E27FC236}">
+                <a16:creationId xmlns:a16="http://schemas.microsoft.com/office/drawing/2014/main" id="{00721A06-02D8-A24D-97D5-8712D26CF2B9}"/>
+              </a:ext>
+            </a:extLst>
+          </p:cNvPr>
+          <p:cNvSpPr txBox="1"/>
+          <p:nvPr/>
+        </p:nvSpPr>
+        <p:spPr>
+          <a:xfrm>
+            <a:off x="323215" y="137795"/>
+            <a:ext cx="7522845" cy="584835"/>
+          </a:xfrm>
+          <a:prstGeom prst="rect">
+            <a:avLst/>
+          </a:prstGeom>
+          <a:noFill/>
+        </p:spPr>
+        <p:txBody>
+          <a:bodyPr wrap="square" rtlCol="0" anchor="ctr">
+            <a:spAutoFit/>
+          </a:bodyPr>
+          <a:lstStyle/>
+          <a:p>
+            <a:r>
+              <a:rPr lang="en-US" altLang="ko-KR" sz="3200" dirty="0" smtClean="0">
+                <a:effectLst>
+                  <a:outerShdw blurRad="38100" dist="38100" dir="2700000" algn="tl">
+                    <a:srgbClr val="000000">
+                      <a:alpha val="43137"/>
+                    </a:srgbClr>
+                  </a:outerShdw>
+                </a:effectLst>
+                <a:cs typeface="Arial" pitchFamily="34" charset="0"/>
+              </a:rPr>
+              <a:t>1-1.</a:t>
+            </a:r>
+            <a:r>
+              <a:rPr lang="ko-KR" altLang="en-US" sz="3200" dirty="0" smtClean="0">
+                <a:effectLst>
+                  <a:outerShdw blurRad="38100" dist="38100" dir="2700000" algn="tl">
+                    <a:srgbClr val="000000">
+                      <a:alpha val="43137"/>
+                    </a:srgbClr>
+                  </a:outerShdw>
+                </a:effectLst>
+                <a:cs typeface="Arial" pitchFamily="34" charset="0"/>
+              </a:rPr>
+              <a:t> 왜 </a:t>
+            </a:r>
+            <a:r>
+              <a:rPr lang="en-US" altLang="ko-KR" sz="2800" dirty="0" err="1" smtClean="0">
+                <a:effectLst>
+                  <a:outerShdw blurRad="38100" dist="38100" dir="2700000" algn="tl">
+                    <a:srgbClr val="000000">
+                      <a:alpha val="43137"/>
+                    </a:srgbClr>
+                  </a:outerShdw>
+                </a:effectLst>
+                <a:cs typeface="Arial" pitchFamily="34" charset="0"/>
+              </a:rPr>
+              <a:t>Git</a:t>
+            </a:r>
+            <a:r>
+              <a:rPr lang="ko-KR" altLang="en-US" sz="2800" dirty="0" smtClean="0">
+                <a:effectLst>
+                  <a:outerShdw blurRad="38100" dist="38100" dir="2700000" algn="tl">
+                    <a:srgbClr val="000000">
+                      <a:alpha val="43137"/>
+                    </a:srgbClr>
+                  </a:outerShdw>
+                </a:effectLst>
+                <a:cs typeface="Arial" pitchFamily="34" charset="0"/>
+              </a:rPr>
+              <a:t>이 필요할까</a:t>
+            </a:r>
+            <a:r>
+              <a:rPr lang="en-US" altLang="ko-KR" sz="2800" dirty="0" smtClean="0">
+                <a:effectLst>
+                  <a:outerShdw blurRad="38100" dist="38100" dir="2700000" algn="tl">
+                    <a:srgbClr val="000000">
+                      <a:alpha val="43137"/>
+                    </a:srgbClr>
+                  </a:outerShdw>
+                </a:effectLst>
+                <a:cs typeface="Arial" pitchFamily="34" charset="0"/>
+              </a:rPr>
+              <a:t>?</a:t>
+            </a:r>
+            <a:endParaRPr lang="ko-KR" altLang="en-US" sz="2400" dirty="0">
+              <a:effectLst>
+                <a:outerShdw blurRad="38100" dist="38100" dir="2700000" algn="tl">
+                  <a:srgbClr val="000000">
+                    <a:alpha val="43137"/>
+                  </a:srgbClr>
+                </a:outerShdw>
+              </a:effectLst>
+              <a:cs typeface="Arial" pitchFamily="34" charset="0"/>
+            </a:endParaRPr>
+          </a:p>
+        </p:txBody>
+      </p:sp>
+      <p:grpSp>
+        <p:nvGrpSpPr>
+          <p:cNvPr id="6" name="그룹 5"/>
+          <p:cNvGrpSpPr/>
+          <p:nvPr/>
+        </p:nvGrpSpPr>
+        <p:grpSpPr>
+          <a:xfrm>
+            <a:off x="217337" y="1498365"/>
+            <a:ext cx="5365316" cy="4184047"/>
+            <a:chOff x="323215" y="1523734"/>
+            <a:chExt cx="7010502" cy="5136796"/>
+          </a:xfrm>
+        </p:grpSpPr>
+        <p:pic>
+          <p:nvPicPr>
+            <p:cNvPr id="3" name="그림 2"/>
+            <p:cNvPicPr>
+              <a:picLocks noChangeAspect="1"/>
+            </p:cNvPicPr>
+            <p:nvPr/>
+          </p:nvPicPr>
+          <p:blipFill>
+            <a:blip r:embed="rId2"/>
+            <a:stretch>
+              <a:fillRect/>
+            </a:stretch>
+          </p:blipFill>
+          <p:spPr>
+            <a:xfrm>
+              <a:off x="323215" y="1523734"/>
+              <a:ext cx="7010502" cy="2475023"/>
+            </a:xfrm>
+            <a:prstGeom prst="rect">
+              <a:avLst/>
+            </a:prstGeom>
+          </p:spPr>
+        </p:pic>
+        <p:pic>
+          <p:nvPicPr>
+            <p:cNvPr id="4" name="그림 3"/>
+            <p:cNvPicPr>
+              <a:picLocks noChangeAspect="1"/>
+            </p:cNvPicPr>
+            <p:nvPr/>
+          </p:nvPicPr>
+          <p:blipFill>
+            <a:blip r:embed="rId3"/>
+            <a:stretch>
+              <a:fillRect/>
+            </a:stretch>
+          </p:blipFill>
+          <p:spPr>
+            <a:xfrm>
+              <a:off x="323215" y="4060987"/>
+              <a:ext cx="7010502" cy="2599543"/>
+            </a:xfrm>
+            <a:prstGeom prst="rect">
+              <a:avLst/>
+            </a:prstGeom>
+          </p:spPr>
+        </p:pic>
+      </p:grpSp>
+      <p:pic>
+        <p:nvPicPr>
+          <p:cNvPr id="7" name="그림 6"/>
+          <p:cNvPicPr>
+            <a:picLocks noChangeAspect="1"/>
+          </p:cNvPicPr>
+          <p:nvPr/>
+        </p:nvPicPr>
+        <p:blipFill>
+          <a:blip r:embed="rId4"/>
+          <a:stretch>
+            <a:fillRect/>
+          </a:stretch>
+        </p:blipFill>
+        <p:spPr>
+          <a:xfrm>
+            <a:off x="6099884" y="430211"/>
+            <a:ext cx="5500343" cy="6163093"/>
+          </a:xfrm>
+          <a:prstGeom prst="rect">
+            <a:avLst/>
+          </a:prstGeom>
+        </p:spPr>
+      </p:pic>
+      <p:sp>
+        <p:nvSpPr>
+          <p:cNvPr id="10" name="직사각형 9"/>
+          <p:cNvSpPr/>
+          <p:nvPr/>
+        </p:nvSpPr>
+        <p:spPr>
+          <a:xfrm>
+            <a:off x="217337" y="1405288"/>
+            <a:ext cx="5365316" cy="4277125"/>
+          </a:xfrm>
+          <a:prstGeom prst="rect">
+            <a:avLst/>
+          </a:prstGeom>
+          <a:noFill/>
+        </p:spPr>
+        <p:style>
+          <a:lnRef idx="2">
+            <a:schemeClr val="accent1">
+              <a:shade val="50000"/>
+            </a:schemeClr>
+          </a:lnRef>
+          <a:fillRef idx="1">
+            <a:schemeClr val="accent1"/>
+          </a:fillRef>
+          <a:effectRef idx="0">
+            <a:schemeClr val="accent1"/>
+          </a:effectRef>
+          <a:fontRef idx="minor">
+            <a:schemeClr val="lt1"/>
+          </a:fontRef>
+        </p:style>
+        <p:txBody>
+          <a:bodyPr rtlCol="0" anchor="ctr"/>
+          <a:lstStyle/>
+          <a:p>
+            <a:pPr algn="ctr"/>
+            <a:endParaRPr lang="ko-KR" altLang="en-US"/>
+          </a:p>
+        </p:txBody>
+      </p:sp>
+      <p:sp>
+        <p:nvSpPr>
+          <p:cNvPr id="11" name="직사각형 10"/>
+          <p:cNvSpPr/>
+          <p:nvPr/>
+        </p:nvSpPr>
+        <p:spPr>
+          <a:xfrm>
+            <a:off x="6099883" y="346591"/>
+            <a:ext cx="5500343" cy="6246713"/>
+          </a:xfrm>
+          <a:prstGeom prst="rect">
+            <a:avLst/>
+          </a:prstGeom>
+          <a:noFill/>
+        </p:spPr>
+        <p:style>
+          <a:lnRef idx="2">
+            <a:schemeClr val="accent1">
+              <a:shade val="50000"/>
+            </a:schemeClr>
+          </a:lnRef>
+          <a:fillRef idx="1">
+            <a:schemeClr val="accent1"/>
+          </a:fillRef>
+          <a:effectRef idx="0">
+            <a:schemeClr val="accent1"/>
+          </a:effectRef>
+          <a:fontRef idx="minor">
+            <a:schemeClr val="lt1"/>
+          </a:fontRef>
+        </p:style>
+        <p:txBody>
+          <a:bodyPr rtlCol="0" anchor="ctr"/>
+          <a:lstStyle/>
+          <a:p>
+            <a:pPr algn="ctr"/>
+            <a:endParaRPr lang="ko-KR" altLang="en-US"/>
+          </a:p>
+        </p:txBody>
+      </p:sp>
+    </p:spTree>
+    <p:extLst>
+      <p:ext uri="{BB962C8B-B14F-4D97-AF65-F5344CB8AC3E}">
+        <p14:creationId xmlns:p14="http://schemas.microsoft.com/office/powerpoint/2010/main" val="1330482192"/>
+      </p:ext>
+    </p:extLst>
+  </p:cSld>
+  <p:clrMapOvr>
+    <a:masterClrMapping/>
+  </p:clrMapOvr>
+  <p:timing>
+    <p:tnLst>
+      <p:par>
+        <p:cTn id="1" dur="indefinite" restart="never" nodeType="tmRoot">
+          <p:childTnLst>
+            <p:seq concurrent="1" nextAc="seek">
+              <p:cTn id="2" dur="indefinite" nodeType="mainSeq">
+                <p:childTnLst>
+                  <p:par>
+                    <p:cTn id="3" fill="hold">
+                      <p:stCondLst>
+                        <p:cond delay="indefinite"/>
+                      </p:stCondLst>
+                      <p:childTnLst>
+                        <p:par>
+                          <p:cTn id="4" fill="hold">
+                            <p:stCondLst>
+                              <p:cond delay="0"/>
+                            </p:stCondLst>
+                            <p:childTnLst>
+                              <p:par>
+                                <p:cTn id="5" presetID="10" presetClass="entr" presetSubtype="0" fill="hold" nodeType="clickEffect">
+                                  <p:stCondLst>
+                                    <p:cond delay="0"/>
+                                  </p:stCondLst>
+                                  <p:childTnLst>
+                                    <p:set>
+                                      <p:cBhvr>
+                                        <p:cTn id="6" dur="1" fill="hold">
+                                          <p:stCondLst>
+                                            <p:cond delay="0"/>
+                                          </p:stCondLst>
+                                        </p:cTn>
+                                        <p:tgtEl>
+                                          <p:spTgt spid="6"/>
+                                        </p:tgtEl>
+                                        <p:attrNameLst>
+                                          <p:attrName>style.visibility</p:attrName>
+                                        </p:attrNameLst>
+                                      </p:cBhvr>
+                                      <p:to>
+                                        <p:strVal val="visible"/>
+                                      </p:to>
+                                    </p:set>
+                                    <p:animEffect transition="in" filter="fade">
+                                      <p:cBhvr>
+                                        <p:cTn id="7" dur="500"/>
+                                        <p:tgtEl>
+                                          <p:spTgt spid="6"/>
+                                        </p:tgtEl>
+                                      </p:cBhvr>
+                                    </p:animEffect>
+                                  </p:childTnLst>
+                                </p:cTn>
+                              </p:par>
+                            </p:childTnLst>
+                          </p:cTn>
+                        </p:par>
+                      </p:childTnLst>
+                    </p:cTn>
+                  </p:par>
+                  <p:par>
+                    <p:cTn id="8" fill="hold">
+                      <p:stCondLst>
+                        <p:cond delay="indefinite"/>
+                      </p:stCondLst>
+                      <p:childTnLst>
+                        <p:par>
+                          <p:cTn id="9" fill="hold">
+                            <p:stCondLst>
+                              <p:cond delay="0"/>
+                            </p:stCondLst>
+                            <p:childTnLst>
+                              <p:par>
+                                <p:cTn id="10" presetID="10" presetClass="entr" presetSubtype="0" fill="hold" nodeType="clickEffect">
+                                  <p:stCondLst>
+                                    <p:cond delay="0"/>
+                                  </p:stCondLst>
+                                  <p:childTnLst>
+                                    <p:set>
+                                      <p:cBhvr>
+                                        <p:cTn id="11" dur="1" fill="hold">
+                                          <p:stCondLst>
+                                            <p:cond delay="0"/>
+                                          </p:stCondLst>
+                                        </p:cTn>
+                                        <p:tgtEl>
+                                          <p:spTgt spid="7"/>
+                                        </p:tgtEl>
+                                        <p:attrNameLst>
+                                          <p:attrName>style.visibility</p:attrName>
+                                        </p:attrNameLst>
+                                      </p:cBhvr>
+                                      <p:to>
+                                        <p:strVal val="visible"/>
+                                      </p:to>
+                                    </p:set>
+                                    <p:animEffect transition="in" filter="fade">
+                                      <p:cBhvr>
+                                        <p:cTn id="12" dur="500"/>
+                                        <p:tgtEl>
+                                          <p:spTgt spid="7"/>
+                                        </p:tgtEl>
+                                      </p:cBhvr>
+                                    </p:animEffect>
+                                  </p:childTnLst>
+                                </p:cTn>
+                              </p:par>
+                            </p:childTnLst>
+                          </p:cTn>
+                        </p:par>
+                      </p:childTnLst>
+                    </p:cTn>
+                  </p:par>
+                </p:childTnLst>
+              </p:cTn>
+              <p:prevCondLst>
+                <p:cond evt="onPrev" delay="0">
+                  <p:tgtEl>
+                    <p:sldTgt/>
+                  </p:tgtEl>
+                </p:cond>
+              </p:prevCondLst>
+              <p:nextCondLst>
+                <p:cond evt="onNext" delay="0">
+                  <p:tgtEl>
+                    <p:sldTgt/>
+                  </p:tgtEl>
+                </p:cond>
+              </p:nextCondLst>
+            </p:seq>
+          </p:childTnLst>
+        </p:cTn>
+      </p:par>
+    </p:tnLst>
+  </p:timing>
+</p:sld>
+</file>
+
+<file path=ppt/slides/slide5.xml><?xml version="1.0" encoding="utf-8"?>
+<p:sld xmlns:a="http://schemas.openxmlformats.org/drawingml/2006/main" xmlns:r="http://schemas.openxmlformats.org/officeDocument/2006/relationships" xmlns:p="http://schemas.openxmlformats.org/presentationml/2006/main">
+  <p:cSld>
+    <p:spTree>
+      <p:nvGrpSpPr>
+        <p:cNvPr id="1" name=""/>
+        <p:cNvGrpSpPr/>
+        <p:nvPr/>
+      </p:nvGrpSpPr>
+      <p:grpSpPr>
+        <a:xfrm>
+          <a:off x="0" y="0"/>
+          <a:ext cx="0" cy="0"/>
+          <a:chOff x="0" y="0"/>
+          <a:chExt cx="0" cy="0"/>
+        </a:xfrm>
+      </p:grpSpPr>
+      <p:grpSp>
+        <p:nvGrpSpPr>
+          <p:cNvPr id="9" name="그룹 8"/>
+          <p:cNvGrpSpPr/>
+          <p:nvPr/>
+        </p:nvGrpSpPr>
+        <p:grpSpPr>
+          <a:xfrm>
+            <a:off x="323215" y="937030"/>
+            <a:ext cx="5759416" cy="5560333"/>
+            <a:chOff x="718387" y="-372006"/>
+            <a:chExt cx="5008645" cy="4957793"/>
+          </a:xfrm>
+        </p:grpSpPr>
+        <p:pic>
+          <p:nvPicPr>
+            <p:cNvPr id="5" name="그림 4"/>
+            <p:cNvPicPr>
+              <a:picLocks noChangeAspect="1"/>
+            </p:cNvPicPr>
+            <p:nvPr/>
+          </p:nvPicPr>
+          <p:blipFill>
+            <a:blip r:embed="rId2"/>
+            <a:stretch>
+              <a:fillRect/>
+            </a:stretch>
+          </p:blipFill>
+          <p:spPr>
+            <a:xfrm>
+              <a:off x="718387" y="-372006"/>
+              <a:ext cx="5008645" cy="3540211"/>
+            </a:xfrm>
+            <a:prstGeom prst="rect">
+              <a:avLst/>
+            </a:prstGeom>
+          </p:spPr>
+        </p:pic>
+        <p:pic>
+          <p:nvPicPr>
+            <p:cNvPr id="8" name="그림 7"/>
+            <p:cNvPicPr>
+              <a:picLocks noChangeAspect="1"/>
+            </p:cNvPicPr>
+            <p:nvPr/>
+          </p:nvPicPr>
+          <p:blipFill>
+            <a:blip r:embed="rId3"/>
+            <a:stretch>
+              <a:fillRect/>
+            </a:stretch>
+          </p:blipFill>
+          <p:spPr>
+            <a:xfrm>
+              <a:off x="718387" y="3251334"/>
+              <a:ext cx="5008645" cy="1334453"/>
+            </a:xfrm>
+            <a:prstGeom prst="rect">
+              <a:avLst/>
+            </a:prstGeom>
+          </p:spPr>
+        </p:pic>
+      </p:grpSp>
+      <p:pic>
+        <p:nvPicPr>
+          <p:cNvPr id="10" name="그림 9"/>
+          <p:cNvPicPr>
+            <a:picLocks noChangeAspect="1"/>
+          </p:cNvPicPr>
+          <p:nvPr/>
+        </p:nvPicPr>
+        <p:blipFill>
+          <a:blip r:embed="rId4"/>
+          <a:stretch>
+            <a:fillRect/>
+          </a:stretch>
+        </p:blipFill>
+        <p:spPr>
+          <a:xfrm>
+            <a:off x="6349463" y="376475"/>
+            <a:ext cx="5380762" cy="2545788"/>
+          </a:xfrm>
+          <a:prstGeom prst="rect">
+            <a:avLst/>
+          </a:prstGeom>
+        </p:spPr>
+      </p:pic>
+      <p:grpSp>
+        <p:nvGrpSpPr>
+          <p:cNvPr id="13" name="그룹 12"/>
+          <p:cNvGrpSpPr/>
+          <p:nvPr/>
+        </p:nvGrpSpPr>
+        <p:grpSpPr>
+          <a:xfrm>
+            <a:off x="6349463" y="3143875"/>
+            <a:ext cx="5380762" cy="3527243"/>
+            <a:chOff x="6349463" y="3160943"/>
+            <a:chExt cx="5380762" cy="3527243"/>
+          </a:xfrm>
+        </p:grpSpPr>
+        <p:pic>
+          <p:nvPicPr>
+            <p:cNvPr id="11" name="그림 10"/>
+            <p:cNvPicPr>
+              <a:picLocks noChangeAspect="1"/>
+            </p:cNvPicPr>
+            <p:nvPr/>
+          </p:nvPicPr>
+          <p:blipFill>
+            <a:blip r:embed="rId5"/>
+            <a:stretch>
+              <a:fillRect/>
+            </a:stretch>
+          </p:blipFill>
+          <p:spPr>
+            <a:xfrm>
+              <a:off x="6349463" y="3160943"/>
+              <a:ext cx="5380762" cy="2338012"/>
+            </a:xfrm>
+            <a:prstGeom prst="rect">
+              <a:avLst/>
+            </a:prstGeom>
+          </p:spPr>
+        </p:pic>
+        <p:pic>
+          <p:nvPicPr>
+            <p:cNvPr id="12" name="그림 11"/>
+            <p:cNvPicPr>
+              <a:picLocks noChangeAspect="1"/>
+            </p:cNvPicPr>
+            <p:nvPr/>
+          </p:nvPicPr>
+          <p:blipFill>
+            <a:blip r:embed="rId6"/>
+            <a:stretch>
+              <a:fillRect/>
+            </a:stretch>
+          </p:blipFill>
+          <p:spPr>
+            <a:xfrm>
+              <a:off x="6349463" y="5432835"/>
+              <a:ext cx="5380762" cy="1255351"/>
+            </a:xfrm>
+            <a:prstGeom prst="rect">
+              <a:avLst/>
+            </a:prstGeom>
+          </p:spPr>
+        </p:pic>
+      </p:grpSp>
+      <p:sp>
+        <p:nvSpPr>
+          <p:cNvPr id="14" name="직사각형 13"/>
+          <p:cNvSpPr/>
+          <p:nvPr/>
+        </p:nvSpPr>
+        <p:spPr>
+          <a:xfrm>
+            <a:off x="323215" y="815861"/>
+            <a:ext cx="5759416" cy="5777444"/>
+          </a:xfrm>
+          <a:prstGeom prst="rect">
+            <a:avLst/>
+          </a:prstGeom>
+          <a:noFill/>
+        </p:spPr>
+        <p:style>
+          <a:lnRef idx="2">
+            <a:schemeClr val="accent1">
+              <a:shade val="50000"/>
+            </a:schemeClr>
+          </a:lnRef>
+          <a:fillRef idx="1">
+            <a:schemeClr val="accent1"/>
+          </a:fillRef>
+          <a:effectRef idx="0">
+            <a:schemeClr val="accent1"/>
+          </a:effectRef>
+          <a:fontRef idx="minor">
+            <a:schemeClr val="lt1"/>
+          </a:fontRef>
+        </p:style>
+        <p:txBody>
+          <a:bodyPr rtlCol="0" anchor="ctr"/>
+          <a:lstStyle/>
+          <a:p>
+            <a:pPr algn="ctr"/>
+            <a:endParaRPr lang="ko-KR" altLang="en-US"/>
+          </a:p>
+        </p:txBody>
+      </p:sp>
+      <p:sp>
+        <p:nvSpPr>
+          <p:cNvPr id="16" name="직사각형 15"/>
+          <p:cNvSpPr/>
+          <p:nvPr/>
+        </p:nvSpPr>
+        <p:spPr>
+          <a:xfrm>
+            <a:off x="6335794" y="376475"/>
+            <a:ext cx="5474404" cy="2453352"/>
+          </a:xfrm>
+          <a:prstGeom prst="rect">
+            <a:avLst/>
+          </a:prstGeom>
+          <a:noFill/>
+        </p:spPr>
+        <p:style>
+          <a:lnRef idx="2">
+            <a:schemeClr val="accent1">
+              <a:shade val="50000"/>
+            </a:schemeClr>
+          </a:lnRef>
+          <a:fillRef idx="1">
+            <a:schemeClr val="accent1"/>
+          </a:fillRef>
+          <a:effectRef idx="0">
+            <a:schemeClr val="accent1"/>
+          </a:effectRef>
+          <a:fontRef idx="minor">
+            <a:schemeClr val="lt1"/>
+          </a:fontRef>
+        </p:style>
+        <p:txBody>
+          <a:bodyPr rtlCol="0" anchor="ctr"/>
+          <a:lstStyle/>
+          <a:p>
+            <a:pPr algn="ctr"/>
+            <a:endParaRPr lang="ko-KR" altLang="en-US"/>
+          </a:p>
+        </p:txBody>
+      </p:sp>
+      <p:sp>
+        <p:nvSpPr>
+          <p:cNvPr id="19" name="직사각형 18"/>
+          <p:cNvSpPr/>
+          <p:nvPr/>
+        </p:nvSpPr>
+        <p:spPr>
+          <a:xfrm>
+            <a:off x="6349463" y="3143874"/>
+            <a:ext cx="5380762" cy="3527243"/>
+          </a:xfrm>
+          <a:prstGeom prst="rect">
+            <a:avLst/>
+          </a:prstGeom>
+          <a:noFill/>
+        </p:spPr>
+        <p:style>
+          <a:lnRef idx="2">
+            <a:schemeClr val="accent1">
+              <a:shade val="50000"/>
+            </a:schemeClr>
+          </a:lnRef>
+          <a:fillRef idx="1">
+            <a:schemeClr val="accent1"/>
+          </a:fillRef>
+          <a:effectRef idx="0">
+            <a:schemeClr val="accent1"/>
+          </a:effectRef>
+          <a:fontRef idx="minor">
+            <a:schemeClr val="lt1"/>
+          </a:fontRef>
+        </p:style>
+        <p:txBody>
+          <a:bodyPr rtlCol="0" anchor="ctr"/>
+          <a:lstStyle/>
+          <a:p>
+            <a:pPr algn="ctr"/>
+            <a:endParaRPr lang="ko-KR" altLang="en-US"/>
+          </a:p>
+        </p:txBody>
+      </p:sp>
+      <p:sp>
+        <p:nvSpPr>
+          <p:cNvPr id="20" name="TextBox 19">
+            <a:extLst>
+              <a:ext uri="{FF2B5EF4-FFF2-40B4-BE49-F238E27FC236}">
+                <a16:creationId xmlns:a16="http://schemas.microsoft.com/office/drawing/2014/main" id="{00721A06-02D8-A24D-97D5-8712D26CF2B9}"/>
+              </a:ext>
+            </a:extLst>
+          </p:cNvPr>
+          <p:cNvSpPr txBox="1"/>
+          <p:nvPr/>
+        </p:nvSpPr>
+        <p:spPr>
+          <a:xfrm>
+            <a:off x="323215" y="137795"/>
+            <a:ext cx="7522845" cy="584835"/>
+          </a:xfrm>
+          <a:prstGeom prst="rect">
+            <a:avLst/>
+          </a:prstGeom>
+          <a:noFill/>
+        </p:spPr>
+        <p:txBody>
+          <a:bodyPr wrap="square" rtlCol="0" anchor="ctr">
+            <a:spAutoFit/>
+          </a:bodyPr>
+          <a:lstStyle/>
+          <a:p>
+            <a:r>
+              <a:rPr lang="en-US" altLang="ko-KR" sz="3200" dirty="0" smtClean="0">
+                <a:effectLst>
+                  <a:outerShdw blurRad="38100" dist="38100" dir="2700000" algn="tl">
+                    <a:srgbClr val="000000">
+                      <a:alpha val="43137"/>
+                    </a:srgbClr>
+                  </a:outerShdw>
+                </a:effectLst>
+                <a:cs typeface="Arial" pitchFamily="34" charset="0"/>
+              </a:rPr>
+              <a:t>1-1.</a:t>
+            </a:r>
+            <a:r>
+              <a:rPr lang="ko-KR" altLang="en-US" sz="3200" dirty="0" smtClean="0">
+                <a:effectLst>
+                  <a:outerShdw blurRad="38100" dist="38100" dir="2700000" algn="tl">
+                    <a:srgbClr val="000000">
+                      <a:alpha val="43137"/>
+                    </a:srgbClr>
+                  </a:outerShdw>
+                </a:effectLst>
+                <a:cs typeface="Arial" pitchFamily="34" charset="0"/>
+              </a:rPr>
+              <a:t> 왜 </a:t>
+            </a:r>
+            <a:r>
+              <a:rPr lang="en-US" altLang="ko-KR" sz="2800" dirty="0" err="1" smtClean="0">
+                <a:effectLst>
+                  <a:outerShdw blurRad="38100" dist="38100" dir="2700000" algn="tl">
+                    <a:srgbClr val="000000">
+                      <a:alpha val="43137"/>
+                    </a:srgbClr>
+                  </a:outerShdw>
+                </a:effectLst>
+                <a:cs typeface="Arial" pitchFamily="34" charset="0"/>
+              </a:rPr>
+              <a:t>Git</a:t>
+            </a:r>
+            <a:r>
+              <a:rPr lang="ko-KR" altLang="en-US" sz="2800" dirty="0" smtClean="0">
+                <a:effectLst>
+                  <a:outerShdw blurRad="38100" dist="38100" dir="2700000" algn="tl">
+                    <a:srgbClr val="000000">
+                      <a:alpha val="43137"/>
+                    </a:srgbClr>
+                  </a:outerShdw>
+                </a:effectLst>
+                <a:cs typeface="Arial" pitchFamily="34" charset="0"/>
+              </a:rPr>
+              <a:t>이 필요할까</a:t>
+            </a:r>
+            <a:r>
+              <a:rPr lang="en-US" altLang="ko-KR" sz="2800" dirty="0" smtClean="0">
+                <a:effectLst>
+                  <a:outerShdw blurRad="38100" dist="38100" dir="2700000" algn="tl">
+                    <a:srgbClr val="000000">
+                      <a:alpha val="43137"/>
+                    </a:srgbClr>
+                  </a:outerShdw>
+                </a:effectLst>
+                <a:cs typeface="Arial" pitchFamily="34" charset="0"/>
+              </a:rPr>
+              <a:t>?</a:t>
+            </a:r>
+            <a:endParaRPr lang="ko-KR" altLang="en-US" sz="2400" dirty="0">
+              <a:effectLst>
+                <a:outerShdw blurRad="38100" dist="38100" dir="2700000" algn="tl">
+                  <a:srgbClr val="000000">
+                    <a:alpha val="43137"/>
+                  </a:srgbClr>
+                </a:outerShdw>
+              </a:effectLst>
+              <a:cs typeface="Arial" pitchFamily="34" charset="0"/>
+            </a:endParaRPr>
+          </a:p>
+        </p:txBody>
+      </p:sp>
+    </p:spTree>
+    <p:extLst>
+      <p:ext uri="{BB962C8B-B14F-4D97-AF65-F5344CB8AC3E}">
+        <p14:creationId xmlns:p14="http://schemas.microsoft.com/office/powerpoint/2010/main" val="4204119847"/>
+      </p:ext>
+    </p:extLst>
+  </p:cSld>
+  <p:clrMapOvr>
+    <a:masterClrMapping/>
+  </p:clrMapOvr>
+  <p:timing>
+    <p:tnLst>
+      <p:par>
+        <p:cTn id="1" dur="indefinite" restart="never" nodeType="tmRoot">
+          <p:childTnLst>
+            <p:seq concurrent="1" nextAc="seek">
+              <p:cTn id="2" dur="indefinite" nodeType="mainSeq">
+                <p:childTnLst>
+                  <p:par>
+                    <p:cTn id="3" fill="hold">
+                      <p:stCondLst>
+                        <p:cond delay="indefinite"/>
+                      </p:stCondLst>
+                      <p:childTnLst>
+                        <p:par>
+                          <p:cTn id="4" fill="hold">
+                            <p:stCondLst>
+                              <p:cond delay="0"/>
+                            </p:stCondLst>
+                            <p:childTnLst>
+                              <p:par>
+                                <p:cTn id="5" presetID="10" presetClass="entr" presetSubtype="0" fill="hold" nodeType="clickEffect">
+                                  <p:stCondLst>
+                                    <p:cond delay="0"/>
+                                  </p:stCondLst>
+                                  <p:childTnLst>
+                                    <p:set>
+                                      <p:cBhvr>
+                                        <p:cTn id="6" dur="1" fill="hold">
+                                          <p:stCondLst>
+                                            <p:cond delay="0"/>
+                                          </p:stCondLst>
+                                        </p:cTn>
+                                        <p:tgtEl>
+                                          <p:spTgt spid="9"/>
+                                        </p:tgtEl>
+                                        <p:attrNameLst>
+                                          <p:attrName>style.visibility</p:attrName>
+                                        </p:attrNameLst>
+                                      </p:cBhvr>
+                                      <p:to>
+                                        <p:strVal val="visible"/>
+                                      </p:to>
+                                    </p:set>
+                                    <p:animEffect transition="in" filter="fade">
+                                      <p:cBhvr>
+                                        <p:cTn id="7" dur="500"/>
+                                        <p:tgtEl>
+                                          <p:spTgt spid="9"/>
+                                        </p:tgtEl>
+                                      </p:cBhvr>
+                                    </p:animEffect>
+                                  </p:childTnLst>
+                                </p:cTn>
+                              </p:par>
+                            </p:childTnLst>
+                          </p:cTn>
+                        </p:par>
+                      </p:childTnLst>
+                    </p:cTn>
+                  </p:par>
+                  <p:par>
+                    <p:cTn id="8" fill="hold">
+                      <p:stCondLst>
+                        <p:cond delay="indefinite"/>
+                      </p:stCondLst>
+                      <p:childTnLst>
+                        <p:par>
+                          <p:cTn id="9" fill="hold">
+                            <p:stCondLst>
+                              <p:cond delay="0"/>
+                            </p:stCondLst>
+                            <p:childTnLst>
+                              <p:par>
+                                <p:cTn id="10" presetID="10" presetClass="entr" presetSubtype="0" fill="hold" nodeType="clickEffect">
+                                  <p:stCondLst>
+                                    <p:cond delay="0"/>
+                                  </p:stCondLst>
+                                  <p:childTnLst>
+                                    <p:set>
+                                      <p:cBhvr>
+                                        <p:cTn id="11" dur="1" fill="hold">
+                                          <p:stCondLst>
+                                            <p:cond delay="0"/>
+                                          </p:stCondLst>
+                                        </p:cTn>
+                                        <p:tgtEl>
+                                          <p:spTgt spid="10"/>
+                                        </p:tgtEl>
+                                        <p:attrNameLst>
+                                          <p:attrName>style.visibility</p:attrName>
+                                        </p:attrNameLst>
+                                      </p:cBhvr>
+                                      <p:to>
+                                        <p:strVal val="visible"/>
+                                      </p:to>
+                                    </p:set>
+                                    <p:animEffect transition="in" filter="fade">
+                                      <p:cBhvr>
+                                        <p:cTn id="12" dur="500"/>
+                                        <p:tgtEl>
+                                          <p:spTgt spid="10"/>
+                                        </p:tgtEl>
+                                      </p:cBhvr>
+                                    </p:animEffect>
+                                  </p:childTnLst>
+                                </p:cTn>
+                              </p:par>
+                            </p:childTnLst>
+                          </p:cTn>
+                        </p:par>
+                      </p:childTnLst>
+                    </p:cTn>
+                  </p:par>
+                  <p:par>
+                    <p:cTn id="13" fill="hold">
+                      <p:stCondLst>
+                        <p:cond delay="indefinite"/>
+                      </p:stCondLst>
+                      <p:childTnLst>
+                        <p:par>
+                          <p:cTn id="14" fill="hold">
+                            <p:stCondLst>
+                              <p:cond delay="0"/>
+                            </p:stCondLst>
+                            <p:childTnLst>
+                              <p:par>
+                                <p:cTn id="15" presetID="10" presetClass="entr" presetSubtype="0" fill="hold" nodeType="clickEffect">
+                                  <p:stCondLst>
+                                    <p:cond delay="0"/>
+                                  </p:stCondLst>
+                                  <p:childTnLst>
+                                    <p:set>
+                                      <p:cBhvr>
+                                        <p:cTn id="16" dur="1" fill="hold">
+                                          <p:stCondLst>
+                                            <p:cond delay="0"/>
+                                          </p:stCondLst>
+                                        </p:cTn>
+                                        <p:tgtEl>
+                                          <p:spTgt spid="13"/>
+                                        </p:tgtEl>
+                                        <p:attrNameLst>
+                                          <p:attrName>style.visibility</p:attrName>
+                                        </p:attrNameLst>
+                                      </p:cBhvr>
+                                      <p:to>
+                                        <p:strVal val="visible"/>
+                                      </p:to>
+                                    </p:set>
+                                    <p:animEffect transition="in" filter="fade">
+                                      <p:cBhvr>
+                                        <p:cTn id="17" dur="500"/>
+                                        <p:tgtEl>
+                                          <p:spTgt spid="13"/>
+                                        </p:tgtEl>
+                                      </p:cBhvr>
+                                    </p:animEffect>
+                                  </p:childTnLst>
+                                </p:cTn>
+                              </p:par>
+                            </p:childTnLst>
+                          </p:cTn>
+                        </p:par>
+                      </p:childTnLst>
+                    </p:cTn>
+                  </p:par>
+                </p:childTnLst>
+              </p:cTn>
+              <p:prevCondLst>
+                <p:cond evt="onPrev" delay="0">
+                  <p:tgtEl>
+                    <p:sldTgt/>
+                  </p:tgtEl>
+                </p:cond>
+              </p:prevCondLst>
+              <p:nextCondLst>
+                <p:cond evt="onNext" delay="0">
+                  <p:tgtEl>
+                    <p:sldTgt/>
+                  </p:tgtEl>
+                </p:cond>
+              </p:nextCondLst>
+            </p:seq>
+          </p:childTnLst>
+        </p:cTn>
+      </p:par>
+    </p:tnLst>
+  </p:timing>
+</p:sld>
+</file>
+
+<file path=ppt/slides/slide6.xml><?xml version="1.0" encoding="utf-8"?>
+<p:sld xmlns:a="http://schemas.openxmlformats.org/drawingml/2006/main" xmlns:r="http://schemas.openxmlformats.org/officeDocument/2006/relationships" xmlns:p="http://schemas.openxmlformats.org/presentationml/2006/main">
+  <p:cSld>
+    <p:spTree>
+      <p:nvGrpSpPr>
+        <p:cNvPr id="1" name=""/>
+        <p:cNvGrpSpPr/>
+        <p:nvPr/>
+      </p:nvGrpSpPr>
+      <p:grpSpPr>
+        <a:xfrm>
+          <a:off x="0" y="0"/>
+          <a:ext cx="0" cy="0"/>
+          <a:chOff x="0" y="0"/>
+          <a:chExt cx="0" cy="0"/>
+        </a:xfrm>
+      </p:grpSpPr>
       <p:pic>
         <p:nvPicPr>
           <p:cNvPr id="2050" name="Picture 2" descr="Hire Stellar Developers | Dedicated Stellar Blockchain Team"/>
@@ -5497,29 +7352,64 @@
           <a:p>
             <a:r>
               <a:rPr lang="en-US" altLang="ko-KR" sz="3200" dirty="0" smtClean="0">
+                <a:effectLst>
+                  <a:outerShdw blurRad="38100" dist="38100" dir="2700000" algn="tl">
+                    <a:srgbClr val="000000">
+                      <a:alpha val="43137"/>
+                    </a:srgbClr>
+                  </a:outerShdw>
+                </a:effectLst>
                 <a:cs typeface="Arial" pitchFamily="34" charset="0"/>
               </a:rPr>
-              <a:t>1-1.</a:t>
+              <a:t>1-2.</a:t>
             </a:r>
             <a:r>
               <a:rPr lang="ko-KR" altLang="en-US" sz="3200" dirty="0" smtClean="0">
+                <a:effectLst>
+                  <a:outerShdw blurRad="38100" dist="38100" dir="2700000" algn="tl">
+                    <a:srgbClr val="000000">
+                      <a:alpha val="43137"/>
+                    </a:srgbClr>
+                  </a:outerShdw>
+                </a:effectLst>
                 <a:cs typeface="Arial" pitchFamily="34" charset="0"/>
               </a:rPr>
               <a:t> </a:t>
             </a:r>
             <a:r>
-              <a:rPr lang="en-US" altLang="ko-KR" sz="2800" dirty="0" smtClean="0">
-                <a:cs typeface="Arial" pitchFamily="34" charset="0"/>
-              </a:rPr>
-              <a:t>Without </a:t>
-            </a:r>
-            <a:r>
               <a:rPr lang="en-US" altLang="ko-KR" sz="2800" dirty="0" err="1" smtClean="0">
+                <a:effectLst>
+                  <a:outerShdw blurRad="38100" dist="38100" dir="2700000" algn="tl">
+                    <a:srgbClr val="000000">
+                      <a:alpha val="43137"/>
+                    </a:srgbClr>
+                  </a:outerShdw>
+                </a:effectLst>
                 <a:cs typeface="Arial" pitchFamily="34" charset="0"/>
               </a:rPr>
               <a:t>Git</a:t>
             </a:r>
+            <a:r>
+              <a:rPr lang="ko-KR" altLang="en-US" sz="2800" dirty="0" smtClean="0">
+                <a:effectLst>
+                  <a:outerShdw blurRad="38100" dist="38100" dir="2700000" algn="tl">
+                    <a:srgbClr val="000000">
+                      <a:alpha val="43137"/>
+                    </a:srgbClr>
+                  </a:outerShdw>
+                </a:effectLst>
+                <a:cs typeface="Arial" pitchFamily="34" charset="0"/>
+              </a:rPr>
+              <a:t>을 사용하기 전</a:t>
+            </a:r>
             <a:endParaRPr lang="ko-KR" altLang="en-US" sz="2400" dirty="0">
+              <a:effectLst>
+                <a:outerShdw blurRad="38100" dist="38100" dir="2700000" algn="tl">
+                  <a:srgbClr val="000000">
+                    <a:alpha val="43137"/>
+                  </a:srgbClr>
+                </a:outerShdw>
+              </a:effectLst>
               <a:cs typeface="Arial" pitchFamily="34" charset="0"/>
             </a:endParaRPr>
           </a:p>
@@ -5803,7 +7693,7 @@
 </p:sld>
 </file>
 
-<file path=ppt/slides/slide4.xml><?xml version="1.0" encoding="utf-8"?>
+<file path=ppt/slides/slide7.xml><?xml version="1.0" encoding="utf-8"?>
 <p:sld xmlns:a="http://schemas.openxmlformats.org/drawingml/2006/main" xmlns:r="http://schemas.openxmlformats.org/officeDocument/2006/relationships" xmlns:p="http://schemas.openxmlformats.org/presentationml/2006/main">
   <p:cSld>
     <p:spTree>
@@ -6279,7 +8169,7 @@
 </p:sld>
 </file>
 
-<file path=ppt/slides/slide5.xml><?xml version="1.0" encoding="utf-8"?>
+<file path=ppt/slides/slide8.xml><?xml version="1.0" encoding="utf-8"?>
 <p:sld xmlns:a="http://schemas.openxmlformats.org/drawingml/2006/main" xmlns:r="http://schemas.openxmlformats.org/officeDocument/2006/relationships" xmlns:p="http://schemas.openxmlformats.org/presentationml/2006/main">
   <p:cSld>
     <p:spTree>
@@ -6296,158 +8186,6 @@
           <a:chExt cx="0" cy="0"/>
         </a:xfrm>
       </p:grpSpPr>
-      <p:pic>
-        <p:nvPicPr>
-          <p:cNvPr id="3074" name="Picture 2" descr="How to Send Emails From an Excel Spreadsheet Using VBA Scripts | LaptrinhX"/>
-          <p:cNvPicPr>
-            <a:picLocks noChangeAspect="1" noChangeArrowheads="1"/>
-          </p:cNvPicPr>
-          <p:nvPr/>
-        </p:nvPicPr>
-        <p:blipFill>
-          <a:blip r:embed="rId2" cstate="print">
-            <a:extLst>
-              <a:ext uri="{28A0092B-C50C-407E-A947-70E740481C1C}">
-                <a14:useLocalDpi xmlns:a14="http://schemas.microsoft.com/office/drawing/2010/main" val="0"/>
-              </a:ext>
-            </a:extLst>
-          </a:blip>
-          <a:srcRect/>
-          <a:stretch>
-            <a:fillRect/>
-          </a:stretch>
-        </p:blipFill>
-        <p:spPr bwMode="auto">
-          <a:xfrm>
-            <a:off x="502709" y="2216086"/>
-            <a:ext cx="5032258" cy="2516129"/>
-          </a:xfrm>
-          <a:prstGeom prst="rect">
-            <a:avLst/>
-          </a:prstGeom>
-          <a:ln>
-            <a:noFill/>
-          </a:ln>
-          <a:effectLst>
-            <a:softEdge rad="112500"/>
-          </a:effectLst>
-          <a:extLst>
-            <a:ext uri="{909E8E84-426E-40DD-AFC4-6F175D3DCCD1}">
-              <a14:hiddenFill xmlns:a14="http://schemas.microsoft.com/office/drawing/2010/main">
-                <a:solidFill>
-                  <a:srgbClr val="FFFFFF"/>
-                </a:solidFill>
-              </a14:hiddenFill>
-            </a:ext>
-          </a:extLst>
-        </p:spPr>
-      </p:pic>
-      <p:pic>
-        <p:nvPicPr>
-          <p:cNvPr id="2" name="그림 1"/>
-          <p:cNvPicPr>
-            <a:picLocks noChangeAspect="1"/>
-          </p:cNvPicPr>
-          <p:nvPr/>
-        </p:nvPicPr>
-        <p:blipFill>
-          <a:blip r:embed="rId3"/>
-          <a:stretch>
-            <a:fillRect/>
-          </a:stretch>
-        </p:blipFill>
-        <p:spPr>
-          <a:xfrm>
-            <a:off x="6053667" y="430212"/>
-            <a:ext cx="5894555" cy="6087879"/>
-          </a:xfrm>
-          <a:prstGeom prst="rect">
-            <a:avLst/>
-          </a:prstGeom>
-        </p:spPr>
-      </p:pic>
-      <p:pic>
-        <p:nvPicPr>
-          <p:cNvPr id="3078" name="Picture 6" descr="웹툰 짤 네 번째! 대학일기 짤~+ : 네이버 블로그"/>
-          <p:cNvPicPr>
-            <a:picLocks noChangeAspect="1" noChangeArrowheads="1"/>
-          </p:cNvPicPr>
-          <p:nvPr/>
-        </p:nvPicPr>
-        <p:blipFill>
-          <a:blip r:embed="rId4" cstate="print">
-            <a:extLst>
-              <a:ext uri="{28A0092B-C50C-407E-A947-70E740481C1C}">
-                <a14:useLocalDpi xmlns:a14="http://schemas.microsoft.com/office/drawing/2010/main" val="0"/>
-              </a:ext>
-            </a:extLst>
-          </a:blip>
-          <a:srcRect/>
-          <a:stretch>
-            <a:fillRect/>
-          </a:stretch>
-        </p:blipFill>
-        <p:spPr bwMode="auto">
-          <a:xfrm>
-            <a:off x="7927974" y="2074938"/>
-            <a:ext cx="1817158" cy="2798423"/>
-          </a:xfrm>
-          <a:prstGeom prst="rect">
-            <a:avLst/>
-          </a:prstGeom>
-          <a:ln>
-            <a:noFill/>
-          </a:ln>
-          <a:effectLst>
-            <a:softEdge rad="112500"/>
-          </a:effectLst>
-          <a:extLst>
-            <a:ext uri="{909E8E84-426E-40DD-AFC4-6F175D3DCCD1}">
-              <a14:hiddenFill xmlns:a14="http://schemas.microsoft.com/office/drawing/2010/main">
-                <a:solidFill>
-                  <a:srgbClr val="FFFFFF"/>
-                </a:solidFill>
-              </a14:hiddenFill>
-            </a:ext>
-          </a:extLst>
-        </p:spPr>
-      </p:pic>
-      <p:pic>
-        <p:nvPicPr>
-          <p:cNvPr id="3" name="그림 2"/>
-          <p:cNvPicPr>
-            <a:picLocks noChangeAspect="1"/>
-          </p:cNvPicPr>
-          <p:nvPr/>
-        </p:nvPicPr>
-        <p:blipFill>
-          <a:blip r:embed="rId5">
-            <a:extLst>
-              <a:ext uri="{28A0092B-C50C-407E-A947-70E740481C1C}">
-                <a14:useLocalDpi xmlns:a14="http://schemas.microsoft.com/office/drawing/2010/main" val="0"/>
-              </a:ext>
-            </a:extLst>
-          </a:blip>
-          <a:stretch>
-            <a:fillRect/>
-          </a:stretch>
-        </p:blipFill>
-        <p:spPr>
-          <a:xfrm>
-            <a:off x="6083785" y="1955840"/>
-            <a:ext cx="5834317" cy="3036620"/>
-          </a:xfrm>
-          <a:prstGeom prst="rect">
-            <a:avLst/>
-          </a:prstGeom>
-          <a:ln>
-            <a:noFill/>
-          </a:ln>
-          <a:effectLst>
-            <a:softEdge rad="112500"/>
-          </a:effectLst>
-        </p:spPr>
-      </p:pic>
       <p:sp>
         <p:nvSpPr>
           <p:cNvPr id="11" name="TextBox 10">
@@ -6506,6 +8244,52 @@
           </a:p>
         </p:txBody>
       </p:sp>
+      <p:sp>
+        <p:nvSpPr>
+          <p:cNvPr id="7" name="TextBox 6">
+            <a:extLst>
+              <a:ext uri="{FF2B5EF4-FFF2-40B4-BE49-F238E27FC236}">
+                <a16:creationId xmlns:a16="http://schemas.microsoft.com/office/drawing/2014/main" id="{00721A06-02D8-A24D-97D5-8712D26CF2B9}"/>
+              </a:ext>
+            </a:extLst>
+          </p:cNvPr>
+          <p:cNvSpPr txBox="1"/>
+          <p:nvPr/>
+        </p:nvSpPr>
+        <p:spPr>
+          <a:xfrm>
+            <a:off x="4616083" y="1752089"/>
+            <a:ext cx="3026376" cy="461665"/>
+          </a:xfrm>
+          <a:prstGeom prst="rect">
+            <a:avLst/>
+          </a:prstGeom>
+          <a:noFill/>
+        </p:spPr>
+        <p:txBody>
+          <a:bodyPr wrap="square" rtlCol="0" anchor="ctr">
+            <a:spAutoFit/>
+          </a:bodyPr>
+          <a:lstStyle/>
+          <a:p>
+            <a:r>
+              <a:rPr lang="ko-KR" altLang="en-US" sz="2400" dirty="0" err="1" smtClean="0">
+                <a:cs typeface="Arial" pitchFamily="34" charset="0"/>
+              </a:rPr>
+              <a:t>여러명이서</a:t>
+            </a:r>
+            <a:r>
+              <a:rPr lang="ko-KR" altLang="en-US" sz="2400" dirty="0" smtClean="0">
+                <a:cs typeface="Arial" pitchFamily="34" charset="0"/>
+              </a:rPr>
+              <a:t> </a:t>
+            </a:r>
+            <a:endParaRPr lang="ko-KR" altLang="en-US" sz="2400" dirty="0">
+              <a:cs typeface="Arial" pitchFamily="34" charset="0"/>
+            </a:endParaRPr>
+          </a:p>
+        </p:txBody>
+      </p:sp>
     </p:spTree>
     <p:extLst>
       <p:ext uri="{BB962C8B-B14F-4D97-AF65-F5344CB8AC3E}">
@@ -6519,249 +8303,14 @@
   <p:timing>
     <p:tnLst>
       <p:par>
-        <p:cTn id="1" dur="indefinite" restart="never" nodeType="tmRoot">
-          <p:childTnLst>
-            <p:seq concurrent="1" nextAc="seek">
-              <p:cTn id="2" dur="indefinite" nodeType="mainSeq">
-                <p:childTnLst>
-                  <p:par>
-                    <p:cTn id="3" fill="hold">
-                      <p:stCondLst>
-                        <p:cond delay="indefinite"/>
-                      </p:stCondLst>
-                      <p:childTnLst>
-                        <p:par>
-                          <p:cTn id="4" fill="hold">
-                            <p:stCondLst>
-                              <p:cond delay="0"/>
-                            </p:stCondLst>
-                            <p:childTnLst>
-                              <p:par>
-                                <p:cTn id="5" presetID="10" presetClass="entr" presetSubtype="0" fill="hold" nodeType="clickEffect">
-                                  <p:stCondLst>
-                                    <p:cond delay="0"/>
-                                  </p:stCondLst>
-                                  <p:childTnLst>
-                                    <p:set>
-                                      <p:cBhvr>
-                                        <p:cTn id="6" dur="1" fill="hold">
-                                          <p:stCondLst>
-                                            <p:cond delay="0"/>
-                                          </p:stCondLst>
-                                        </p:cTn>
-                                        <p:tgtEl>
-                                          <p:spTgt spid="3074"/>
-                                        </p:tgtEl>
-                                        <p:attrNameLst>
-                                          <p:attrName>style.visibility</p:attrName>
-                                        </p:attrNameLst>
-                                      </p:cBhvr>
-                                      <p:to>
-                                        <p:strVal val="visible"/>
-                                      </p:to>
-                                    </p:set>
-                                    <p:animEffect transition="in" filter="fade">
-                                      <p:cBhvr>
-                                        <p:cTn id="7" dur="500"/>
-                                        <p:tgtEl>
-                                          <p:spTgt spid="3074"/>
-                                        </p:tgtEl>
-                                      </p:cBhvr>
-                                    </p:animEffect>
-                                  </p:childTnLst>
-                                </p:cTn>
-                              </p:par>
-                            </p:childTnLst>
-                          </p:cTn>
-                        </p:par>
-                      </p:childTnLst>
-                    </p:cTn>
-                  </p:par>
-                  <p:par>
-                    <p:cTn id="8" fill="hold">
-                      <p:stCondLst>
-                        <p:cond delay="indefinite"/>
-                      </p:stCondLst>
-                      <p:childTnLst>
-                        <p:par>
-                          <p:cTn id="9" fill="hold">
-                            <p:stCondLst>
-                              <p:cond delay="0"/>
-                            </p:stCondLst>
-                            <p:childTnLst>
-                              <p:par>
-                                <p:cTn id="10" presetID="10" presetClass="entr" presetSubtype="0" fill="hold" nodeType="clickEffect">
-                                  <p:stCondLst>
-                                    <p:cond delay="0"/>
-                                  </p:stCondLst>
-                                  <p:childTnLst>
-                                    <p:set>
-                                      <p:cBhvr>
-                                        <p:cTn id="11" dur="1" fill="hold">
-                                          <p:stCondLst>
-                                            <p:cond delay="0"/>
-                                          </p:stCondLst>
-                                        </p:cTn>
-                                        <p:tgtEl>
-                                          <p:spTgt spid="2"/>
-                                        </p:tgtEl>
-                                        <p:attrNameLst>
-                                          <p:attrName>style.visibility</p:attrName>
-                                        </p:attrNameLst>
-                                      </p:cBhvr>
-                                      <p:to>
-                                        <p:strVal val="visible"/>
-                                      </p:to>
-                                    </p:set>
-                                    <p:animEffect transition="in" filter="fade">
-                                      <p:cBhvr>
-                                        <p:cTn id="12" dur="500"/>
-                                        <p:tgtEl>
-                                          <p:spTgt spid="2"/>
-                                        </p:tgtEl>
-                                      </p:cBhvr>
-                                    </p:animEffect>
-                                  </p:childTnLst>
-                                </p:cTn>
-                              </p:par>
-                            </p:childTnLst>
-                          </p:cTn>
-                        </p:par>
-                      </p:childTnLst>
-                    </p:cTn>
-                  </p:par>
-                  <p:par>
-                    <p:cTn id="13" fill="hold">
-                      <p:stCondLst>
-                        <p:cond delay="indefinite"/>
-                      </p:stCondLst>
-                      <p:childTnLst>
-                        <p:par>
-                          <p:cTn id="14" fill="hold">
-                            <p:stCondLst>
-                              <p:cond delay="0"/>
-                            </p:stCondLst>
-                            <p:childTnLst>
-                              <p:par>
-                                <p:cTn id="15" presetID="10" presetClass="entr" presetSubtype="0" fill="hold" nodeType="clickEffect">
-                                  <p:stCondLst>
-                                    <p:cond delay="0"/>
-                                  </p:stCondLst>
-                                  <p:childTnLst>
-                                    <p:set>
-                                      <p:cBhvr>
-                                        <p:cTn id="16" dur="1" fill="hold">
-                                          <p:stCondLst>
-                                            <p:cond delay="0"/>
-                                          </p:stCondLst>
-                                        </p:cTn>
-                                        <p:tgtEl>
-                                          <p:spTgt spid="3078"/>
-                                        </p:tgtEl>
-                                        <p:attrNameLst>
-                                          <p:attrName>style.visibility</p:attrName>
-                                        </p:attrNameLst>
-                                      </p:cBhvr>
-                                      <p:to>
-                                        <p:strVal val="visible"/>
-                                      </p:to>
-                                    </p:set>
-                                    <p:animEffect transition="in" filter="fade">
-                                      <p:cBhvr>
-                                        <p:cTn id="17" dur="500"/>
-                                        <p:tgtEl>
-                                          <p:spTgt spid="3078"/>
-                                        </p:tgtEl>
-                                      </p:cBhvr>
-                                    </p:animEffect>
-                                  </p:childTnLst>
-                                </p:cTn>
-                              </p:par>
-                            </p:childTnLst>
-                          </p:cTn>
-                        </p:par>
-                      </p:childTnLst>
-                    </p:cTn>
-                  </p:par>
-                  <p:par>
-                    <p:cTn id="18" fill="hold">
-                      <p:stCondLst>
-                        <p:cond delay="indefinite"/>
-                      </p:stCondLst>
-                      <p:childTnLst>
-                        <p:par>
-                          <p:cTn id="19" fill="hold">
-                            <p:stCondLst>
-                              <p:cond delay="0"/>
-                            </p:stCondLst>
-                            <p:childTnLst>
-                              <p:par>
-                                <p:cTn id="20" presetID="10" presetClass="entr" presetSubtype="0" fill="hold" nodeType="clickEffect">
-                                  <p:stCondLst>
-                                    <p:cond delay="0"/>
-                                  </p:stCondLst>
-                                  <p:childTnLst>
-                                    <p:set>
-                                      <p:cBhvr>
-                                        <p:cTn id="21" dur="1" fill="hold">
-                                          <p:stCondLst>
-                                            <p:cond delay="0"/>
-                                          </p:stCondLst>
-                                        </p:cTn>
-                                        <p:tgtEl>
-                                          <p:spTgt spid="3"/>
-                                        </p:tgtEl>
-                                        <p:attrNameLst>
-                                          <p:attrName>style.visibility</p:attrName>
-                                        </p:attrNameLst>
-                                      </p:cBhvr>
-                                      <p:to>
-                                        <p:strVal val="visible"/>
-                                      </p:to>
-                                    </p:set>
-                                    <p:animEffect transition="in" filter="fade">
-                                      <p:cBhvr>
-                                        <p:cTn id="22" dur="500"/>
-                                        <p:tgtEl>
-                                          <p:spTgt spid="3"/>
-                                        </p:tgtEl>
-                                      </p:cBhvr>
-                                    </p:animEffect>
-                                  </p:childTnLst>
-                                </p:cTn>
-                              </p:par>
-                            </p:childTnLst>
-                          </p:cTn>
-                        </p:par>
-                      </p:childTnLst>
-                    </p:cTn>
-                  </p:par>
-                </p:childTnLst>
-              </p:cTn>
-              <p:prevCondLst>
-                <p:cond evt="onPrev" delay="0">
-                  <p:tgtEl>
-                    <p:sldTgt/>
-                  </p:tgtEl>
-                </p:cond>
-              </p:prevCondLst>
-              <p:nextCondLst>
-                <p:cond evt="onNext" delay="0">
-                  <p:tgtEl>
-                    <p:sldTgt/>
-                  </p:tgtEl>
-                </p:cond>
-              </p:nextCondLst>
-            </p:seq>
-          </p:childTnLst>
-        </p:cTn>
+        <p:cTn id="1" dur="indefinite" restart="never" nodeType="tmRoot"/>
       </p:par>
     </p:tnLst>
   </p:timing>
 </p:sld>
 </file>
 
-<file path=ppt/slides/slide6.xml><?xml version="1.0" encoding="utf-8"?>
+<file path=ppt/slides/slide9.xml><?xml version="1.0" encoding="utf-8"?>
 <p:sld xmlns:a="http://schemas.openxmlformats.org/drawingml/2006/main" xmlns:r="http://schemas.openxmlformats.org/officeDocument/2006/relationships" xmlns:p="http://schemas.openxmlformats.org/presentationml/2006/main">
   <p:cSld>
     <p:spTree>
@@ -6901,314 +8450,6 @@
     <p:extLst>
       <p:ext uri="{BB962C8B-B14F-4D97-AF65-F5344CB8AC3E}">
         <p14:creationId xmlns:p14="http://schemas.microsoft.com/office/powerpoint/2010/main" val="4219580201"/>
-      </p:ext>
-    </p:extLst>
-  </p:cSld>
-  <p:clrMapOvr>
-    <a:masterClrMapping/>
-  </p:clrMapOvr>
-  <p:timing>
-    <p:tnLst>
-      <p:par>
-        <p:cTn id="1" dur="indefinite" restart="never" nodeType="tmRoot"/>
-      </p:par>
-    </p:tnLst>
-  </p:timing>
-</p:sld>
-</file>
-
-<file path=ppt/slides/slide7.xml><?xml version="1.0" encoding="utf-8"?>
-<p:sld xmlns:a="http://schemas.openxmlformats.org/drawingml/2006/main" xmlns:r="http://schemas.openxmlformats.org/officeDocument/2006/relationships" xmlns:p="http://schemas.openxmlformats.org/presentationml/2006/main">
-  <p:cSld>
-    <p:spTree>
-      <p:nvGrpSpPr>
-        <p:cNvPr id="1" name=""/>
-        <p:cNvGrpSpPr/>
-        <p:nvPr/>
-      </p:nvGrpSpPr>
-      <p:grpSpPr>
-        <a:xfrm>
-          <a:off x="0" y="0"/>
-          <a:ext cx="0" cy="0"/>
-          <a:chOff x="0" y="0"/>
-          <a:chExt cx="0" cy="0"/>
-        </a:xfrm>
-      </p:grpSpPr>
-      <p:sp>
-        <p:nvSpPr>
-          <p:cNvPr id="4" name="직사각형 3"/>
-          <p:cNvSpPr/>
-          <p:nvPr/>
-        </p:nvSpPr>
-        <p:spPr>
-          <a:xfrm>
-            <a:off x="476931" y="4388630"/>
-            <a:ext cx="6748462" cy="381934"/>
-          </a:xfrm>
-          <a:prstGeom prst="rect">
-            <a:avLst/>
-          </a:prstGeom>
-          <a:noFill/>
-          <a:ln w="76200">
-            <a:solidFill>
-              <a:srgbClr val="FF0000"/>
-            </a:solidFill>
-          </a:ln>
-        </p:spPr>
-        <p:style>
-          <a:lnRef idx="2">
-            <a:schemeClr val="accent2"/>
-          </a:lnRef>
-          <a:fillRef idx="1">
-            <a:schemeClr val="lt1"/>
-          </a:fillRef>
-          <a:effectRef idx="0">
-            <a:schemeClr val="accent2"/>
-          </a:effectRef>
-          <a:fontRef idx="minor">
-            <a:schemeClr val="dk1"/>
-          </a:fontRef>
-        </p:style>
-        <p:txBody>
-          <a:bodyPr rtlCol="0" anchor="ctr"/>
-          <a:lstStyle/>
-          <a:p>
-            <a:pPr algn="ctr"/>
-            <a:endParaRPr lang="ko-KR" altLang="en-US"/>
-          </a:p>
-        </p:txBody>
-      </p:sp>
-      <p:sp>
-        <p:nvSpPr>
-          <p:cNvPr id="8" name="직사각형 7"/>
-          <p:cNvSpPr/>
-          <p:nvPr/>
-        </p:nvSpPr>
-        <p:spPr>
-          <a:xfrm>
-            <a:off x="1804308" y="1308735"/>
-            <a:ext cx="1396092" cy="271562"/>
-          </a:xfrm>
-          <a:prstGeom prst="rect">
-            <a:avLst/>
-          </a:prstGeom>
-          <a:noFill/>
-          <a:ln w="28575">
-            <a:solidFill>
-              <a:srgbClr val="FF0000"/>
-            </a:solidFill>
-          </a:ln>
-        </p:spPr>
-        <p:style>
-          <a:lnRef idx="2">
-            <a:schemeClr val="accent2"/>
-          </a:lnRef>
-          <a:fillRef idx="1">
-            <a:schemeClr val="lt1"/>
-          </a:fillRef>
-          <a:effectRef idx="0">
-            <a:schemeClr val="accent2"/>
-          </a:effectRef>
-          <a:fontRef idx="minor">
-            <a:schemeClr val="dk1"/>
-          </a:fontRef>
-        </p:style>
-        <p:txBody>
-          <a:bodyPr rtlCol="0" anchor="ctr"/>
-          <a:lstStyle/>
-          <a:p>
-            <a:pPr algn="ctr"/>
-            <a:endParaRPr lang="ko-KR" altLang="en-US"/>
-          </a:p>
-        </p:txBody>
-      </p:sp>
-      <p:pic>
-        <p:nvPicPr>
-          <p:cNvPr id="9" name="Picture 2" descr="나이스 - 뽐뿌:짤방갤러리"/>
-          <p:cNvPicPr>
-            <a:picLocks noChangeAspect="1" noChangeArrowheads="1"/>
-          </p:cNvPicPr>
-          <p:nvPr/>
-        </p:nvPicPr>
-        <p:blipFill>
-          <a:blip r:embed="rId2">
-            <a:extLst>
-              <a:ext uri="{28A0092B-C50C-407E-A947-70E740481C1C}">
-                <a14:useLocalDpi xmlns:a14="http://schemas.microsoft.com/office/drawing/2010/main" val="0"/>
-              </a:ext>
-            </a:extLst>
-          </a:blip>
-          <a:srcRect/>
-          <a:stretch>
-            <a:fillRect/>
-          </a:stretch>
-        </p:blipFill>
-        <p:spPr bwMode="auto">
-          <a:xfrm>
-            <a:off x="8465471" y="816429"/>
-            <a:ext cx="2390775" cy="1914525"/>
-          </a:xfrm>
-          <a:prstGeom prst="rect">
-            <a:avLst/>
-          </a:prstGeom>
-          <a:ln>
-            <a:noFill/>
-          </a:ln>
-          <a:effectLst>
-            <a:softEdge rad="112500"/>
-          </a:effectLst>
-          <a:extLst>
-            <a:ext uri="{909E8E84-426E-40DD-AFC4-6F175D3DCCD1}">
-              <a14:hiddenFill xmlns:a14="http://schemas.microsoft.com/office/drawing/2010/main">
-                <a:solidFill>
-                  <a:srgbClr val="FFFFFF"/>
-                </a:solidFill>
-              </a14:hiddenFill>
-            </a:ext>
-          </a:extLst>
-        </p:spPr>
-      </p:pic>
-    </p:spTree>
-    <p:extLst>
-      <p:ext uri="{BB962C8B-B14F-4D97-AF65-F5344CB8AC3E}">
-        <p14:creationId xmlns:p14="http://schemas.microsoft.com/office/powerpoint/2010/main" val="3329504896"/>
-      </p:ext>
-    </p:extLst>
-  </p:cSld>
-  <p:clrMapOvr>
-    <a:masterClrMapping/>
-  </p:clrMapOvr>
-  <p:timing>
-    <p:tnLst>
-      <p:par>
-        <p:cTn id="1" dur="indefinite" restart="never" nodeType="tmRoot"/>
-      </p:par>
-    </p:tnLst>
-  </p:timing>
-</p:sld>
-</file>
-
-<file path=ppt/slides/slide8.xml><?xml version="1.0" encoding="utf-8"?>
-<p:sld xmlns:a="http://schemas.openxmlformats.org/drawingml/2006/main" xmlns:r="http://schemas.openxmlformats.org/officeDocument/2006/relationships" xmlns:p="http://schemas.openxmlformats.org/presentationml/2006/main">
-  <p:cSld>
-    <p:spTree>
-      <p:nvGrpSpPr>
-        <p:cNvPr id="1" name=""/>
-        <p:cNvGrpSpPr/>
-        <p:nvPr/>
-      </p:nvGrpSpPr>
-      <p:grpSpPr>
-        <a:xfrm>
-          <a:off x="0" y="0"/>
-          <a:ext cx="0" cy="0"/>
-          <a:chOff x="0" y="0"/>
-          <a:chExt cx="0" cy="0"/>
-        </a:xfrm>
-      </p:grpSpPr>
-      <p:sp>
-        <p:nvSpPr>
-          <p:cNvPr id="7" name="직사각형 6"/>
-          <p:cNvSpPr/>
-          <p:nvPr/>
-        </p:nvSpPr>
-        <p:spPr>
-          <a:xfrm>
-            <a:off x="4279662" y="3081636"/>
-            <a:ext cx="3394767" cy="1877437"/>
-          </a:xfrm>
-          <a:prstGeom prst="rect">
-            <a:avLst/>
-          </a:prstGeom>
-          <a:noFill/>
-        </p:spPr>
-        <p:txBody>
-          <a:bodyPr wrap="square" lIns="91440" tIns="45720" rIns="91440" bIns="45720">
-            <a:spAutoFit/>
-          </a:bodyPr>
-          <a:lstStyle/>
-          <a:p>
-            <a:pPr algn="ctr"/>
-            <a:r>
-              <a:rPr lang="ko-KR" altLang="en-US" sz="4400" b="0" cap="none" spc="0" dirty="0" smtClean="0">
-                <a:ln w="0"/>
-                <a:solidFill>
-                  <a:schemeClr val="tx1"/>
-                </a:solidFill>
-                <a:effectLst>
-                  <a:outerShdw blurRad="38100" dist="19050" dir="2700000" algn="tl" rotWithShape="0">
-                    <a:schemeClr val="dk1">
-                      <a:alpha val="40000"/>
-                    </a:schemeClr>
-                  </a:outerShdw>
-                </a:effectLst>
-              </a:rPr>
-              <a:t>감사합니다</a:t>
-            </a:r>
-            <a:endParaRPr lang="en-US" altLang="ko-KR" sz="4400" b="0" cap="none" spc="0" dirty="0" smtClean="0">
-              <a:ln w="0"/>
-              <a:solidFill>
-                <a:schemeClr val="tx1"/>
-              </a:solidFill>
-              <a:effectLst>
-                <a:outerShdw blurRad="38100" dist="19050" dir="2700000" algn="tl" rotWithShape="0">
-                  <a:schemeClr val="dk1">
-                    <a:alpha val="40000"/>
-                  </a:schemeClr>
-                </a:outerShdw>
-              </a:effectLst>
-            </a:endParaRPr>
-          </a:p>
-          <a:p>
-            <a:pPr algn="ctr"/>
-            <a:endParaRPr lang="en-US" altLang="ko-KR" sz="4400" dirty="0">
-              <a:ln w="0"/>
-              <a:effectLst>
-                <a:outerShdw blurRad="38100" dist="19050" dir="2700000" algn="tl" rotWithShape="0">
-                  <a:schemeClr val="dk1">
-                    <a:alpha val="40000"/>
-                  </a:schemeClr>
-                </a:outerShdw>
-              </a:effectLst>
-            </a:endParaRPr>
-          </a:p>
-          <a:p>
-            <a:pPr algn="ctr"/>
-            <a:r>
-              <a:rPr lang="ko-KR" altLang="en-US" sz="2800" b="0" cap="none" spc="0" dirty="0" smtClean="0">
-                <a:ln w="0"/>
-                <a:solidFill>
-                  <a:schemeClr val="tx1"/>
-                </a:solidFill>
-                <a:effectLst>
-                  <a:outerShdw blurRad="38100" dist="19050" dir="2700000" algn="tl" rotWithShape="0">
-                    <a:schemeClr val="dk1">
-                      <a:alpha val="40000"/>
-                    </a:schemeClr>
-                  </a:outerShdw>
-                </a:effectLst>
-              </a:rPr>
-              <a:t>이원재</a:t>
-            </a:r>
-            <a:endParaRPr lang="en-US" altLang="ko-KR" sz="4400" b="0" cap="none" spc="0" dirty="0">
-              <a:ln w="0"/>
-              <a:solidFill>
-                <a:schemeClr val="tx1"/>
-              </a:solidFill>
-              <a:effectLst>
-                <a:outerShdw blurRad="38100" dist="19050" dir="2700000" algn="tl" rotWithShape="0">
-                  <a:schemeClr val="dk1">
-                    <a:alpha val="40000"/>
-                  </a:schemeClr>
-                </a:outerShdw>
-              </a:effectLst>
-            </a:endParaRPr>
-          </a:p>
-        </p:txBody>
-      </p:sp>
-    </p:spTree>
-    <p:extLst>
-      <p:ext uri="{BB962C8B-B14F-4D97-AF65-F5344CB8AC3E}">
-        <p14:creationId xmlns:p14="http://schemas.microsoft.com/office/powerpoint/2010/main" val="2098658592"/>
       </p:ext>
     </p:extLst>
   </p:cSld>

--- a/ppt.pptx
+++ b/ppt.pptx
@@ -7,7 +7,7 @@
     <p:sldMasterId id="2147483750" r:id="rId3"/>
   </p:sldMasterIdLst>
   <p:notesMasterIdLst>
-    <p:notesMasterId r:id="rId15"/>
+    <p:notesMasterId r:id="rId21"/>
   </p:notesMasterIdLst>
   <p:sldIdLst>
     <p:sldId id="401" r:id="rId4"/>
@@ -15,12 +15,18 @@
     <p:sldId id="429" r:id="rId6"/>
     <p:sldId id="431" r:id="rId7"/>
     <p:sldId id="432" r:id="rId8"/>
-    <p:sldId id="424" r:id="rId9"/>
-    <p:sldId id="425" r:id="rId10"/>
-    <p:sldId id="427" r:id="rId11"/>
-    <p:sldId id="413" r:id="rId12"/>
-    <p:sldId id="415" r:id="rId13"/>
-    <p:sldId id="423" r:id="rId14"/>
+    <p:sldId id="434" r:id="rId9"/>
+    <p:sldId id="424" r:id="rId10"/>
+    <p:sldId id="425" r:id="rId11"/>
+    <p:sldId id="435" r:id="rId12"/>
+    <p:sldId id="427" r:id="rId13"/>
+    <p:sldId id="436" r:id="rId14"/>
+    <p:sldId id="437" r:id="rId15"/>
+    <p:sldId id="438" r:id="rId16"/>
+    <p:sldId id="439" r:id="rId17"/>
+    <p:sldId id="440" r:id="rId18"/>
+    <p:sldId id="441" r:id="rId19"/>
+    <p:sldId id="423" r:id="rId20"/>
   </p:sldIdLst>
   <p:sldSz cx="12192000" cy="6858000"/>
   <p:notesSz cx="6858000" cy="9144000"/>
@@ -129,11 +135,17 @@
             <p14:sldId id="429"/>
             <p14:sldId id="431"/>
             <p14:sldId id="432"/>
+            <p14:sldId id="434"/>
             <p14:sldId id="424"/>
             <p14:sldId id="425"/>
+            <p14:sldId id="435"/>
             <p14:sldId id="427"/>
-            <p14:sldId id="413"/>
-            <p14:sldId id="415"/>
+            <p14:sldId id="436"/>
+            <p14:sldId id="437"/>
+            <p14:sldId id="438"/>
+            <p14:sldId id="439"/>
+            <p14:sldId id="440"/>
+            <p14:sldId id="441"/>
             <p14:sldId id="423"/>
           </p14:sldIdLst>
         </p14:section>
@@ -4669,10 +4681,26 @@
           <a:lstStyle/>
           <a:p>
             <a:r>
-              <a:rPr lang="ko-KR" altLang="en-US" smtClean="0"/>
+              <a:rPr lang="ko-KR" altLang="en-US" b="1" dirty="0" smtClean="0">
+                <a:effectLst>
+                  <a:outerShdw blurRad="38100" dist="38100" dir="2700000" algn="tl">
+                    <a:srgbClr val="000000">
+                      <a:alpha val="43137"/>
+                    </a:srgbClr>
+                  </a:outerShdw>
+                </a:effectLst>
+              </a:rPr>
               <a:t>이원재</a:t>
             </a:r>
-            <a:endParaRPr lang="ko-KR" altLang="en-US" dirty="0"/>
+            <a:endParaRPr lang="ko-KR" altLang="en-US" b="1" dirty="0">
+              <a:effectLst>
+                <a:outerShdw blurRad="38100" dist="38100" dir="2700000" algn="tl">
+                  <a:srgbClr val="000000">
+                    <a:alpha val="43137"/>
+                  </a:srgbClr>
+                </a:outerShdw>
+              </a:effectLst>
+            </a:endParaRPr>
           </a:p>
         </p:txBody>
       </p:sp>
@@ -5163,95 +5191,100 @@
       </p:grpSpPr>
       <p:sp>
         <p:nvSpPr>
-          <p:cNvPr id="4" name="직사각형 3"/>
-          <p:cNvSpPr/>
+          <p:cNvPr id="11" name="TextBox 10">
+            <a:extLst>
+              <a:ext uri="{FF2B5EF4-FFF2-40B4-BE49-F238E27FC236}">
+                <a16:creationId xmlns:a16="http://schemas.microsoft.com/office/drawing/2014/main" id="{00721A06-02D8-A24D-97D5-8712D26CF2B9}"/>
+              </a:ext>
+            </a:extLst>
+          </p:cNvPr>
+          <p:cNvSpPr txBox="1"/>
           <p:nvPr/>
         </p:nvSpPr>
         <p:spPr>
           <a:xfrm>
-            <a:off x="476931" y="4388630"/>
-            <a:ext cx="6748462" cy="381934"/>
+            <a:off x="323215" y="168602"/>
+            <a:ext cx="7522845" cy="523220"/>
           </a:xfrm>
           <a:prstGeom prst="rect">
             <a:avLst/>
           </a:prstGeom>
           <a:noFill/>
-          <a:ln w="76200">
-            <a:solidFill>
-              <a:srgbClr val="FF0000"/>
-            </a:solidFill>
-          </a:ln>
         </p:spPr>
-        <p:style>
-          <a:lnRef idx="2">
-            <a:schemeClr val="accent2"/>
-          </a:lnRef>
-          <a:fillRef idx="1">
-            <a:schemeClr val="lt1"/>
-          </a:fillRef>
-          <a:effectRef idx="0">
-            <a:schemeClr val="accent2"/>
-          </a:effectRef>
-          <a:fontRef idx="minor">
-            <a:schemeClr val="dk1"/>
-          </a:fontRef>
-        </p:style>
         <p:txBody>
-          <a:bodyPr rtlCol="0" anchor="ctr"/>
+          <a:bodyPr wrap="square" rtlCol="0" anchor="ctr">
+            <a:spAutoFit/>
+          </a:bodyPr>
           <a:lstStyle/>
           <a:p>
-            <a:pPr algn="ctr"/>
-            <a:endParaRPr lang="ko-KR" altLang="en-US"/>
-          </a:p>
-        </p:txBody>
-      </p:sp>
-      <p:sp>
-        <p:nvSpPr>
-          <p:cNvPr id="8" name="직사각형 7"/>
-          <p:cNvSpPr/>
-          <p:nvPr/>
-        </p:nvSpPr>
-        <p:spPr>
-          <a:xfrm>
-            <a:off x="1804308" y="1308735"/>
-            <a:ext cx="1396092" cy="271562"/>
-          </a:xfrm>
-          <a:prstGeom prst="rect">
-            <a:avLst/>
-          </a:prstGeom>
-          <a:noFill/>
-          <a:ln w="28575">
-            <a:solidFill>
-              <a:srgbClr val="FF0000"/>
-            </a:solidFill>
-          </a:ln>
-        </p:spPr>
-        <p:style>
-          <a:lnRef idx="2">
-            <a:schemeClr val="accent2"/>
-          </a:lnRef>
-          <a:fillRef idx="1">
-            <a:schemeClr val="lt1"/>
-          </a:fillRef>
-          <a:effectRef idx="0">
-            <a:schemeClr val="accent2"/>
-          </a:effectRef>
-          <a:fontRef idx="minor">
-            <a:schemeClr val="dk1"/>
-          </a:fontRef>
-        </p:style>
-        <p:txBody>
-          <a:bodyPr rtlCol="0" anchor="ctr"/>
-          <a:lstStyle/>
-          <a:p>
-            <a:pPr algn="ctr"/>
-            <a:endParaRPr lang="ko-KR" altLang="en-US"/>
+            <a:r>
+              <a:rPr lang="en-US" altLang="ko-KR" sz="2800" dirty="0" smtClean="0">
+                <a:effectLst>
+                  <a:outerShdw blurRad="38100" dist="38100" dir="2700000" algn="tl">
+                    <a:srgbClr val="000000">
+                      <a:alpha val="43137"/>
+                    </a:srgbClr>
+                  </a:outerShdw>
+                </a:effectLst>
+                <a:cs typeface="Arial" pitchFamily="34" charset="0"/>
+              </a:rPr>
+              <a:t>2.</a:t>
+            </a:r>
+            <a:r>
+              <a:rPr lang="ko-KR" altLang="en-US" sz="2800" dirty="0" smtClean="0">
+                <a:effectLst>
+                  <a:outerShdw blurRad="38100" dist="38100" dir="2700000" algn="tl">
+                    <a:srgbClr val="000000">
+                      <a:alpha val="43137"/>
+                    </a:srgbClr>
+                  </a:outerShdw>
+                </a:effectLst>
+                <a:cs typeface="Arial" pitchFamily="34" charset="0"/>
+              </a:rPr>
+              <a:t> </a:t>
+            </a:r>
+            <a:r>
+              <a:rPr lang="en-US" altLang="ko-KR" sz="2800" dirty="0" smtClean="0">
+                <a:effectLst>
+                  <a:outerShdw blurRad="38100" dist="38100" dir="2700000" algn="tl">
+                    <a:srgbClr val="000000">
+                      <a:alpha val="43137"/>
+                    </a:srgbClr>
+                  </a:outerShdw>
+                </a:effectLst>
+                <a:cs typeface="Arial" pitchFamily="34" charset="0"/>
+              </a:rPr>
+              <a:t>Let’s start </a:t>
+            </a:r>
+            <a:r>
+              <a:rPr lang="en-US" altLang="ko-KR" sz="2800" dirty="0" err="1" smtClean="0">
+                <a:effectLst>
+                  <a:outerShdw blurRad="38100" dist="38100" dir="2700000" algn="tl">
+                    <a:srgbClr val="000000">
+                      <a:alpha val="43137"/>
+                    </a:srgbClr>
+                  </a:outerShdw>
+                </a:effectLst>
+                <a:cs typeface="Arial" pitchFamily="34" charset="0"/>
+              </a:rPr>
+              <a:t>Git</a:t>
+            </a:r>
+            <a:endParaRPr lang="ko-KR" altLang="en-US" sz="2800" dirty="0">
+              <a:effectLst>
+                <a:outerShdw blurRad="38100" dist="38100" dir="2700000" algn="tl">
+                  <a:srgbClr val="000000">
+                    <a:alpha val="43137"/>
+                  </a:srgbClr>
+                </a:outerShdw>
+              </a:effectLst>
+              <a:cs typeface="Arial" pitchFamily="34" charset="0"/>
+            </a:endParaRPr>
           </a:p>
         </p:txBody>
       </p:sp>
       <p:pic>
         <p:nvPicPr>
-          <p:cNvPr id="9" name="Picture 2" descr="나이스 - 뽐뿌:짤방갤러리"/>
+          <p:cNvPr id="5122" name="Picture 2" descr="Git &amp;amp; GitHub] 왕초보를 위한 깃과 깃허브 사용 튜토리얼"/>
           <p:cNvPicPr>
             <a:picLocks noChangeAspect="1" noChangeArrowheads="1"/>
           </p:cNvPicPr>
@@ -5272,18 +5305,13 @@
         </p:blipFill>
         <p:spPr bwMode="auto">
           <a:xfrm>
-            <a:off x="8465471" y="816429"/>
-            <a:ext cx="2390775" cy="1914525"/>
+            <a:off x="1445358" y="761057"/>
+            <a:ext cx="9693397" cy="5861124"/>
           </a:xfrm>
           <a:prstGeom prst="rect">
             <a:avLst/>
           </a:prstGeom>
-          <a:ln>
-            <a:noFill/>
-          </a:ln>
-          <a:effectLst>
-            <a:softEdge rad="112500"/>
-          </a:effectLst>
+          <a:noFill/>
           <a:extLst>
             <a:ext uri="{909E8E84-426E-40DD-AFC4-6F175D3DCCD1}">
               <a14:hiddenFill xmlns:a14="http://schemas.microsoft.com/office/drawing/2010/main">
@@ -5298,7 +5326,7 @@
     </p:spTree>
     <p:extLst>
       <p:ext uri="{BB962C8B-B14F-4D97-AF65-F5344CB8AC3E}">
-        <p14:creationId xmlns:p14="http://schemas.microsoft.com/office/powerpoint/2010/main" val="3329504896"/>
+        <p14:creationId xmlns:p14="http://schemas.microsoft.com/office/powerpoint/2010/main" val="645307338"/>
       </p:ext>
     </p:extLst>
   </p:cSld>
@@ -5316,6 +5344,2019 @@
 </file>
 
 <file path=ppt/slides/slide11.xml><?xml version="1.0" encoding="utf-8"?>
+<p:sld xmlns:a="http://schemas.openxmlformats.org/drawingml/2006/main" xmlns:r="http://schemas.openxmlformats.org/officeDocument/2006/relationships" xmlns:p="http://schemas.openxmlformats.org/presentationml/2006/main">
+  <p:cSld>
+    <p:spTree>
+      <p:nvGrpSpPr>
+        <p:cNvPr id="1" name=""/>
+        <p:cNvGrpSpPr/>
+        <p:nvPr/>
+      </p:nvGrpSpPr>
+      <p:grpSpPr>
+        <a:xfrm>
+          <a:off x="0" y="0"/>
+          <a:ext cx="0" cy="0"/>
+          <a:chOff x="0" y="0"/>
+          <a:chExt cx="0" cy="0"/>
+        </a:xfrm>
+      </p:grpSpPr>
+      <p:sp>
+        <p:nvSpPr>
+          <p:cNvPr id="11" name="TextBox 10">
+            <a:extLst>
+              <a:ext uri="{FF2B5EF4-FFF2-40B4-BE49-F238E27FC236}">
+                <a16:creationId xmlns:a16="http://schemas.microsoft.com/office/drawing/2014/main" id="{00721A06-02D8-A24D-97D5-8712D26CF2B9}"/>
+              </a:ext>
+            </a:extLst>
+          </p:cNvPr>
+          <p:cNvSpPr txBox="1"/>
+          <p:nvPr/>
+        </p:nvSpPr>
+        <p:spPr>
+          <a:xfrm>
+            <a:off x="323215" y="168602"/>
+            <a:ext cx="7522845" cy="523220"/>
+          </a:xfrm>
+          <a:prstGeom prst="rect">
+            <a:avLst/>
+          </a:prstGeom>
+          <a:noFill/>
+        </p:spPr>
+        <p:txBody>
+          <a:bodyPr wrap="square" rtlCol="0" anchor="ctr">
+            <a:spAutoFit/>
+          </a:bodyPr>
+          <a:lstStyle/>
+          <a:p>
+            <a:r>
+              <a:rPr lang="en-US" altLang="ko-KR" sz="2800" dirty="0" smtClean="0">
+                <a:effectLst>
+                  <a:outerShdw blurRad="38100" dist="38100" dir="2700000" algn="tl">
+                    <a:srgbClr val="000000">
+                      <a:alpha val="43137"/>
+                    </a:srgbClr>
+                  </a:outerShdw>
+                </a:effectLst>
+                <a:cs typeface="Arial" pitchFamily="34" charset="0"/>
+              </a:rPr>
+              <a:t>2.</a:t>
+            </a:r>
+            <a:r>
+              <a:rPr lang="ko-KR" altLang="en-US" sz="2800" dirty="0" smtClean="0">
+                <a:effectLst>
+                  <a:outerShdw blurRad="38100" dist="38100" dir="2700000" algn="tl">
+                    <a:srgbClr val="000000">
+                      <a:alpha val="43137"/>
+                    </a:srgbClr>
+                  </a:outerShdw>
+                </a:effectLst>
+                <a:cs typeface="Arial" pitchFamily="34" charset="0"/>
+              </a:rPr>
+              <a:t> </a:t>
+            </a:r>
+            <a:r>
+              <a:rPr lang="en-US" altLang="ko-KR" sz="2800" dirty="0" smtClean="0">
+                <a:effectLst>
+                  <a:outerShdw blurRad="38100" dist="38100" dir="2700000" algn="tl">
+                    <a:srgbClr val="000000">
+                      <a:alpha val="43137"/>
+                    </a:srgbClr>
+                  </a:outerShdw>
+                </a:effectLst>
+                <a:cs typeface="Arial" pitchFamily="34" charset="0"/>
+              </a:rPr>
+              <a:t>Upload my works</a:t>
+            </a:r>
+            <a:endParaRPr lang="ko-KR" altLang="en-US" sz="2800" dirty="0">
+              <a:effectLst>
+                <a:outerShdw blurRad="38100" dist="38100" dir="2700000" algn="tl">
+                  <a:srgbClr val="000000">
+                    <a:alpha val="43137"/>
+                  </a:srgbClr>
+                </a:outerShdw>
+              </a:effectLst>
+              <a:cs typeface="Arial" pitchFamily="34" charset="0"/>
+            </a:endParaRPr>
+          </a:p>
+        </p:txBody>
+      </p:sp>
+      <p:pic>
+        <p:nvPicPr>
+          <p:cNvPr id="2" name="그림 1"/>
+          <p:cNvPicPr>
+            <a:picLocks noChangeAspect="1"/>
+          </p:cNvPicPr>
+          <p:nvPr/>
+        </p:nvPicPr>
+        <p:blipFill>
+          <a:blip r:embed="rId2"/>
+          <a:stretch>
+            <a:fillRect/>
+          </a:stretch>
+        </p:blipFill>
+        <p:spPr>
+          <a:xfrm>
+            <a:off x="9817862" y="3069575"/>
+            <a:ext cx="1904594" cy="2112789"/>
+          </a:xfrm>
+          <a:prstGeom prst="rect">
+            <a:avLst/>
+          </a:prstGeom>
+        </p:spPr>
+      </p:pic>
+      <p:grpSp>
+        <p:nvGrpSpPr>
+          <p:cNvPr id="3" name="그룹 2"/>
+          <p:cNvGrpSpPr/>
+          <p:nvPr/>
+        </p:nvGrpSpPr>
+        <p:grpSpPr>
+          <a:xfrm>
+            <a:off x="4838392" y="3449829"/>
+            <a:ext cx="3007668" cy="1352280"/>
+            <a:chOff x="1883995" y="4794265"/>
+            <a:chExt cx="7269630" cy="3268504"/>
+          </a:xfrm>
+        </p:grpSpPr>
+        <p:pic>
+          <p:nvPicPr>
+            <p:cNvPr id="4" name="Picture 4" descr="포켓몬스터 골드버전 조작방법 및 저장방법 : 네이버 블로그"/>
+            <p:cNvPicPr>
+              <a:picLocks noChangeAspect="1" noChangeArrowheads="1"/>
+            </p:cNvPicPr>
+            <p:nvPr/>
+          </p:nvPicPr>
+          <p:blipFill>
+            <a:blip r:embed="rId3" cstate="print">
+              <a:extLst>
+                <a:ext uri="{28A0092B-C50C-407E-A947-70E740481C1C}">
+                  <a14:useLocalDpi xmlns:a14="http://schemas.microsoft.com/office/drawing/2010/main" val="0"/>
+                </a:ext>
+              </a:extLst>
+            </a:blip>
+            <a:srcRect/>
+            <a:stretch>
+              <a:fillRect/>
+            </a:stretch>
+          </p:blipFill>
+          <p:spPr bwMode="auto">
+            <a:xfrm>
+              <a:off x="1883995" y="4794265"/>
+              <a:ext cx="3646404" cy="3268504"/>
+            </a:xfrm>
+            <a:prstGeom prst="rect">
+              <a:avLst/>
+            </a:prstGeom>
+            <a:noFill/>
+            <a:extLst>
+              <a:ext uri="{909E8E84-426E-40DD-AFC4-6F175D3DCCD1}">
+                <a14:hiddenFill xmlns:a14="http://schemas.microsoft.com/office/drawing/2010/main">
+                  <a:solidFill>
+                    <a:srgbClr val="FFFFFF"/>
+                  </a:solidFill>
+                </a14:hiddenFill>
+              </a:ext>
+            </a:extLst>
+          </p:spPr>
+        </p:pic>
+        <p:pic>
+          <p:nvPicPr>
+            <p:cNvPr id="14338" name="Picture 2" descr="포켓몬스터 골드버전 조작방법 및 저장방법 : 네이버 블로그"/>
+            <p:cNvPicPr>
+              <a:picLocks noChangeAspect="1" noChangeArrowheads="1"/>
+            </p:cNvPicPr>
+            <p:nvPr/>
+          </p:nvPicPr>
+          <p:blipFill>
+            <a:blip r:embed="rId4" cstate="print">
+              <a:extLst>
+                <a:ext uri="{28A0092B-C50C-407E-A947-70E740481C1C}">
+                  <a14:useLocalDpi xmlns:a14="http://schemas.microsoft.com/office/drawing/2010/main" val="0"/>
+                </a:ext>
+              </a:extLst>
+            </a:blip>
+            <a:srcRect/>
+            <a:stretch>
+              <a:fillRect/>
+            </a:stretch>
+          </p:blipFill>
+          <p:spPr bwMode="auto">
+            <a:xfrm>
+              <a:off x="5530399" y="4794265"/>
+              <a:ext cx="3623226" cy="3260904"/>
+            </a:xfrm>
+            <a:prstGeom prst="rect">
+              <a:avLst/>
+            </a:prstGeom>
+            <a:noFill/>
+            <a:extLst>
+              <a:ext uri="{909E8E84-426E-40DD-AFC4-6F175D3DCCD1}">
+                <a14:hiddenFill xmlns:a14="http://schemas.microsoft.com/office/drawing/2010/main">
+                  <a:solidFill>
+                    <a:srgbClr val="FFFFFF"/>
+                  </a:solidFill>
+                </a14:hiddenFill>
+              </a:ext>
+            </a:extLst>
+          </p:spPr>
+        </p:pic>
+      </p:grpSp>
+      <p:sp>
+        <p:nvSpPr>
+          <p:cNvPr id="8" name="직사각형 7"/>
+          <p:cNvSpPr/>
+          <p:nvPr/>
+        </p:nvSpPr>
+        <p:spPr>
+          <a:xfrm>
+            <a:off x="824238" y="1755538"/>
+            <a:ext cx="1614545" cy="707886"/>
+          </a:xfrm>
+          <a:prstGeom prst="rect">
+            <a:avLst/>
+          </a:prstGeom>
+          <a:noFill/>
+        </p:spPr>
+        <p:txBody>
+          <a:bodyPr wrap="none" lIns="91440" tIns="45720" rIns="91440" bIns="45720">
+            <a:spAutoFit/>
+          </a:bodyPr>
+          <a:lstStyle/>
+          <a:p>
+            <a:r>
+              <a:rPr lang="en-US" altLang="ko-KR" sz="4000" b="0" cap="none" spc="0" dirty="0" err="1" smtClean="0">
+                <a:ln w="0"/>
+                <a:solidFill>
+                  <a:schemeClr val="tx1"/>
+                </a:solidFill>
+                <a:effectLst>
+                  <a:outerShdw blurRad="38100" dist="19050" dir="2700000" algn="tl" rotWithShape="0">
+                    <a:schemeClr val="dk1">
+                      <a:alpha val="40000"/>
+                    </a:schemeClr>
+                  </a:outerShdw>
+                </a:effectLst>
+              </a:rPr>
+              <a:t>git</a:t>
+            </a:r>
+            <a:r>
+              <a:rPr lang="en-US" altLang="ko-KR" sz="4000" b="0" cap="none" spc="0" dirty="0" smtClean="0">
+                <a:ln w="0"/>
+                <a:solidFill>
+                  <a:schemeClr val="tx1"/>
+                </a:solidFill>
+                <a:effectLst>
+                  <a:outerShdw blurRad="38100" dist="19050" dir="2700000" algn="tl" rotWithShape="0">
+                    <a:schemeClr val="dk1">
+                      <a:alpha val="40000"/>
+                    </a:schemeClr>
+                  </a:outerShdw>
+                </a:effectLst>
+              </a:rPr>
+              <a:t> add</a:t>
+            </a:r>
+            <a:endParaRPr lang="en-US" altLang="ko-KR" sz="4000" b="0" cap="none" spc="0" dirty="0">
+              <a:ln w="0"/>
+              <a:solidFill>
+                <a:schemeClr val="tx1"/>
+              </a:solidFill>
+              <a:effectLst>
+                <a:outerShdw blurRad="38100" dist="19050" dir="2700000" algn="tl" rotWithShape="0">
+                  <a:schemeClr val="dk1">
+                    <a:alpha val="40000"/>
+                  </a:schemeClr>
+                </a:outerShdw>
+              </a:effectLst>
+            </a:endParaRPr>
+          </a:p>
+        </p:txBody>
+      </p:sp>
+      <p:sp>
+        <p:nvSpPr>
+          <p:cNvPr id="9" name="위쪽 화살표 8"/>
+          <p:cNvSpPr/>
+          <p:nvPr/>
+        </p:nvSpPr>
+        <p:spPr>
+          <a:xfrm rot="5400000">
+            <a:off x="3486811" y="1864384"/>
+            <a:ext cx="414779" cy="490194"/>
+          </a:xfrm>
+          <a:prstGeom prst="upArrow">
+            <a:avLst/>
+          </a:prstGeom>
+        </p:spPr>
+        <p:style>
+          <a:lnRef idx="0">
+            <a:schemeClr val="accent2"/>
+          </a:lnRef>
+          <a:fillRef idx="3">
+            <a:schemeClr val="accent2"/>
+          </a:fillRef>
+          <a:effectRef idx="3">
+            <a:schemeClr val="accent2"/>
+          </a:effectRef>
+          <a:fontRef idx="minor">
+            <a:schemeClr val="lt1"/>
+          </a:fontRef>
+        </p:style>
+        <p:txBody>
+          <a:bodyPr rtlCol="0" anchor="ctr"/>
+          <a:lstStyle/>
+          <a:p>
+            <a:pPr algn="ctr"/>
+            <a:endParaRPr lang="ko-KR" altLang="en-US"/>
+          </a:p>
+        </p:txBody>
+      </p:sp>
+      <p:sp>
+        <p:nvSpPr>
+          <p:cNvPr id="14" name="직사각형 13"/>
+          <p:cNvSpPr/>
+          <p:nvPr/>
+        </p:nvSpPr>
+        <p:spPr>
+          <a:xfrm>
+            <a:off x="4949619" y="1755538"/>
+            <a:ext cx="2423036" cy="707886"/>
+          </a:xfrm>
+          <a:prstGeom prst="rect">
+            <a:avLst/>
+          </a:prstGeom>
+          <a:noFill/>
+        </p:spPr>
+        <p:txBody>
+          <a:bodyPr wrap="none" lIns="91440" tIns="45720" rIns="91440" bIns="45720">
+            <a:spAutoFit/>
+          </a:bodyPr>
+          <a:lstStyle/>
+          <a:p>
+            <a:r>
+              <a:rPr lang="en-US" altLang="ko-KR" sz="4000" b="0" cap="none" spc="0" dirty="0" err="1" smtClean="0">
+                <a:ln w="0"/>
+                <a:solidFill>
+                  <a:schemeClr val="tx1"/>
+                </a:solidFill>
+                <a:effectLst>
+                  <a:outerShdw blurRad="38100" dist="19050" dir="2700000" algn="tl" rotWithShape="0">
+                    <a:schemeClr val="dk1">
+                      <a:alpha val="40000"/>
+                    </a:schemeClr>
+                  </a:outerShdw>
+                </a:effectLst>
+              </a:rPr>
+              <a:t>git</a:t>
+            </a:r>
+            <a:r>
+              <a:rPr lang="en-US" altLang="ko-KR" sz="4000" b="0" cap="none" spc="0" dirty="0" smtClean="0">
+                <a:ln w="0"/>
+                <a:solidFill>
+                  <a:schemeClr val="tx1"/>
+                </a:solidFill>
+                <a:effectLst>
+                  <a:outerShdw blurRad="38100" dist="19050" dir="2700000" algn="tl" rotWithShape="0">
+                    <a:schemeClr val="dk1">
+                      <a:alpha val="40000"/>
+                    </a:schemeClr>
+                  </a:outerShdw>
+                </a:effectLst>
+              </a:rPr>
+              <a:t> commit</a:t>
+            </a:r>
+            <a:endParaRPr lang="en-US" altLang="ko-KR" sz="4000" b="0" cap="none" spc="0" dirty="0">
+              <a:ln w="0"/>
+              <a:solidFill>
+                <a:schemeClr val="tx1"/>
+              </a:solidFill>
+              <a:effectLst>
+                <a:outerShdw blurRad="38100" dist="19050" dir="2700000" algn="tl" rotWithShape="0">
+                  <a:schemeClr val="dk1">
+                    <a:alpha val="40000"/>
+                  </a:schemeClr>
+                </a:outerShdw>
+              </a:effectLst>
+            </a:endParaRPr>
+          </a:p>
+        </p:txBody>
+      </p:sp>
+      <p:sp>
+        <p:nvSpPr>
+          <p:cNvPr id="15" name="위쪽 화살표 14"/>
+          <p:cNvSpPr/>
+          <p:nvPr/>
+        </p:nvSpPr>
+        <p:spPr>
+          <a:xfrm rot="5400000">
+            <a:off x="8420683" y="1864384"/>
+            <a:ext cx="414779" cy="490194"/>
+          </a:xfrm>
+          <a:prstGeom prst="upArrow">
+            <a:avLst/>
+          </a:prstGeom>
+        </p:spPr>
+        <p:style>
+          <a:lnRef idx="0">
+            <a:schemeClr val="accent2"/>
+          </a:lnRef>
+          <a:fillRef idx="3">
+            <a:schemeClr val="accent2"/>
+          </a:fillRef>
+          <a:effectRef idx="3">
+            <a:schemeClr val="accent2"/>
+          </a:effectRef>
+          <a:fontRef idx="minor">
+            <a:schemeClr val="lt1"/>
+          </a:fontRef>
+        </p:style>
+        <p:txBody>
+          <a:bodyPr rtlCol="0" anchor="ctr"/>
+          <a:lstStyle/>
+          <a:p>
+            <a:pPr algn="ctr"/>
+            <a:endParaRPr lang="ko-KR" altLang="en-US"/>
+          </a:p>
+        </p:txBody>
+      </p:sp>
+      <p:sp>
+        <p:nvSpPr>
+          <p:cNvPr id="16" name="직사각형 15"/>
+          <p:cNvSpPr/>
+          <p:nvPr/>
+        </p:nvSpPr>
+        <p:spPr>
+          <a:xfrm>
+            <a:off x="9883491" y="1755538"/>
+            <a:ext cx="1838965" cy="707886"/>
+          </a:xfrm>
+          <a:prstGeom prst="rect">
+            <a:avLst/>
+          </a:prstGeom>
+          <a:noFill/>
+        </p:spPr>
+        <p:txBody>
+          <a:bodyPr wrap="none" lIns="91440" tIns="45720" rIns="91440" bIns="45720">
+            <a:spAutoFit/>
+          </a:bodyPr>
+          <a:lstStyle/>
+          <a:p>
+            <a:r>
+              <a:rPr lang="en-US" altLang="ko-KR" sz="4000" b="0" cap="none" spc="0" dirty="0" err="1" smtClean="0">
+                <a:ln w="0"/>
+                <a:solidFill>
+                  <a:schemeClr val="tx1"/>
+                </a:solidFill>
+                <a:effectLst>
+                  <a:outerShdw blurRad="38100" dist="19050" dir="2700000" algn="tl" rotWithShape="0">
+                    <a:schemeClr val="dk1">
+                      <a:alpha val="40000"/>
+                    </a:schemeClr>
+                  </a:outerShdw>
+                </a:effectLst>
+              </a:rPr>
+              <a:t>git</a:t>
+            </a:r>
+            <a:r>
+              <a:rPr lang="en-US" altLang="ko-KR" sz="4000" b="0" cap="none" spc="0" dirty="0" smtClean="0">
+                <a:ln w="0"/>
+                <a:solidFill>
+                  <a:schemeClr val="tx1"/>
+                </a:solidFill>
+                <a:effectLst>
+                  <a:outerShdw blurRad="38100" dist="19050" dir="2700000" algn="tl" rotWithShape="0">
+                    <a:schemeClr val="dk1">
+                      <a:alpha val="40000"/>
+                    </a:schemeClr>
+                  </a:outerShdw>
+                </a:effectLst>
+              </a:rPr>
+              <a:t> push</a:t>
+            </a:r>
+            <a:endParaRPr lang="en-US" altLang="ko-KR" sz="4000" b="0" cap="none" spc="0" dirty="0">
+              <a:ln w="0"/>
+              <a:solidFill>
+                <a:schemeClr val="tx1"/>
+              </a:solidFill>
+              <a:effectLst>
+                <a:outerShdw blurRad="38100" dist="19050" dir="2700000" algn="tl" rotWithShape="0">
+                  <a:schemeClr val="dk1">
+                    <a:alpha val="40000"/>
+                  </a:schemeClr>
+                </a:outerShdw>
+              </a:effectLst>
+            </a:endParaRPr>
+          </a:p>
+        </p:txBody>
+      </p:sp>
+      <p:grpSp>
+        <p:nvGrpSpPr>
+          <p:cNvPr id="7" name="그룹 6"/>
+          <p:cNvGrpSpPr/>
+          <p:nvPr/>
+        </p:nvGrpSpPr>
+        <p:grpSpPr>
+          <a:xfrm>
+            <a:off x="323215" y="3277038"/>
+            <a:ext cx="3116653" cy="1697863"/>
+            <a:chOff x="-186601" y="1313676"/>
+            <a:chExt cx="11650701" cy="6658905"/>
+          </a:xfrm>
+        </p:grpSpPr>
+        <p:pic>
+          <p:nvPicPr>
+            <p:cNvPr id="5" name="그림 4"/>
+            <p:cNvPicPr>
+              <a:picLocks noChangeAspect="1"/>
+            </p:cNvPicPr>
+            <p:nvPr/>
+          </p:nvPicPr>
+          <p:blipFill>
+            <a:blip r:embed="rId5"/>
+            <a:stretch>
+              <a:fillRect/>
+            </a:stretch>
+          </p:blipFill>
+          <p:spPr>
+            <a:xfrm>
+              <a:off x="-186601" y="1313676"/>
+              <a:ext cx="11641175" cy="5544324"/>
+            </a:xfrm>
+            <a:prstGeom prst="rect">
+              <a:avLst/>
+            </a:prstGeom>
+          </p:spPr>
+        </p:pic>
+        <p:pic>
+          <p:nvPicPr>
+            <p:cNvPr id="6" name="그림 5"/>
+            <p:cNvPicPr>
+              <a:picLocks noChangeAspect="1"/>
+            </p:cNvPicPr>
+            <p:nvPr/>
+          </p:nvPicPr>
+          <p:blipFill>
+            <a:blip r:embed="rId6"/>
+            <a:stretch>
+              <a:fillRect/>
+            </a:stretch>
+          </p:blipFill>
+          <p:spPr>
+            <a:xfrm>
+              <a:off x="-186601" y="6858000"/>
+              <a:ext cx="11650701" cy="1114581"/>
+            </a:xfrm>
+            <a:prstGeom prst="rect">
+              <a:avLst/>
+            </a:prstGeom>
+          </p:spPr>
+        </p:pic>
+      </p:grpSp>
+    </p:spTree>
+    <p:extLst>
+      <p:ext uri="{BB962C8B-B14F-4D97-AF65-F5344CB8AC3E}">
+        <p14:creationId xmlns:p14="http://schemas.microsoft.com/office/powerpoint/2010/main" val="3874387835"/>
+      </p:ext>
+    </p:extLst>
+  </p:cSld>
+  <p:clrMapOvr>
+    <a:masterClrMapping/>
+  </p:clrMapOvr>
+  <p:timing>
+    <p:tnLst>
+      <p:par>
+        <p:cTn id="1" dur="indefinite" restart="never" nodeType="tmRoot">
+          <p:childTnLst>
+            <p:seq concurrent="1" nextAc="seek">
+              <p:cTn id="2" dur="indefinite" nodeType="mainSeq">
+                <p:childTnLst>
+                  <p:par>
+                    <p:cTn id="3" fill="hold">
+                      <p:stCondLst>
+                        <p:cond delay="indefinite"/>
+                      </p:stCondLst>
+                      <p:childTnLst>
+                        <p:par>
+                          <p:cTn id="4" fill="hold">
+                            <p:stCondLst>
+                              <p:cond delay="0"/>
+                            </p:stCondLst>
+                            <p:childTnLst>
+                              <p:par>
+                                <p:cTn id="5" presetID="10" presetClass="entr" presetSubtype="0" fill="hold" grpId="0" nodeType="clickEffect">
+                                  <p:stCondLst>
+                                    <p:cond delay="0"/>
+                                  </p:stCondLst>
+                                  <p:childTnLst>
+                                    <p:set>
+                                      <p:cBhvr>
+                                        <p:cTn id="6" dur="1" fill="hold">
+                                          <p:stCondLst>
+                                            <p:cond delay="0"/>
+                                          </p:stCondLst>
+                                        </p:cTn>
+                                        <p:tgtEl>
+                                          <p:spTgt spid="8"/>
+                                        </p:tgtEl>
+                                        <p:attrNameLst>
+                                          <p:attrName>style.visibility</p:attrName>
+                                        </p:attrNameLst>
+                                      </p:cBhvr>
+                                      <p:to>
+                                        <p:strVal val="visible"/>
+                                      </p:to>
+                                    </p:set>
+                                    <p:animEffect transition="in" filter="fade">
+                                      <p:cBhvr>
+                                        <p:cTn id="7" dur="500"/>
+                                        <p:tgtEl>
+                                          <p:spTgt spid="8"/>
+                                        </p:tgtEl>
+                                      </p:cBhvr>
+                                    </p:animEffect>
+                                  </p:childTnLst>
+                                </p:cTn>
+                              </p:par>
+                              <p:par>
+                                <p:cTn id="8" presetID="10" presetClass="entr" presetSubtype="0" fill="hold" nodeType="withEffect">
+                                  <p:stCondLst>
+                                    <p:cond delay="0"/>
+                                  </p:stCondLst>
+                                  <p:childTnLst>
+                                    <p:set>
+                                      <p:cBhvr>
+                                        <p:cTn id="9" dur="1" fill="hold">
+                                          <p:stCondLst>
+                                            <p:cond delay="0"/>
+                                          </p:stCondLst>
+                                        </p:cTn>
+                                        <p:tgtEl>
+                                          <p:spTgt spid="7"/>
+                                        </p:tgtEl>
+                                        <p:attrNameLst>
+                                          <p:attrName>style.visibility</p:attrName>
+                                        </p:attrNameLst>
+                                      </p:cBhvr>
+                                      <p:to>
+                                        <p:strVal val="visible"/>
+                                      </p:to>
+                                    </p:set>
+                                    <p:animEffect transition="in" filter="fade">
+                                      <p:cBhvr>
+                                        <p:cTn id="10" dur="500"/>
+                                        <p:tgtEl>
+                                          <p:spTgt spid="7"/>
+                                        </p:tgtEl>
+                                      </p:cBhvr>
+                                    </p:animEffect>
+                                  </p:childTnLst>
+                                </p:cTn>
+                              </p:par>
+                            </p:childTnLst>
+                          </p:cTn>
+                        </p:par>
+                      </p:childTnLst>
+                    </p:cTn>
+                  </p:par>
+                  <p:par>
+                    <p:cTn id="11" fill="hold">
+                      <p:stCondLst>
+                        <p:cond delay="indefinite"/>
+                      </p:stCondLst>
+                      <p:childTnLst>
+                        <p:par>
+                          <p:cTn id="12" fill="hold">
+                            <p:stCondLst>
+                              <p:cond delay="0"/>
+                            </p:stCondLst>
+                            <p:childTnLst>
+                              <p:par>
+                                <p:cTn id="13" presetID="10" presetClass="entr" presetSubtype="0" fill="hold" nodeType="clickEffect">
+                                  <p:stCondLst>
+                                    <p:cond delay="0"/>
+                                  </p:stCondLst>
+                                  <p:childTnLst>
+                                    <p:set>
+                                      <p:cBhvr>
+                                        <p:cTn id="14" dur="1" fill="hold">
+                                          <p:stCondLst>
+                                            <p:cond delay="0"/>
+                                          </p:stCondLst>
+                                        </p:cTn>
+                                        <p:tgtEl>
+                                          <p:spTgt spid="3"/>
+                                        </p:tgtEl>
+                                        <p:attrNameLst>
+                                          <p:attrName>style.visibility</p:attrName>
+                                        </p:attrNameLst>
+                                      </p:cBhvr>
+                                      <p:to>
+                                        <p:strVal val="visible"/>
+                                      </p:to>
+                                    </p:set>
+                                    <p:animEffect transition="in" filter="fade">
+                                      <p:cBhvr>
+                                        <p:cTn id="15" dur="500"/>
+                                        <p:tgtEl>
+                                          <p:spTgt spid="3"/>
+                                        </p:tgtEl>
+                                      </p:cBhvr>
+                                    </p:animEffect>
+                                  </p:childTnLst>
+                                </p:cTn>
+                              </p:par>
+                              <p:par>
+                                <p:cTn id="16" presetID="10" presetClass="entr" presetSubtype="0" fill="hold" grpId="0" nodeType="withEffect">
+                                  <p:stCondLst>
+                                    <p:cond delay="0"/>
+                                  </p:stCondLst>
+                                  <p:childTnLst>
+                                    <p:set>
+                                      <p:cBhvr>
+                                        <p:cTn id="17" dur="1" fill="hold">
+                                          <p:stCondLst>
+                                            <p:cond delay="0"/>
+                                          </p:stCondLst>
+                                        </p:cTn>
+                                        <p:tgtEl>
+                                          <p:spTgt spid="9"/>
+                                        </p:tgtEl>
+                                        <p:attrNameLst>
+                                          <p:attrName>style.visibility</p:attrName>
+                                        </p:attrNameLst>
+                                      </p:cBhvr>
+                                      <p:to>
+                                        <p:strVal val="visible"/>
+                                      </p:to>
+                                    </p:set>
+                                    <p:animEffect transition="in" filter="fade">
+                                      <p:cBhvr>
+                                        <p:cTn id="18" dur="500"/>
+                                        <p:tgtEl>
+                                          <p:spTgt spid="9"/>
+                                        </p:tgtEl>
+                                      </p:cBhvr>
+                                    </p:animEffect>
+                                  </p:childTnLst>
+                                </p:cTn>
+                              </p:par>
+                              <p:par>
+                                <p:cTn id="19" presetID="10" presetClass="entr" presetSubtype="0" fill="hold" grpId="0" nodeType="withEffect">
+                                  <p:stCondLst>
+                                    <p:cond delay="0"/>
+                                  </p:stCondLst>
+                                  <p:childTnLst>
+                                    <p:set>
+                                      <p:cBhvr>
+                                        <p:cTn id="20" dur="1" fill="hold">
+                                          <p:stCondLst>
+                                            <p:cond delay="0"/>
+                                          </p:stCondLst>
+                                        </p:cTn>
+                                        <p:tgtEl>
+                                          <p:spTgt spid="14"/>
+                                        </p:tgtEl>
+                                        <p:attrNameLst>
+                                          <p:attrName>style.visibility</p:attrName>
+                                        </p:attrNameLst>
+                                      </p:cBhvr>
+                                      <p:to>
+                                        <p:strVal val="visible"/>
+                                      </p:to>
+                                    </p:set>
+                                    <p:animEffect transition="in" filter="fade">
+                                      <p:cBhvr>
+                                        <p:cTn id="21" dur="500"/>
+                                        <p:tgtEl>
+                                          <p:spTgt spid="14"/>
+                                        </p:tgtEl>
+                                      </p:cBhvr>
+                                    </p:animEffect>
+                                  </p:childTnLst>
+                                </p:cTn>
+                              </p:par>
+                            </p:childTnLst>
+                          </p:cTn>
+                        </p:par>
+                      </p:childTnLst>
+                    </p:cTn>
+                  </p:par>
+                  <p:par>
+                    <p:cTn id="22" fill="hold">
+                      <p:stCondLst>
+                        <p:cond delay="indefinite"/>
+                      </p:stCondLst>
+                      <p:childTnLst>
+                        <p:par>
+                          <p:cTn id="23" fill="hold">
+                            <p:stCondLst>
+                              <p:cond delay="0"/>
+                            </p:stCondLst>
+                            <p:childTnLst>
+                              <p:par>
+                                <p:cTn id="24" presetID="10" presetClass="entr" presetSubtype="0" fill="hold" nodeType="clickEffect">
+                                  <p:stCondLst>
+                                    <p:cond delay="0"/>
+                                  </p:stCondLst>
+                                  <p:childTnLst>
+                                    <p:set>
+                                      <p:cBhvr>
+                                        <p:cTn id="25" dur="1" fill="hold">
+                                          <p:stCondLst>
+                                            <p:cond delay="0"/>
+                                          </p:stCondLst>
+                                        </p:cTn>
+                                        <p:tgtEl>
+                                          <p:spTgt spid="2"/>
+                                        </p:tgtEl>
+                                        <p:attrNameLst>
+                                          <p:attrName>style.visibility</p:attrName>
+                                        </p:attrNameLst>
+                                      </p:cBhvr>
+                                      <p:to>
+                                        <p:strVal val="visible"/>
+                                      </p:to>
+                                    </p:set>
+                                    <p:animEffect transition="in" filter="fade">
+                                      <p:cBhvr>
+                                        <p:cTn id="26" dur="500"/>
+                                        <p:tgtEl>
+                                          <p:spTgt spid="2"/>
+                                        </p:tgtEl>
+                                      </p:cBhvr>
+                                    </p:animEffect>
+                                  </p:childTnLst>
+                                </p:cTn>
+                              </p:par>
+                              <p:par>
+                                <p:cTn id="27" presetID="10" presetClass="entr" presetSubtype="0" fill="hold" grpId="0" nodeType="withEffect">
+                                  <p:stCondLst>
+                                    <p:cond delay="0"/>
+                                  </p:stCondLst>
+                                  <p:childTnLst>
+                                    <p:set>
+                                      <p:cBhvr>
+                                        <p:cTn id="28" dur="1" fill="hold">
+                                          <p:stCondLst>
+                                            <p:cond delay="0"/>
+                                          </p:stCondLst>
+                                        </p:cTn>
+                                        <p:tgtEl>
+                                          <p:spTgt spid="15"/>
+                                        </p:tgtEl>
+                                        <p:attrNameLst>
+                                          <p:attrName>style.visibility</p:attrName>
+                                        </p:attrNameLst>
+                                      </p:cBhvr>
+                                      <p:to>
+                                        <p:strVal val="visible"/>
+                                      </p:to>
+                                    </p:set>
+                                    <p:animEffect transition="in" filter="fade">
+                                      <p:cBhvr>
+                                        <p:cTn id="29" dur="500"/>
+                                        <p:tgtEl>
+                                          <p:spTgt spid="15"/>
+                                        </p:tgtEl>
+                                      </p:cBhvr>
+                                    </p:animEffect>
+                                  </p:childTnLst>
+                                </p:cTn>
+                              </p:par>
+                              <p:par>
+                                <p:cTn id="30" presetID="10" presetClass="entr" presetSubtype="0" fill="hold" grpId="0" nodeType="withEffect">
+                                  <p:stCondLst>
+                                    <p:cond delay="0"/>
+                                  </p:stCondLst>
+                                  <p:childTnLst>
+                                    <p:set>
+                                      <p:cBhvr>
+                                        <p:cTn id="31" dur="1" fill="hold">
+                                          <p:stCondLst>
+                                            <p:cond delay="0"/>
+                                          </p:stCondLst>
+                                        </p:cTn>
+                                        <p:tgtEl>
+                                          <p:spTgt spid="16"/>
+                                        </p:tgtEl>
+                                        <p:attrNameLst>
+                                          <p:attrName>style.visibility</p:attrName>
+                                        </p:attrNameLst>
+                                      </p:cBhvr>
+                                      <p:to>
+                                        <p:strVal val="visible"/>
+                                      </p:to>
+                                    </p:set>
+                                    <p:animEffect transition="in" filter="fade">
+                                      <p:cBhvr>
+                                        <p:cTn id="32" dur="500"/>
+                                        <p:tgtEl>
+                                          <p:spTgt spid="16"/>
+                                        </p:tgtEl>
+                                      </p:cBhvr>
+                                    </p:animEffect>
+                                  </p:childTnLst>
+                                </p:cTn>
+                              </p:par>
+                            </p:childTnLst>
+                          </p:cTn>
+                        </p:par>
+                      </p:childTnLst>
+                    </p:cTn>
+                  </p:par>
+                </p:childTnLst>
+              </p:cTn>
+              <p:prevCondLst>
+                <p:cond evt="onPrev" delay="0">
+                  <p:tgtEl>
+                    <p:sldTgt/>
+                  </p:tgtEl>
+                </p:cond>
+              </p:prevCondLst>
+              <p:nextCondLst>
+                <p:cond evt="onNext" delay="0">
+                  <p:tgtEl>
+                    <p:sldTgt/>
+                  </p:tgtEl>
+                </p:cond>
+              </p:nextCondLst>
+            </p:seq>
+          </p:childTnLst>
+        </p:cTn>
+      </p:par>
+    </p:tnLst>
+    <p:bldLst>
+      <p:bldP spid="8" grpId="0"/>
+      <p:bldP spid="9" grpId="0" animBg="1"/>
+      <p:bldP spid="14" grpId="0"/>
+      <p:bldP spid="15" grpId="0" animBg="1"/>
+      <p:bldP spid="16" grpId="0"/>
+    </p:bldLst>
+  </p:timing>
+</p:sld>
+</file>
+
+<file path=ppt/slides/slide12.xml><?xml version="1.0" encoding="utf-8"?>
+<p:sld xmlns:a="http://schemas.openxmlformats.org/drawingml/2006/main" xmlns:r="http://schemas.openxmlformats.org/officeDocument/2006/relationships" xmlns:p="http://schemas.openxmlformats.org/presentationml/2006/main">
+  <p:cSld>
+    <p:spTree>
+      <p:nvGrpSpPr>
+        <p:cNvPr id="1" name=""/>
+        <p:cNvGrpSpPr/>
+        <p:nvPr/>
+      </p:nvGrpSpPr>
+      <p:grpSpPr>
+        <a:xfrm>
+          <a:off x="0" y="0"/>
+          <a:ext cx="0" cy="0"/>
+          <a:chOff x="0" y="0"/>
+          <a:chExt cx="0" cy="0"/>
+        </a:xfrm>
+      </p:grpSpPr>
+      <p:sp>
+        <p:nvSpPr>
+          <p:cNvPr id="11" name="TextBox 10">
+            <a:extLst>
+              <a:ext uri="{FF2B5EF4-FFF2-40B4-BE49-F238E27FC236}">
+                <a16:creationId xmlns:a16="http://schemas.microsoft.com/office/drawing/2014/main" id="{00721A06-02D8-A24D-97D5-8712D26CF2B9}"/>
+              </a:ext>
+            </a:extLst>
+          </p:cNvPr>
+          <p:cNvSpPr txBox="1"/>
+          <p:nvPr/>
+        </p:nvSpPr>
+        <p:spPr>
+          <a:xfrm>
+            <a:off x="323215" y="168602"/>
+            <a:ext cx="7522845" cy="523220"/>
+          </a:xfrm>
+          <a:prstGeom prst="rect">
+            <a:avLst/>
+          </a:prstGeom>
+          <a:noFill/>
+        </p:spPr>
+        <p:txBody>
+          <a:bodyPr wrap="square" rtlCol="0" anchor="ctr">
+            <a:spAutoFit/>
+          </a:bodyPr>
+          <a:lstStyle/>
+          <a:p>
+            <a:r>
+              <a:rPr lang="en-US" altLang="ko-KR" sz="2800" dirty="0" smtClean="0">
+                <a:effectLst>
+                  <a:outerShdw blurRad="38100" dist="38100" dir="2700000" algn="tl">
+                    <a:srgbClr val="000000">
+                      <a:alpha val="43137"/>
+                    </a:srgbClr>
+                  </a:outerShdw>
+                </a:effectLst>
+                <a:cs typeface="Arial" pitchFamily="34" charset="0"/>
+              </a:rPr>
+              <a:t>2.</a:t>
+            </a:r>
+            <a:r>
+              <a:rPr lang="ko-KR" altLang="en-US" sz="2800" dirty="0" smtClean="0">
+                <a:effectLst>
+                  <a:outerShdw blurRad="38100" dist="38100" dir="2700000" algn="tl">
+                    <a:srgbClr val="000000">
+                      <a:alpha val="43137"/>
+                    </a:srgbClr>
+                  </a:outerShdw>
+                </a:effectLst>
+                <a:cs typeface="Arial" pitchFamily="34" charset="0"/>
+              </a:rPr>
+              <a:t> </a:t>
+            </a:r>
+            <a:r>
+              <a:rPr lang="en-US" altLang="ko-KR" sz="2800" dirty="0" smtClean="0">
+                <a:effectLst>
+                  <a:outerShdw blurRad="38100" dist="38100" dir="2700000" algn="tl">
+                    <a:srgbClr val="000000">
+                      <a:alpha val="43137"/>
+                    </a:srgbClr>
+                  </a:outerShdw>
+                </a:effectLst>
+                <a:cs typeface="Arial" pitchFamily="34" charset="0"/>
+              </a:rPr>
+              <a:t>Download other teammate’s work</a:t>
+            </a:r>
+            <a:endParaRPr lang="ko-KR" altLang="en-US" sz="2800" dirty="0">
+              <a:effectLst>
+                <a:outerShdw blurRad="38100" dist="38100" dir="2700000" algn="tl">
+                  <a:srgbClr val="000000">
+                    <a:alpha val="43137"/>
+                  </a:srgbClr>
+                </a:outerShdw>
+              </a:effectLst>
+              <a:cs typeface="Arial" pitchFamily="34" charset="0"/>
+            </a:endParaRPr>
+          </a:p>
+        </p:txBody>
+      </p:sp>
+      <p:sp>
+        <p:nvSpPr>
+          <p:cNvPr id="8" name="직사각형 7"/>
+          <p:cNvSpPr/>
+          <p:nvPr/>
+        </p:nvSpPr>
+        <p:spPr>
+          <a:xfrm>
+            <a:off x="5361715" y="1514907"/>
+            <a:ext cx="1603324" cy="707886"/>
+          </a:xfrm>
+          <a:prstGeom prst="rect">
+            <a:avLst/>
+          </a:prstGeom>
+          <a:noFill/>
+        </p:spPr>
+        <p:txBody>
+          <a:bodyPr wrap="none" lIns="91440" tIns="45720" rIns="91440" bIns="45720">
+            <a:spAutoFit/>
+          </a:bodyPr>
+          <a:lstStyle/>
+          <a:p>
+            <a:r>
+              <a:rPr lang="en-US" altLang="ko-KR" sz="4000" b="0" cap="none" spc="0" dirty="0" err="1" smtClean="0">
+                <a:ln w="0"/>
+                <a:solidFill>
+                  <a:schemeClr val="tx1"/>
+                </a:solidFill>
+                <a:effectLst>
+                  <a:outerShdw blurRad="38100" dist="19050" dir="2700000" algn="tl" rotWithShape="0">
+                    <a:schemeClr val="dk1">
+                      <a:alpha val="40000"/>
+                    </a:schemeClr>
+                  </a:outerShdw>
+                </a:effectLst>
+              </a:rPr>
+              <a:t>git</a:t>
+            </a:r>
+            <a:r>
+              <a:rPr lang="en-US" altLang="ko-KR" sz="4000" b="0" cap="none" spc="0" dirty="0" smtClean="0">
+                <a:ln w="0"/>
+                <a:solidFill>
+                  <a:schemeClr val="tx1"/>
+                </a:solidFill>
+                <a:effectLst>
+                  <a:outerShdw blurRad="38100" dist="19050" dir="2700000" algn="tl" rotWithShape="0">
+                    <a:schemeClr val="dk1">
+                      <a:alpha val="40000"/>
+                    </a:schemeClr>
+                  </a:outerShdw>
+                </a:effectLst>
+              </a:rPr>
+              <a:t> pull</a:t>
+            </a:r>
+            <a:endParaRPr lang="en-US" altLang="ko-KR" sz="4000" b="0" cap="none" spc="0" dirty="0">
+              <a:ln w="0"/>
+              <a:solidFill>
+                <a:schemeClr val="tx1"/>
+              </a:solidFill>
+              <a:effectLst>
+                <a:outerShdw blurRad="38100" dist="19050" dir="2700000" algn="tl" rotWithShape="0">
+                  <a:schemeClr val="dk1">
+                    <a:alpha val="40000"/>
+                  </a:schemeClr>
+                </a:outerShdw>
+              </a:effectLst>
+            </a:endParaRPr>
+          </a:p>
+        </p:txBody>
+      </p:sp>
+      <p:pic>
+        <p:nvPicPr>
+          <p:cNvPr id="12" name="그림 11"/>
+          <p:cNvPicPr>
+            <a:picLocks noChangeAspect="1"/>
+          </p:cNvPicPr>
+          <p:nvPr/>
+        </p:nvPicPr>
+        <p:blipFill>
+          <a:blip r:embed="rId2"/>
+          <a:stretch>
+            <a:fillRect/>
+          </a:stretch>
+        </p:blipFill>
+        <p:spPr>
+          <a:xfrm>
+            <a:off x="4953533" y="3045878"/>
+            <a:ext cx="2419688" cy="2324424"/>
+          </a:xfrm>
+          <a:prstGeom prst="rect">
+            <a:avLst/>
+          </a:prstGeom>
+        </p:spPr>
+      </p:pic>
+    </p:spTree>
+    <p:extLst>
+      <p:ext uri="{BB962C8B-B14F-4D97-AF65-F5344CB8AC3E}">
+        <p14:creationId xmlns:p14="http://schemas.microsoft.com/office/powerpoint/2010/main" val="4181831821"/>
+      </p:ext>
+    </p:extLst>
+  </p:cSld>
+  <p:clrMapOvr>
+    <a:masterClrMapping/>
+  </p:clrMapOvr>
+  <p:timing>
+    <p:tnLst>
+      <p:par>
+        <p:cTn id="1" dur="indefinite" restart="never" nodeType="tmRoot">
+          <p:childTnLst>
+            <p:seq concurrent="1" nextAc="seek">
+              <p:cTn id="2" dur="indefinite" nodeType="mainSeq">
+                <p:childTnLst>
+                  <p:par>
+                    <p:cTn id="3" fill="hold">
+                      <p:stCondLst>
+                        <p:cond delay="indefinite"/>
+                      </p:stCondLst>
+                      <p:childTnLst>
+                        <p:par>
+                          <p:cTn id="4" fill="hold">
+                            <p:stCondLst>
+                              <p:cond delay="0"/>
+                            </p:stCondLst>
+                            <p:childTnLst>
+                              <p:par>
+                                <p:cTn id="5" presetID="10" presetClass="entr" presetSubtype="0" fill="hold" grpId="0" nodeType="clickEffect">
+                                  <p:stCondLst>
+                                    <p:cond delay="0"/>
+                                  </p:stCondLst>
+                                  <p:childTnLst>
+                                    <p:set>
+                                      <p:cBhvr>
+                                        <p:cTn id="6" dur="1" fill="hold">
+                                          <p:stCondLst>
+                                            <p:cond delay="0"/>
+                                          </p:stCondLst>
+                                        </p:cTn>
+                                        <p:tgtEl>
+                                          <p:spTgt spid="8"/>
+                                        </p:tgtEl>
+                                        <p:attrNameLst>
+                                          <p:attrName>style.visibility</p:attrName>
+                                        </p:attrNameLst>
+                                      </p:cBhvr>
+                                      <p:to>
+                                        <p:strVal val="visible"/>
+                                      </p:to>
+                                    </p:set>
+                                    <p:animEffect transition="in" filter="fade">
+                                      <p:cBhvr>
+                                        <p:cTn id="7" dur="500"/>
+                                        <p:tgtEl>
+                                          <p:spTgt spid="8"/>
+                                        </p:tgtEl>
+                                      </p:cBhvr>
+                                    </p:animEffect>
+                                  </p:childTnLst>
+                                </p:cTn>
+                              </p:par>
+                            </p:childTnLst>
+                          </p:cTn>
+                        </p:par>
+                      </p:childTnLst>
+                    </p:cTn>
+                  </p:par>
+                </p:childTnLst>
+              </p:cTn>
+              <p:prevCondLst>
+                <p:cond evt="onPrev" delay="0">
+                  <p:tgtEl>
+                    <p:sldTgt/>
+                  </p:tgtEl>
+                </p:cond>
+              </p:prevCondLst>
+              <p:nextCondLst>
+                <p:cond evt="onNext" delay="0">
+                  <p:tgtEl>
+                    <p:sldTgt/>
+                  </p:tgtEl>
+                </p:cond>
+              </p:nextCondLst>
+            </p:seq>
+          </p:childTnLst>
+        </p:cTn>
+      </p:par>
+    </p:tnLst>
+    <p:bldLst>
+      <p:bldP spid="8" grpId="0"/>
+    </p:bldLst>
+  </p:timing>
+</p:sld>
+</file>
+
+<file path=ppt/slides/slide13.xml><?xml version="1.0" encoding="utf-8"?>
+<p:sld xmlns:a="http://schemas.openxmlformats.org/drawingml/2006/main" xmlns:r="http://schemas.openxmlformats.org/officeDocument/2006/relationships" xmlns:p="http://schemas.openxmlformats.org/presentationml/2006/main">
+  <p:cSld>
+    <p:spTree>
+      <p:nvGrpSpPr>
+        <p:cNvPr id="1" name=""/>
+        <p:cNvGrpSpPr/>
+        <p:nvPr/>
+      </p:nvGrpSpPr>
+      <p:grpSpPr>
+        <a:xfrm>
+          <a:off x="0" y="0"/>
+          <a:ext cx="0" cy="0"/>
+          <a:chOff x="0" y="0"/>
+          <a:chExt cx="0" cy="0"/>
+        </a:xfrm>
+      </p:grpSpPr>
+      <p:sp>
+        <p:nvSpPr>
+          <p:cNvPr id="11" name="TextBox 10">
+            <a:extLst>
+              <a:ext uri="{FF2B5EF4-FFF2-40B4-BE49-F238E27FC236}">
+                <a16:creationId xmlns:a16="http://schemas.microsoft.com/office/drawing/2014/main" id="{00721A06-02D8-A24D-97D5-8712D26CF2B9}"/>
+              </a:ext>
+            </a:extLst>
+          </p:cNvPr>
+          <p:cNvSpPr txBox="1"/>
+          <p:nvPr/>
+        </p:nvSpPr>
+        <p:spPr>
+          <a:xfrm>
+            <a:off x="323215" y="168602"/>
+            <a:ext cx="7522845" cy="523220"/>
+          </a:xfrm>
+          <a:prstGeom prst="rect">
+            <a:avLst/>
+          </a:prstGeom>
+          <a:noFill/>
+        </p:spPr>
+        <p:txBody>
+          <a:bodyPr wrap="square" rtlCol="0" anchor="ctr">
+            <a:spAutoFit/>
+          </a:bodyPr>
+          <a:lstStyle/>
+          <a:p>
+            <a:r>
+              <a:rPr lang="en-US" altLang="ko-KR" sz="2800" dirty="0" smtClean="0">
+                <a:effectLst>
+                  <a:outerShdw blurRad="38100" dist="38100" dir="2700000" algn="tl">
+                    <a:srgbClr val="000000">
+                      <a:alpha val="43137"/>
+                    </a:srgbClr>
+                  </a:outerShdw>
+                </a:effectLst>
+                <a:cs typeface="Arial" pitchFamily="34" charset="0"/>
+              </a:rPr>
+              <a:t>2-1.</a:t>
+            </a:r>
+            <a:r>
+              <a:rPr lang="ko-KR" altLang="en-US" sz="2800" dirty="0" smtClean="0">
+                <a:effectLst>
+                  <a:outerShdw blurRad="38100" dist="38100" dir="2700000" algn="tl">
+                    <a:srgbClr val="000000">
+                      <a:alpha val="43137"/>
+                    </a:srgbClr>
+                  </a:outerShdw>
+                </a:effectLst>
+                <a:cs typeface="Arial" pitchFamily="34" charset="0"/>
+              </a:rPr>
+              <a:t> </a:t>
+            </a:r>
+            <a:r>
+              <a:rPr lang="en-US" altLang="ko-KR" sz="2800" dirty="0" err="1" smtClean="0">
+                <a:effectLst>
+                  <a:outerShdw blurRad="38100" dist="38100" dir="2700000" algn="tl">
+                    <a:srgbClr val="000000">
+                      <a:alpha val="43137"/>
+                    </a:srgbClr>
+                  </a:outerShdw>
+                </a:effectLst>
+                <a:cs typeface="Arial" pitchFamily="34" charset="0"/>
+              </a:rPr>
+              <a:t>Git</a:t>
+            </a:r>
+            <a:r>
+              <a:rPr lang="en-US" altLang="ko-KR" sz="2800" dirty="0" smtClean="0">
+                <a:effectLst>
+                  <a:outerShdw blurRad="38100" dist="38100" dir="2700000" algn="tl">
+                    <a:srgbClr val="000000">
+                      <a:alpha val="43137"/>
+                    </a:srgbClr>
+                  </a:outerShdw>
+                </a:effectLst>
+                <a:cs typeface="Arial" pitchFamily="34" charset="0"/>
+              </a:rPr>
+              <a:t> Branch</a:t>
+            </a:r>
+            <a:endParaRPr lang="ko-KR" altLang="en-US" sz="2800" dirty="0">
+              <a:effectLst>
+                <a:outerShdw blurRad="38100" dist="38100" dir="2700000" algn="tl">
+                  <a:srgbClr val="000000">
+                    <a:alpha val="43137"/>
+                  </a:srgbClr>
+                </a:outerShdw>
+              </a:effectLst>
+              <a:cs typeface="Arial" pitchFamily="34" charset="0"/>
+            </a:endParaRPr>
+          </a:p>
+        </p:txBody>
+      </p:sp>
+      <p:pic>
+        <p:nvPicPr>
+          <p:cNvPr id="5" name="Picture 6" descr="Git] Branch를 만들어보자! 🌿"/>
+          <p:cNvPicPr>
+            <a:picLocks noChangeAspect="1" noChangeArrowheads="1"/>
+          </p:cNvPicPr>
+          <p:nvPr/>
+        </p:nvPicPr>
+        <p:blipFill>
+          <a:blip r:embed="rId2">
+            <a:extLst>
+              <a:ext uri="{28A0092B-C50C-407E-A947-70E740481C1C}">
+                <a14:useLocalDpi xmlns:a14="http://schemas.microsoft.com/office/drawing/2010/main" val="0"/>
+              </a:ext>
+            </a:extLst>
+          </a:blip>
+          <a:srcRect/>
+          <a:stretch>
+            <a:fillRect/>
+          </a:stretch>
+        </p:blipFill>
+        <p:spPr bwMode="auto">
+          <a:xfrm>
+            <a:off x="1615944" y="1337660"/>
+            <a:ext cx="9220200" cy="4724401"/>
+          </a:xfrm>
+          <a:prstGeom prst="rect">
+            <a:avLst/>
+          </a:prstGeom>
+          <a:noFill/>
+          <a:extLst>
+            <a:ext uri="{909E8E84-426E-40DD-AFC4-6F175D3DCCD1}">
+              <a14:hiddenFill xmlns:a14="http://schemas.microsoft.com/office/drawing/2010/main">
+                <a:solidFill>
+                  <a:srgbClr val="FFFFFF"/>
+                </a:solidFill>
+              </a14:hiddenFill>
+            </a:ext>
+          </a:extLst>
+        </p:spPr>
+      </p:pic>
+      <p:sp>
+        <p:nvSpPr>
+          <p:cNvPr id="2" name="위로 굽은 화살표 1"/>
+          <p:cNvSpPr/>
+          <p:nvPr/>
+        </p:nvSpPr>
+        <p:spPr>
+          <a:xfrm rot="5400000" flipH="1">
+            <a:off x="2223436" y="2098307"/>
+            <a:ext cx="943276" cy="866273"/>
+          </a:xfrm>
+          <a:prstGeom prst="bentUpArrow">
+            <a:avLst>
+              <a:gd name="adj1" fmla="val 25000"/>
+              <a:gd name="adj2" fmla="val 25000"/>
+              <a:gd name="adj3" fmla="val 21774"/>
+            </a:avLst>
+          </a:prstGeom>
+        </p:spPr>
+        <p:style>
+          <a:lnRef idx="2">
+            <a:schemeClr val="accent1">
+              <a:shade val="50000"/>
+            </a:schemeClr>
+          </a:lnRef>
+          <a:fillRef idx="1">
+            <a:schemeClr val="accent1"/>
+          </a:fillRef>
+          <a:effectRef idx="0">
+            <a:schemeClr val="accent1"/>
+          </a:effectRef>
+          <a:fontRef idx="minor">
+            <a:schemeClr val="lt1"/>
+          </a:fontRef>
+        </p:style>
+        <p:txBody>
+          <a:bodyPr rtlCol="0" anchor="ctr"/>
+          <a:lstStyle/>
+          <a:p>
+            <a:pPr algn="ctr"/>
+            <a:endParaRPr lang="ko-KR" altLang="en-US"/>
+          </a:p>
+        </p:txBody>
+      </p:sp>
+      <p:sp>
+        <p:nvSpPr>
+          <p:cNvPr id="7" name="직사각형 6"/>
+          <p:cNvSpPr/>
+          <p:nvPr/>
+        </p:nvSpPr>
+        <p:spPr>
+          <a:xfrm>
+            <a:off x="1844103" y="1515775"/>
+            <a:ext cx="1701941" cy="461665"/>
+          </a:xfrm>
+          <a:prstGeom prst="rect">
+            <a:avLst/>
+          </a:prstGeom>
+          <a:noFill/>
+        </p:spPr>
+        <p:txBody>
+          <a:bodyPr wrap="none" lIns="91440" tIns="45720" rIns="91440" bIns="45720">
+            <a:spAutoFit/>
+          </a:bodyPr>
+          <a:lstStyle/>
+          <a:p>
+            <a:r>
+              <a:rPr lang="en-US" altLang="ko-KR" sz="2400" b="0" cap="none" spc="0" dirty="0" err="1" smtClean="0">
+                <a:ln w="0"/>
+                <a:solidFill>
+                  <a:schemeClr val="tx1"/>
+                </a:solidFill>
+                <a:effectLst>
+                  <a:outerShdw blurRad="38100" dist="19050" dir="2700000" algn="tl" rotWithShape="0">
+                    <a:schemeClr val="dk1">
+                      <a:alpha val="40000"/>
+                    </a:schemeClr>
+                  </a:outerShdw>
+                </a:effectLst>
+              </a:rPr>
+              <a:t>git</a:t>
+            </a:r>
+            <a:r>
+              <a:rPr lang="en-US" altLang="ko-KR" sz="2400" b="0" cap="none" spc="0" dirty="0" smtClean="0">
+                <a:ln w="0"/>
+                <a:solidFill>
+                  <a:schemeClr val="tx1"/>
+                </a:solidFill>
+                <a:effectLst>
+                  <a:outerShdw blurRad="38100" dist="19050" dir="2700000" algn="tl" rotWithShape="0">
+                    <a:schemeClr val="dk1">
+                      <a:alpha val="40000"/>
+                    </a:schemeClr>
+                  </a:outerShdw>
+                </a:effectLst>
+              </a:rPr>
+              <a:t> checkout</a:t>
+            </a:r>
+            <a:endParaRPr lang="en-US" altLang="ko-KR" sz="2400" b="0" cap="none" spc="0" dirty="0">
+              <a:ln w="0"/>
+              <a:solidFill>
+                <a:schemeClr val="tx1"/>
+              </a:solidFill>
+              <a:effectLst>
+                <a:outerShdw blurRad="38100" dist="19050" dir="2700000" algn="tl" rotWithShape="0">
+                  <a:schemeClr val="dk1">
+                    <a:alpha val="40000"/>
+                  </a:schemeClr>
+                </a:outerShdw>
+              </a:effectLst>
+            </a:endParaRPr>
+          </a:p>
+        </p:txBody>
+      </p:sp>
+    </p:spTree>
+    <p:extLst>
+      <p:ext uri="{BB962C8B-B14F-4D97-AF65-F5344CB8AC3E}">
+        <p14:creationId xmlns:p14="http://schemas.microsoft.com/office/powerpoint/2010/main" val="1945111192"/>
+      </p:ext>
+    </p:extLst>
+  </p:cSld>
+  <p:clrMapOvr>
+    <a:masterClrMapping/>
+  </p:clrMapOvr>
+  <p:timing>
+    <p:tnLst>
+      <p:par>
+        <p:cTn id="1" dur="indefinite" restart="never" nodeType="tmRoot"/>
+      </p:par>
+    </p:tnLst>
+  </p:timing>
+</p:sld>
+</file>
+
+<file path=ppt/slides/slide14.xml><?xml version="1.0" encoding="utf-8"?>
+<p:sld xmlns:a="http://schemas.openxmlformats.org/drawingml/2006/main" xmlns:r="http://schemas.openxmlformats.org/officeDocument/2006/relationships" xmlns:p="http://schemas.openxmlformats.org/presentationml/2006/main">
+  <p:cSld>
+    <p:spTree>
+      <p:nvGrpSpPr>
+        <p:cNvPr id="1" name=""/>
+        <p:cNvGrpSpPr/>
+        <p:nvPr/>
+      </p:nvGrpSpPr>
+      <p:grpSpPr>
+        <a:xfrm>
+          <a:off x="0" y="0"/>
+          <a:ext cx="0" cy="0"/>
+          <a:chOff x="0" y="0"/>
+          <a:chExt cx="0" cy="0"/>
+        </a:xfrm>
+      </p:grpSpPr>
+      <p:pic>
+        <p:nvPicPr>
+          <p:cNvPr id="4" name="Picture 2" descr="GitHub - topleft/git-tree: Git Repository Visualization App"/>
+          <p:cNvPicPr>
+            <a:picLocks noChangeAspect="1" noChangeArrowheads="1"/>
+          </p:cNvPicPr>
+          <p:nvPr/>
+        </p:nvPicPr>
+        <p:blipFill>
+          <a:blip r:embed="rId2">
+            <a:extLst>
+              <a:ext uri="{28A0092B-C50C-407E-A947-70E740481C1C}">
+                <a14:useLocalDpi xmlns:a14="http://schemas.microsoft.com/office/drawing/2010/main" val="0"/>
+              </a:ext>
+            </a:extLst>
+          </a:blip>
+          <a:srcRect/>
+          <a:stretch>
+            <a:fillRect/>
+          </a:stretch>
+        </p:blipFill>
+        <p:spPr bwMode="auto">
+          <a:xfrm>
+            <a:off x="1615944" y="0"/>
+            <a:ext cx="9377266" cy="6858000"/>
+          </a:xfrm>
+          <a:prstGeom prst="rect">
+            <a:avLst/>
+          </a:prstGeom>
+          <a:noFill/>
+          <a:extLst>
+            <a:ext uri="{909E8E84-426E-40DD-AFC4-6F175D3DCCD1}">
+              <a14:hiddenFill xmlns:a14="http://schemas.microsoft.com/office/drawing/2010/main">
+                <a:solidFill>
+                  <a:srgbClr val="FFFFFF"/>
+                </a:solidFill>
+              </a14:hiddenFill>
+            </a:ext>
+          </a:extLst>
+        </p:spPr>
+      </p:pic>
+      <p:sp>
+        <p:nvSpPr>
+          <p:cNvPr id="11" name="TextBox 10">
+            <a:extLst>
+              <a:ext uri="{FF2B5EF4-FFF2-40B4-BE49-F238E27FC236}">
+                <a16:creationId xmlns:a16="http://schemas.microsoft.com/office/drawing/2014/main" id="{00721A06-02D8-A24D-97D5-8712D26CF2B9}"/>
+              </a:ext>
+            </a:extLst>
+          </p:cNvPr>
+          <p:cNvSpPr txBox="1"/>
+          <p:nvPr/>
+        </p:nvSpPr>
+        <p:spPr>
+          <a:xfrm>
+            <a:off x="323215" y="168602"/>
+            <a:ext cx="7522845" cy="523220"/>
+          </a:xfrm>
+          <a:prstGeom prst="rect">
+            <a:avLst/>
+          </a:prstGeom>
+          <a:noFill/>
+        </p:spPr>
+        <p:txBody>
+          <a:bodyPr wrap="square" rtlCol="0" anchor="ctr">
+            <a:spAutoFit/>
+          </a:bodyPr>
+          <a:lstStyle/>
+          <a:p>
+            <a:r>
+              <a:rPr lang="en-US" altLang="ko-KR" sz="2800" dirty="0" smtClean="0">
+                <a:effectLst>
+                  <a:outerShdw blurRad="38100" dist="38100" dir="2700000" algn="tl">
+                    <a:srgbClr val="000000">
+                      <a:alpha val="43137"/>
+                    </a:srgbClr>
+                  </a:outerShdw>
+                </a:effectLst>
+                <a:cs typeface="Arial" pitchFamily="34" charset="0"/>
+              </a:rPr>
+              <a:t>2-1.</a:t>
+            </a:r>
+            <a:r>
+              <a:rPr lang="ko-KR" altLang="en-US" sz="2800" dirty="0" smtClean="0">
+                <a:effectLst>
+                  <a:outerShdw blurRad="38100" dist="38100" dir="2700000" algn="tl">
+                    <a:srgbClr val="000000">
+                      <a:alpha val="43137"/>
+                    </a:srgbClr>
+                  </a:outerShdw>
+                </a:effectLst>
+                <a:cs typeface="Arial" pitchFamily="34" charset="0"/>
+              </a:rPr>
+              <a:t> </a:t>
+            </a:r>
+            <a:r>
+              <a:rPr lang="en-US" altLang="ko-KR" sz="2800" dirty="0" err="1" smtClean="0">
+                <a:effectLst>
+                  <a:outerShdw blurRad="38100" dist="38100" dir="2700000" algn="tl">
+                    <a:srgbClr val="000000">
+                      <a:alpha val="43137"/>
+                    </a:srgbClr>
+                  </a:outerShdw>
+                </a:effectLst>
+                <a:cs typeface="Arial" pitchFamily="34" charset="0"/>
+              </a:rPr>
+              <a:t>Git</a:t>
+            </a:r>
+            <a:r>
+              <a:rPr lang="en-US" altLang="ko-KR" sz="2800" dirty="0" smtClean="0">
+                <a:effectLst>
+                  <a:outerShdw blurRad="38100" dist="38100" dir="2700000" algn="tl">
+                    <a:srgbClr val="000000">
+                      <a:alpha val="43137"/>
+                    </a:srgbClr>
+                  </a:outerShdw>
+                </a:effectLst>
+                <a:cs typeface="Arial" pitchFamily="34" charset="0"/>
+              </a:rPr>
+              <a:t> Branch</a:t>
+            </a:r>
+            <a:endParaRPr lang="ko-KR" altLang="en-US" sz="2800" dirty="0">
+              <a:effectLst>
+                <a:outerShdw blurRad="38100" dist="38100" dir="2700000" algn="tl">
+                  <a:srgbClr val="000000">
+                    <a:alpha val="43137"/>
+                  </a:srgbClr>
+                </a:outerShdw>
+              </a:effectLst>
+              <a:cs typeface="Arial" pitchFamily="34" charset="0"/>
+            </a:endParaRPr>
+          </a:p>
+        </p:txBody>
+      </p:sp>
+      <p:pic>
+        <p:nvPicPr>
+          <p:cNvPr id="16386" name="Picture 2" descr="Github 사용설명서 - 2.commit 하기"/>
+          <p:cNvPicPr>
+            <a:picLocks noChangeAspect="1" noChangeArrowheads="1"/>
+          </p:cNvPicPr>
+          <p:nvPr/>
+        </p:nvPicPr>
+        <p:blipFill>
+          <a:blip r:embed="rId3">
+            <a:extLst>
+              <a:ext uri="{28A0092B-C50C-407E-A947-70E740481C1C}">
+                <a14:useLocalDpi xmlns:a14="http://schemas.microsoft.com/office/drawing/2010/main" val="0"/>
+              </a:ext>
+            </a:extLst>
+          </a:blip>
+          <a:srcRect/>
+          <a:stretch>
+            <a:fillRect/>
+          </a:stretch>
+        </p:blipFill>
+        <p:spPr bwMode="auto">
+          <a:xfrm>
+            <a:off x="155575" y="-1812925"/>
+            <a:ext cx="6848475" cy="3781425"/>
+          </a:xfrm>
+          <a:prstGeom prst="rect">
+            <a:avLst/>
+          </a:prstGeom>
+          <a:noFill/>
+          <a:extLst>
+            <a:ext uri="{909E8E84-426E-40DD-AFC4-6F175D3DCCD1}">
+              <a14:hiddenFill xmlns:a14="http://schemas.microsoft.com/office/drawing/2010/main">
+                <a:solidFill>
+                  <a:srgbClr val="FFFFFF"/>
+                </a:solidFill>
+              </a14:hiddenFill>
+            </a:ext>
+          </a:extLst>
+        </p:spPr>
+      </p:pic>
+    </p:spTree>
+    <p:extLst>
+      <p:ext uri="{BB962C8B-B14F-4D97-AF65-F5344CB8AC3E}">
+        <p14:creationId xmlns:p14="http://schemas.microsoft.com/office/powerpoint/2010/main" val="4102734412"/>
+      </p:ext>
+    </p:extLst>
+  </p:cSld>
+  <p:clrMapOvr>
+    <a:masterClrMapping/>
+  </p:clrMapOvr>
+  <p:timing>
+    <p:tnLst>
+      <p:par>
+        <p:cTn id="1" dur="indefinite" restart="never" nodeType="tmRoot"/>
+      </p:par>
+    </p:tnLst>
+  </p:timing>
+</p:sld>
+</file>
+
+<file path=ppt/slides/slide15.xml><?xml version="1.0" encoding="utf-8"?>
+<p:sld xmlns:a="http://schemas.openxmlformats.org/drawingml/2006/main" xmlns:r="http://schemas.openxmlformats.org/officeDocument/2006/relationships" xmlns:p="http://schemas.openxmlformats.org/presentationml/2006/main">
+  <p:cSld>
+    <p:spTree>
+      <p:nvGrpSpPr>
+        <p:cNvPr id="1" name=""/>
+        <p:cNvGrpSpPr/>
+        <p:nvPr/>
+      </p:nvGrpSpPr>
+      <p:grpSpPr>
+        <a:xfrm>
+          <a:off x="0" y="0"/>
+          <a:ext cx="0" cy="0"/>
+          <a:chOff x="0" y="0"/>
+          <a:chExt cx="0" cy="0"/>
+        </a:xfrm>
+      </p:grpSpPr>
+      <p:sp>
+        <p:nvSpPr>
+          <p:cNvPr id="11" name="TextBox 10">
+            <a:extLst>
+              <a:ext uri="{FF2B5EF4-FFF2-40B4-BE49-F238E27FC236}">
+                <a16:creationId xmlns:a16="http://schemas.microsoft.com/office/drawing/2014/main" id="{00721A06-02D8-A24D-97D5-8712D26CF2B9}"/>
+              </a:ext>
+            </a:extLst>
+          </p:cNvPr>
+          <p:cNvSpPr txBox="1"/>
+          <p:nvPr/>
+        </p:nvSpPr>
+        <p:spPr>
+          <a:xfrm>
+            <a:off x="323215" y="168602"/>
+            <a:ext cx="7522845" cy="523220"/>
+          </a:xfrm>
+          <a:prstGeom prst="rect">
+            <a:avLst/>
+          </a:prstGeom>
+          <a:noFill/>
+        </p:spPr>
+        <p:txBody>
+          <a:bodyPr wrap="square" rtlCol="0" anchor="ctr">
+            <a:spAutoFit/>
+          </a:bodyPr>
+          <a:lstStyle/>
+          <a:p>
+            <a:r>
+              <a:rPr lang="en-US" altLang="ko-KR" sz="2800" dirty="0" smtClean="0">
+                <a:effectLst>
+                  <a:outerShdw blurRad="38100" dist="38100" dir="2700000" algn="tl">
+                    <a:srgbClr val="000000">
+                      <a:alpha val="43137"/>
+                    </a:srgbClr>
+                  </a:outerShdw>
+                </a:effectLst>
+                <a:cs typeface="Arial" pitchFamily="34" charset="0"/>
+              </a:rPr>
+              <a:t>3.</a:t>
+            </a:r>
+            <a:r>
+              <a:rPr lang="ko-KR" altLang="en-US" sz="2800" dirty="0" smtClean="0">
+                <a:effectLst>
+                  <a:outerShdw blurRad="38100" dist="38100" dir="2700000" algn="tl">
+                    <a:srgbClr val="000000">
+                      <a:alpha val="43137"/>
+                    </a:srgbClr>
+                  </a:outerShdw>
+                </a:effectLst>
+                <a:cs typeface="Arial" pitchFamily="34" charset="0"/>
+              </a:rPr>
+              <a:t> </a:t>
+            </a:r>
+            <a:r>
+              <a:rPr lang="en-US" altLang="ko-KR" sz="2800" dirty="0" err="1" smtClean="0">
+                <a:effectLst>
+                  <a:outerShdw blurRad="38100" dist="38100" dir="2700000" algn="tl">
+                    <a:srgbClr val="000000">
+                      <a:alpha val="43137"/>
+                    </a:srgbClr>
+                  </a:outerShdw>
+                </a:effectLst>
+                <a:cs typeface="Arial" pitchFamily="34" charset="0"/>
+              </a:rPr>
+              <a:t>Github</a:t>
+            </a:r>
+            <a:endParaRPr lang="ko-KR" altLang="en-US" sz="2800" dirty="0">
+              <a:effectLst>
+                <a:outerShdw blurRad="38100" dist="38100" dir="2700000" algn="tl">
+                  <a:srgbClr val="000000">
+                    <a:alpha val="43137"/>
+                  </a:srgbClr>
+                </a:outerShdw>
+              </a:effectLst>
+              <a:cs typeface="Arial" pitchFamily="34" charset="0"/>
+            </a:endParaRPr>
+          </a:p>
+        </p:txBody>
+      </p:sp>
+      <p:pic>
+        <p:nvPicPr>
+          <p:cNvPr id="16386" name="Picture 2" descr="Github 사용설명서 - 2.commit 하기"/>
+          <p:cNvPicPr>
+            <a:picLocks noChangeAspect="1" noChangeArrowheads="1"/>
+          </p:cNvPicPr>
+          <p:nvPr/>
+        </p:nvPicPr>
+        <p:blipFill>
+          <a:blip r:embed="rId2">
+            <a:extLst>
+              <a:ext uri="{28A0092B-C50C-407E-A947-70E740481C1C}">
+                <a14:useLocalDpi xmlns:a14="http://schemas.microsoft.com/office/drawing/2010/main" val="0"/>
+              </a:ext>
+            </a:extLst>
+          </a:blip>
+          <a:srcRect/>
+          <a:stretch>
+            <a:fillRect/>
+          </a:stretch>
+        </p:blipFill>
+        <p:spPr bwMode="auto">
+          <a:xfrm>
+            <a:off x="2590766" y="1642545"/>
+            <a:ext cx="6848475" cy="3781425"/>
+          </a:xfrm>
+          <a:prstGeom prst="rect">
+            <a:avLst/>
+          </a:prstGeom>
+          <a:noFill/>
+          <a:extLst>
+            <a:ext uri="{909E8E84-426E-40DD-AFC4-6F175D3DCCD1}">
+              <a14:hiddenFill xmlns:a14="http://schemas.microsoft.com/office/drawing/2010/main">
+                <a:solidFill>
+                  <a:srgbClr val="FFFFFF"/>
+                </a:solidFill>
+              </a14:hiddenFill>
+            </a:ext>
+          </a:extLst>
+        </p:spPr>
+      </p:pic>
+    </p:spTree>
+    <p:extLst>
+      <p:ext uri="{BB962C8B-B14F-4D97-AF65-F5344CB8AC3E}">
+        <p14:creationId xmlns:p14="http://schemas.microsoft.com/office/powerpoint/2010/main" val="203580834"/>
+      </p:ext>
+    </p:extLst>
+  </p:cSld>
+  <p:clrMapOvr>
+    <a:masterClrMapping/>
+  </p:clrMapOvr>
+  <p:timing>
+    <p:tnLst>
+      <p:par>
+        <p:cTn id="1" dur="indefinite" restart="never" nodeType="tmRoot"/>
+      </p:par>
+    </p:tnLst>
+  </p:timing>
+</p:sld>
+</file>
+
+<file path=ppt/slides/slide16.xml><?xml version="1.0" encoding="utf-8"?>
+<p:sld xmlns:a="http://schemas.openxmlformats.org/drawingml/2006/main" xmlns:r="http://schemas.openxmlformats.org/officeDocument/2006/relationships" xmlns:p="http://schemas.openxmlformats.org/presentationml/2006/main">
+  <p:cSld>
+    <p:spTree>
+      <p:nvGrpSpPr>
+        <p:cNvPr id="1" name=""/>
+        <p:cNvGrpSpPr/>
+        <p:nvPr/>
+      </p:nvGrpSpPr>
+      <p:grpSpPr>
+        <a:xfrm>
+          <a:off x="0" y="0"/>
+          <a:ext cx="0" cy="0"/>
+          <a:chOff x="0" y="0"/>
+          <a:chExt cx="0" cy="0"/>
+        </a:xfrm>
+      </p:grpSpPr>
+      <p:sp>
+        <p:nvSpPr>
+          <p:cNvPr id="11" name="TextBox 10">
+            <a:extLst>
+              <a:ext uri="{FF2B5EF4-FFF2-40B4-BE49-F238E27FC236}">
+                <a16:creationId xmlns:a16="http://schemas.microsoft.com/office/drawing/2014/main" id="{00721A06-02D8-A24D-97D5-8712D26CF2B9}"/>
+              </a:ext>
+            </a:extLst>
+          </p:cNvPr>
+          <p:cNvSpPr txBox="1"/>
+          <p:nvPr/>
+        </p:nvSpPr>
+        <p:spPr>
+          <a:xfrm>
+            <a:off x="323215" y="168602"/>
+            <a:ext cx="7522845" cy="523220"/>
+          </a:xfrm>
+          <a:prstGeom prst="rect">
+            <a:avLst/>
+          </a:prstGeom>
+          <a:noFill/>
+        </p:spPr>
+        <p:txBody>
+          <a:bodyPr wrap="square" rtlCol="0" anchor="ctr">
+            <a:spAutoFit/>
+          </a:bodyPr>
+          <a:lstStyle/>
+          <a:p>
+            <a:r>
+              <a:rPr lang="en-US" altLang="ko-KR" sz="2800" dirty="0" smtClean="0">
+                <a:effectLst>
+                  <a:outerShdw blurRad="38100" dist="38100" dir="2700000" algn="tl">
+                    <a:srgbClr val="000000">
+                      <a:alpha val="43137"/>
+                    </a:srgbClr>
+                  </a:outerShdw>
+                </a:effectLst>
+                <a:cs typeface="Arial" pitchFamily="34" charset="0"/>
+              </a:rPr>
+              <a:t>4.</a:t>
+            </a:r>
+            <a:r>
+              <a:rPr lang="ko-KR" altLang="en-US" sz="2800" dirty="0" smtClean="0">
+                <a:effectLst>
+                  <a:outerShdw blurRad="38100" dist="38100" dir="2700000" algn="tl">
+                    <a:srgbClr val="000000">
+                      <a:alpha val="43137"/>
+                    </a:srgbClr>
+                  </a:outerShdw>
+                </a:effectLst>
+                <a:cs typeface="Arial" pitchFamily="34" charset="0"/>
+              </a:rPr>
+              <a:t> </a:t>
+            </a:r>
+            <a:r>
+              <a:rPr lang="ko-KR" altLang="en-US" sz="2800" dirty="0" smtClean="0">
+                <a:effectLst>
+                  <a:outerShdw blurRad="38100" dist="38100" dir="2700000" algn="tl">
+                    <a:srgbClr val="000000">
+                      <a:alpha val="43137"/>
+                    </a:srgbClr>
+                  </a:outerShdw>
+                </a:effectLst>
+                <a:cs typeface="Arial" pitchFamily="34" charset="0"/>
+              </a:rPr>
+              <a:t>실습</a:t>
+            </a:r>
+            <a:endParaRPr lang="ko-KR" altLang="en-US" sz="2800" dirty="0">
+              <a:effectLst>
+                <a:outerShdw blurRad="38100" dist="38100" dir="2700000" algn="tl">
+                  <a:srgbClr val="000000">
+                    <a:alpha val="43137"/>
+                  </a:srgbClr>
+                </a:outerShdw>
+              </a:effectLst>
+              <a:cs typeface="Arial" pitchFamily="34" charset="0"/>
+            </a:endParaRPr>
+          </a:p>
+        </p:txBody>
+      </p:sp>
+    </p:spTree>
+    <p:extLst>
+      <p:ext uri="{BB962C8B-B14F-4D97-AF65-F5344CB8AC3E}">
+        <p14:creationId xmlns:p14="http://schemas.microsoft.com/office/powerpoint/2010/main" val="3912136833"/>
+      </p:ext>
+    </p:extLst>
+  </p:cSld>
+  <p:clrMapOvr>
+    <a:masterClrMapping/>
+  </p:clrMapOvr>
+  <p:timing>
+    <p:tnLst>
+      <p:par>
+        <p:cTn id="1" dur="indefinite" restart="never" nodeType="tmRoot"/>
+      </p:par>
+    </p:tnLst>
+  </p:timing>
+</p:sld>
+</file>
+
+<file path=ppt/slides/slide17.xml><?xml version="1.0" encoding="utf-8"?>
 <p:sld xmlns:a="http://schemas.openxmlformats.org/drawingml/2006/main" xmlns:r="http://schemas.openxmlformats.org/officeDocument/2006/relationships" xmlns:p="http://schemas.openxmlformats.org/presentationml/2006/main">
   <p:cSld>
     <p:spTree>
@@ -5483,8 +7524,8 @@
         </p:nvSpPr>
         <p:spPr>
           <a:xfrm>
-            <a:off x="323215" y="137795"/>
-            <a:ext cx="7522845" cy="584835"/>
+            <a:off x="323215" y="168602"/>
+            <a:ext cx="7522845" cy="523220"/>
           </a:xfrm>
           <a:prstGeom prst="rect">
             <a:avLst/>
@@ -5498,7 +7539,7 @@
           <a:lstStyle/>
           <a:p>
             <a:r>
-              <a:rPr lang="en-US" altLang="ko-KR" sz="3200" dirty="0" smtClean="0">
+              <a:rPr lang="en-US" altLang="ko-KR" sz="2800" dirty="0" smtClean="0">
                 <a:effectLst>
                   <a:outerShdw blurRad="38100" dist="38100" dir="2700000" algn="tl">
                     <a:srgbClr val="000000">
@@ -5511,7 +7552,7 @@
               <a:t>1.</a:t>
             </a:r>
             <a:r>
-              <a:rPr lang="ko-KR" altLang="en-US" sz="3200" dirty="0" smtClean="0">
+              <a:rPr lang="ko-KR" altLang="en-US" sz="2800" dirty="0" smtClean="0">
                 <a:effectLst>
                   <a:outerShdw blurRad="38100" dist="38100" dir="2700000" algn="tl">
                     <a:srgbClr val="000000">
@@ -5562,7 +7603,7 @@
               </a:rPr>
               <a:t>?</a:t>
             </a:r>
-            <a:endParaRPr lang="ko-KR" altLang="en-US" sz="2400" dirty="0">
+            <a:endParaRPr lang="ko-KR" altLang="en-US" sz="2800" dirty="0">
               <a:effectLst>
                 <a:outerShdw blurRad="38100" dist="38100" dir="2700000" algn="tl">
                   <a:srgbClr val="000000">
@@ -5931,8 +7972,8 @@
         </p:nvSpPr>
         <p:spPr>
           <a:xfrm>
-            <a:off x="323215" y="137795"/>
-            <a:ext cx="7522845" cy="584835"/>
+            <a:off x="323215" y="168602"/>
+            <a:ext cx="7522845" cy="523220"/>
           </a:xfrm>
           <a:prstGeom prst="rect">
             <a:avLst/>
@@ -5946,7 +7987,7 @@
           <a:lstStyle/>
           <a:p>
             <a:r>
-              <a:rPr lang="en-US" altLang="ko-KR" sz="3200" dirty="0" smtClean="0">
+              <a:rPr lang="en-US" altLang="ko-KR" sz="2800" dirty="0" smtClean="0">
                 <a:effectLst>
                   <a:outerShdw blurRad="38100" dist="38100" dir="2700000" algn="tl">
                     <a:srgbClr val="000000">
@@ -5959,7 +8000,7 @@
               <a:t>1.</a:t>
             </a:r>
             <a:r>
-              <a:rPr lang="ko-KR" altLang="en-US" sz="3200" dirty="0" smtClean="0">
+              <a:rPr lang="ko-KR" altLang="en-US" sz="2800" dirty="0" smtClean="0">
                 <a:effectLst>
                   <a:outerShdw blurRad="38100" dist="38100" dir="2700000" algn="tl">
                     <a:srgbClr val="000000">
@@ -6010,7 +8051,7 @@
               </a:rPr>
               <a:t>?</a:t>
             </a:r>
-            <a:endParaRPr lang="ko-KR" altLang="en-US" sz="2400" dirty="0">
+            <a:endParaRPr lang="ko-KR" altLang="en-US" sz="2800" dirty="0">
               <a:effectLst>
                 <a:outerShdw blurRad="38100" dist="38100" dir="2700000" algn="tl">
                   <a:srgbClr val="000000">
@@ -6251,8 +8292,8 @@
         </p:nvSpPr>
         <p:spPr>
           <a:xfrm>
-            <a:off x="323215" y="137795"/>
-            <a:ext cx="7522845" cy="584835"/>
+            <a:off x="323215" y="168602"/>
+            <a:ext cx="7522845" cy="523220"/>
           </a:xfrm>
           <a:prstGeom prst="rect">
             <a:avLst/>
@@ -6266,7 +8307,7 @@
           <a:lstStyle/>
           <a:p>
             <a:r>
-              <a:rPr lang="en-US" altLang="ko-KR" sz="3200" dirty="0" smtClean="0">
+              <a:rPr lang="en-US" altLang="ko-KR" sz="2800" dirty="0" smtClean="0">
                 <a:effectLst>
                   <a:outerShdw blurRad="38100" dist="38100" dir="2700000" algn="tl">
                     <a:srgbClr val="000000">
@@ -6279,7 +8320,7 @@
               <a:t>1-1.</a:t>
             </a:r>
             <a:r>
-              <a:rPr lang="ko-KR" altLang="en-US" sz="3200" dirty="0" smtClean="0">
+              <a:rPr lang="ko-KR" altLang="en-US" sz="2800" dirty="0" smtClean="0">
                 <a:effectLst>
                   <a:outerShdw blurRad="38100" dist="38100" dir="2700000" algn="tl">
                     <a:srgbClr val="000000">
@@ -6330,7 +8371,7 @@
               </a:rPr>
               <a:t>?</a:t>
             </a:r>
-            <a:endParaRPr lang="ko-KR" altLang="en-US" sz="2400" dirty="0">
+            <a:endParaRPr lang="ko-KR" altLang="en-US" sz="2800" dirty="0">
               <a:effectLst>
                 <a:outerShdw blurRad="38100" dist="38100" dir="2700000" algn="tl">
                   <a:srgbClr val="000000">
@@ -6345,722 +8386,207 @@
       </p:sp>
       <p:grpSp>
         <p:nvGrpSpPr>
-          <p:cNvPr id="6" name="그룹 5"/>
+          <p:cNvPr id="9" name="그룹 8"/>
           <p:cNvGrpSpPr/>
           <p:nvPr/>
         </p:nvGrpSpPr>
         <p:grpSpPr>
           <a:xfrm>
-            <a:off x="217337" y="1498365"/>
-            <a:ext cx="5365316" cy="4184047"/>
-            <a:chOff x="323215" y="1523734"/>
-            <a:chExt cx="7010502" cy="5136796"/>
+            <a:off x="217337" y="1405288"/>
+            <a:ext cx="5365316" cy="4277125"/>
+            <a:chOff x="217337" y="1405288"/>
+            <a:chExt cx="5365316" cy="4277125"/>
+          </a:xfrm>
+        </p:grpSpPr>
+        <p:grpSp>
+          <p:nvGrpSpPr>
+            <p:cNvPr id="6" name="그룹 5"/>
+            <p:cNvGrpSpPr/>
+            <p:nvPr/>
+          </p:nvGrpSpPr>
+          <p:grpSpPr>
+            <a:xfrm>
+              <a:off x="217337" y="1498365"/>
+              <a:ext cx="5365316" cy="4184047"/>
+              <a:chOff x="323215" y="1523734"/>
+              <a:chExt cx="7010502" cy="5136796"/>
+            </a:xfrm>
+          </p:grpSpPr>
+          <p:pic>
+            <p:nvPicPr>
+              <p:cNvPr id="3" name="그림 2"/>
+              <p:cNvPicPr>
+                <a:picLocks noChangeAspect="1"/>
+              </p:cNvPicPr>
+              <p:nvPr/>
+            </p:nvPicPr>
+            <p:blipFill>
+              <a:blip r:embed="rId2"/>
+              <a:stretch>
+                <a:fillRect/>
+              </a:stretch>
+            </p:blipFill>
+            <p:spPr>
+              <a:xfrm>
+                <a:off x="323215" y="1523734"/>
+                <a:ext cx="7010502" cy="2475023"/>
+              </a:xfrm>
+              <a:prstGeom prst="rect">
+                <a:avLst/>
+              </a:prstGeom>
+            </p:spPr>
+          </p:pic>
+          <p:pic>
+            <p:nvPicPr>
+              <p:cNvPr id="4" name="그림 3"/>
+              <p:cNvPicPr>
+                <a:picLocks noChangeAspect="1"/>
+              </p:cNvPicPr>
+              <p:nvPr/>
+            </p:nvPicPr>
+            <p:blipFill>
+              <a:blip r:embed="rId3"/>
+              <a:stretch>
+                <a:fillRect/>
+              </a:stretch>
+            </p:blipFill>
+            <p:spPr>
+              <a:xfrm>
+                <a:off x="323215" y="4060987"/>
+                <a:ext cx="7010502" cy="2599543"/>
+              </a:xfrm>
+              <a:prstGeom prst="rect">
+                <a:avLst/>
+              </a:prstGeom>
+            </p:spPr>
+          </p:pic>
+        </p:grpSp>
+        <p:sp>
+          <p:nvSpPr>
+            <p:cNvPr id="10" name="직사각형 9"/>
+            <p:cNvSpPr/>
+            <p:nvPr/>
+          </p:nvSpPr>
+          <p:spPr>
+            <a:xfrm>
+              <a:off x="217337" y="1405288"/>
+              <a:ext cx="5365316" cy="4277125"/>
+            </a:xfrm>
+            <a:prstGeom prst="rect">
+              <a:avLst/>
+            </a:prstGeom>
+            <a:noFill/>
+          </p:spPr>
+          <p:style>
+            <a:lnRef idx="2">
+              <a:schemeClr val="accent1">
+                <a:shade val="50000"/>
+              </a:schemeClr>
+            </a:lnRef>
+            <a:fillRef idx="1">
+              <a:schemeClr val="accent1"/>
+            </a:fillRef>
+            <a:effectRef idx="0">
+              <a:schemeClr val="accent1"/>
+            </a:effectRef>
+            <a:fontRef idx="minor">
+              <a:schemeClr val="lt1"/>
+            </a:fontRef>
+          </p:style>
+          <p:txBody>
+            <a:bodyPr rtlCol="0" anchor="ctr"/>
+            <a:lstStyle/>
+            <a:p>
+              <a:pPr algn="ctr"/>
+              <a:endParaRPr lang="ko-KR" altLang="en-US"/>
+            </a:p>
+          </p:txBody>
+        </p:sp>
+      </p:grpSp>
+      <p:grpSp>
+        <p:nvGrpSpPr>
+          <p:cNvPr id="12" name="그룹 11"/>
+          <p:cNvGrpSpPr/>
+          <p:nvPr/>
+        </p:nvGrpSpPr>
+        <p:grpSpPr>
+          <a:xfrm>
+            <a:off x="6099883" y="346591"/>
+            <a:ext cx="5500344" cy="6246713"/>
+            <a:chOff x="6099883" y="346591"/>
+            <a:chExt cx="5500344" cy="6246713"/>
           </a:xfrm>
         </p:grpSpPr>
         <p:pic>
           <p:nvPicPr>
-            <p:cNvPr id="3" name="그림 2"/>
+            <p:cNvPr id="7" name="그림 6"/>
             <p:cNvPicPr>
               <a:picLocks noChangeAspect="1"/>
             </p:cNvPicPr>
             <p:nvPr/>
           </p:nvPicPr>
           <p:blipFill>
-            <a:blip r:embed="rId2"/>
+            <a:blip r:embed="rId4"/>
             <a:stretch>
               <a:fillRect/>
             </a:stretch>
           </p:blipFill>
           <p:spPr>
             <a:xfrm>
-              <a:off x="323215" y="1523734"/>
-              <a:ext cx="7010502" cy="2475023"/>
+              <a:off x="6099884" y="430211"/>
+              <a:ext cx="5500343" cy="6163093"/>
             </a:xfrm>
             <a:prstGeom prst="rect">
               <a:avLst/>
             </a:prstGeom>
           </p:spPr>
         </p:pic>
-        <p:pic>
-          <p:nvPicPr>
-            <p:cNvPr id="4" name="그림 3"/>
-            <p:cNvPicPr>
-              <a:picLocks noChangeAspect="1"/>
-            </p:cNvPicPr>
+        <p:sp>
+          <p:nvSpPr>
+            <p:cNvPr id="11" name="직사각형 10"/>
+            <p:cNvSpPr/>
             <p:nvPr/>
-          </p:nvPicPr>
-          <p:blipFill>
-            <a:blip r:embed="rId3"/>
-            <a:stretch>
-              <a:fillRect/>
-            </a:stretch>
-          </p:blipFill>
+          </p:nvSpPr>
           <p:spPr>
             <a:xfrm>
-              <a:off x="323215" y="4060987"/>
-              <a:ext cx="7010502" cy="2599543"/>
+              <a:off x="6099883" y="346591"/>
+              <a:ext cx="5500343" cy="6246713"/>
             </a:xfrm>
             <a:prstGeom prst="rect">
               <a:avLst/>
             </a:prstGeom>
+            <a:noFill/>
           </p:spPr>
-        </p:pic>
+          <p:style>
+            <a:lnRef idx="2">
+              <a:schemeClr val="accent1">
+                <a:shade val="50000"/>
+              </a:schemeClr>
+            </a:lnRef>
+            <a:fillRef idx="1">
+              <a:schemeClr val="accent1"/>
+            </a:fillRef>
+            <a:effectRef idx="0">
+              <a:schemeClr val="accent1"/>
+            </a:effectRef>
+            <a:fontRef idx="minor">
+              <a:schemeClr val="lt1"/>
+            </a:fontRef>
+          </p:style>
+          <p:txBody>
+            <a:bodyPr rtlCol="0" anchor="ctr"/>
+            <a:lstStyle/>
+            <a:p>
+              <a:pPr algn="ctr"/>
+              <a:endParaRPr lang="ko-KR" altLang="en-US"/>
+            </a:p>
+          </p:txBody>
+        </p:sp>
       </p:grpSp>
-      <p:pic>
-        <p:nvPicPr>
-          <p:cNvPr id="7" name="그림 6"/>
-          <p:cNvPicPr>
-            <a:picLocks noChangeAspect="1"/>
-          </p:cNvPicPr>
-          <p:nvPr/>
-        </p:nvPicPr>
-        <p:blipFill>
-          <a:blip r:embed="rId4"/>
-          <a:stretch>
-            <a:fillRect/>
-          </a:stretch>
-        </p:blipFill>
-        <p:spPr>
-          <a:xfrm>
-            <a:off x="6099884" y="430211"/>
-            <a:ext cx="5500343" cy="6163093"/>
-          </a:xfrm>
-          <a:prstGeom prst="rect">
-            <a:avLst/>
-          </a:prstGeom>
-        </p:spPr>
-      </p:pic>
-      <p:sp>
-        <p:nvSpPr>
-          <p:cNvPr id="10" name="직사각형 9"/>
-          <p:cNvSpPr/>
-          <p:nvPr/>
-        </p:nvSpPr>
-        <p:spPr>
-          <a:xfrm>
-            <a:off x="217337" y="1405288"/>
-            <a:ext cx="5365316" cy="4277125"/>
-          </a:xfrm>
-          <a:prstGeom prst="rect">
-            <a:avLst/>
-          </a:prstGeom>
-          <a:noFill/>
-        </p:spPr>
-        <p:style>
-          <a:lnRef idx="2">
-            <a:schemeClr val="accent1">
-              <a:shade val="50000"/>
-            </a:schemeClr>
-          </a:lnRef>
-          <a:fillRef idx="1">
-            <a:schemeClr val="accent1"/>
-          </a:fillRef>
-          <a:effectRef idx="0">
-            <a:schemeClr val="accent1"/>
-          </a:effectRef>
-          <a:fontRef idx="minor">
-            <a:schemeClr val="lt1"/>
-          </a:fontRef>
-        </p:style>
-        <p:txBody>
-          <a:bodyPr rtlCol="0" anchor="ctr"/>
-          <a:lstStyle/>
-          <a:p>
-            <a:pPr algn="ctr"/>
-            <a:endParaRPr lang="ko-KR" altLang="en-US"/>
-          </a:p>
-        </p:txBody>
-      </p:sp>
-      <p:sp>
-        <p:nvSpPr>
-          <p:cNvPr id="11" name="직사각형 10"/>
-          <p:cNvSpPr/>
-          <p:nvPr/>
-        </p:nvSpPr>
-        <p:spPr>
-          <a:xfrm>
-            <a:off x="6099883" y="346591"/>
-            <a:ext cx="5500343" cy="6246713"/>
-          </a:xfrm>
-          <a:prstGeom prst="rect">
-            <a:avLst/>
-          </a:prstGeom>
-          <a:noFill/>
-        </p:spPr>
-        <p:style>
-          <a:lnRef idx="2">
-            <a:schemeClr val="accent1">
-              <a:shade val="50000"/>
-            </a:schemeClr>
-          </a:lnRef>
-          <a:fillRef idx="1">
-            <a:schemeClr val="accent1"/>
-          </a:fillRef>
-          <a:effectRef idx="0">
-            <a:schemeClr val="accent1"/>
-          </a:effectRef>
-          <a:fontRef idx="minor">
-            <a:schemeClr val="lt1"/>
-          </a:fontRef>
-        </p:style>
-        <p:txBody>
-          <a:bodyPr rtlCol="0" anchor="ctr"/>
-          <a:lstStyle/>
-          <a:p>
-            <a:pPr algn="ctr"/>
-            <a:endParaRPr lang="ko-KR" altLang="en-US"/>
-          </a:p>
-        </p:txBody>
-      </p:sp>
     </p:spTree>
     <p:extLst>
       <p:ext uri="{BB962C8B-B14F-4D97-AF65-F5344CB8AC3E}">
         <p14:creationId xmlns:p14="http://schemas.microsoft.com/office/powerpoint/2010/main" val="1330482192"/>
-      </p:ext>
-    </p:extLst>
-  </p:cSld>
-  <p:clrMapOvr>
-    <a:masterClrMapping/>
-  </p:clrMapOvr>
-  <p:timing>
-    <p:tnLst>
-      <p:par>
-        <p:cTn id="1" dur="indefinite" restart="never" nodeType="tmRoot">
-          <p:childTnLst>
-            <p:seq concurrent="1" nextAc="seek">
-              <p:cTn id="2" dur="indefinite" nodeType="mainSeq">
-                <p:childTnLst>
-                  <p:par>
-                    <p:cTn id="3" fill="hold">
-                      <p:stCondLst>
-                        <p:cond delay="indefinite"/>
-                      </p:stCondLst>
-                      <p:childTnLst>
-                        <p:par>
-                          <p:cTn id="4" fill="hold">
-                            <p:stCondLst>
-                              <p:cond delay="0"/>
-                            </p:stCondLst>
-                            <p:childTnLst>
-                              <p:par>
-                                <p:cTn id="5" presetID="10" presetClass="entr" presetSubtype="0" fill="hold" nodeType="clickEffect">
-                                  <p:stCondLst>
-                                    <p:cond delay="0"/>
-                                  </p:stCondLst>
-                                  <p:childTnLst>
-                                    <p:set>
-                                      <p:cBhvr>
-                                        <p:cTn id="6" dur="1" fill="hold">
-                                          <p:stCondLst>
-                                            <p:cond delay="0"/>
-                                          </p:stCondLst>
-                                        </p:cTn>
-                                        <p:tgtEl>
-                                          <p:spTgt spid="6"/>
-                                        </p:tgtEl>
-                                        <p:attrNameLst>
-                                          <p:attrName>style.visibility</p:attrName>
-                                        </p:attrNameLst>
-                                      </p:cBhvr>
-                                      <p:to>
-                                        <p:strVal val="visible"/>
-                                      </p:to>
-                                    </p:set>
-                                    <p:animEffect transition="in" filter="fade">
-                                      <p:cBhvr>
-                                        <p:cTn id="7" dur="500"/>
-                                        <p:tgtEl>
-                                          <p:spTgt spid="6"/>
-                                        </p:tgtEl>
-                                      </p:cBhvr>
-                                    </p:animEffect>
-                                  </p:childTnLst>
-                                </p:cTn>
-                              </p:par>
-                            </p:childTnLst>
-                          </p:cTn>
-                        </p:par>
-                      </p:childTnLst>
-                    </p:cTn>
-                  </p:par>
-                  <p:par>
-                    <p:cTn id="8" fill="hold">
-                      <p:stCondLst>
-                        <p:cond delay="indefinite"/>
-                      </p:stCondLst>
-                      <p:childTnLst>
-                        <p:par>
-                          <p:cTn id="9" fill="hold">
-                            <p:stCondLst>
-                              <p:cond delay="0"/>
-                            </p:stCondLst>
-                            <p:childTnLst>
-                              <p:par>
-                                <p:cTn id="10" presetID="10" presetClass="entr" presetSubtype="0" fill="hold" nodeType="clickEffect">
-                                  <p:stCondLst>
-                                    <p:cond delay="0"/>
-                                  </p:stCondLst>
-                                  <p:childTnLst>
-                                    <p:set>
-                                      <p:cBhvr>
-                                        <p:cTn id="11" dur="1" fill="hold">
-                                          <p:stCondLst>
-                                            <p:cond delay="0"/>
-                                          </p:stCondLst>
-                                        </p:cTn>
-                                        <p:tgtEl>
-                                          <p:spTgt spid="7"/>
-                                        </p:tgtEl>
-                                        <p:attrNameLst>
-                                          <p:attrName>style.visibility</p:attrName>
-                                        </p:attrNameLst>
-                                      </p:cBhvr>
-                                      <p:to>
-                                        <p:strVal val="visible"/>
-                                      </p:to>
-                                    </p:set>
-                                    <p:animEffect transition="in" filter="fade">
-                                      <p:cBhvr>
-                                        <p:cTn id="12" dur="500"/>
-                                        <p:tgtEl>
-                                          <p:spTgt spid="7"/>
-                                        </p:tgtEl>
-                                      </p:cBhvr>
-                                    </p:animEffect>
-                                  </p:childTnLst>
-                                </p:cTn>
-                              </p:par>
-                            </p:childTnLst>
-                          </p:cTn>
-                        </p:par>
-                      </p:childTnLst>
-                    </p:cTn>
-                  </p:par>
-                </p:childTnLst>
-              </p:cTn>
-              <p:prevCondLst>
-                <p:cond evt="onPrev" delay="0">
-                  <p:tgtEl>
-                    <p:sldTgt/>
-                  </p:tgtEl>
-                </p:cond>
-              </p:prevCondLst>
-              <p:nextCondLst>
-                <p:cond evt="onNext" delay="0">
-                  <p:tgtEl>
-                    <p:sldTgt/>
-                  </p:tgtEl>
-                </p:cond>
-              </p:nextCondLst>
-            </p:seq>
-          </p:childTnLst>
-        </p:cTn>
-      </p:par>
-    </p:tnLst>
-  </p:timing>
-</p:sld>
-</file>
-
-<file path=ppt/slides/slide5.xml><?xml version="1.0" encoding="utf-8"?>
-<p:sld xmlns:a="http://schemas.openxmlformats.org/drawingml/2006/main" xmlns:r="http://schemas.openxmlformats.org/officeDocument/2006/relationships" xmlns:p="http://schemas.openxmlformats.org/presentationml/2006/main">
-  <p:cSld>
-    <p:spTree>
-      <p:nvGrpSpPr>
-        <p:cNvPr id="1" name=""/>
-        <p:cNvGrpSpPr/>
-        <p:nvPr/>
-      </p:nvGrpSpPr>
-      <p:grpSpPr>
-        <a:xfrm>
-          <a:off x="0" y="0"/>
-          <a:ext cx="0" cy="0"/>
-          <a:chOff x="0" y="0"/>
-          <a:chExt cx="0" cy="0"/>
-        </a:xfrm>
-      </p:grpSpPr>
-      <p:grpSp>
-        <p:nvGrpSpPr>
-          <p:cNvPr id="9" name="그룹 8"/>
-          <p:cNvGrpSpPr/>
-          <p:nvPr/>
-        </p:nvGrpSpPr>
-        <p:grpSpPr>
-          <a:xfrm>
-            <a:off x="323215" y="937030"/>
-            <a:ext cx="5759416" cy="5560333"/>
-            <a:chOff x="718387" y="-372006"/>
-            <a:chExt cx="5008645" cy="4957793"/>
-          </a:xfrm>
-        </p:grpSpPr>
-        <p:pic>
-          <p:nvPicPr>
-            <p:cNvPr id="5" name="그림 4"/>
-            <p:cNvPicPr>
-              <a:picLocks noChangeAspect="1"/>
-            </p:cNvPicPr>
-            <p:nvPr/>
-          </p:nvPicPr>
-          <p:blipFill>
-            <a:blip r:embed="rId2"/>
-            <a:stretch>
-              <a:fillRect/>
-            </a:stretch>
-          </p:blipFill>
-          <p:spPr>
-            <a:xfrm>
-              <a:off x="718387" y="-372006"/>
-              <a:ext cx="5008645" cy="3540211"/>
-            </a:xfrm>
-            <a:prstGeom prst="rect">
-              <a:avLst/>
-            </a:prstGeom>
-          </p:spPr>
-        </p:pic>
-        <p:pic>
-          <p:nvPicPr>
-            <p:cNvPr id="8" name="그림 7"/>
-            <p:cNvPicPr>
-              <a:picLocks noChangeAspect="1"/>
-            </p:cNvPicPr>
-            <p:nvPr/>
-          </p:nvPicPr>
-          <p:blipFill>
-            <a:blip r:embed="rId3"/>
-            <a:stretch>
-              <a:fillRect/>
-            </a:stretch>
-          </p:blipFill>
-          <p:spPr>
-            <a:xfrm>
-              <a:off x="718387" y="3251334"/>
-              <a:ext cx="5008645" cy="1334453"/>
-            </a:xfrm>
-            <a:prstGeom prst="rect">
-              <a:avLst/>
-            </a:prstGeom>
-          </p:spPr>
-        </p:pic>
-      </p:grpSp>
-      <p:pic>
-        <p:nvPicPr>
-          <p:cNvPr id="10" name="그림 9"/>
-          <p:cNvPicPr>
-            <a:picLocks noChangeAspect="1"/>
-          </p:cNvPicPr>
-          <p:nvPr/>
-        </p:nvPicPr>
-        <p:blipFill>
-          <a:blip r:embed="rId4"/>
-          <a:stretch>
-            <a:fillRect/>
-          </a:stretch>
-        </p:blipFill>
-        <p:spPr>
-          <a:xfrm>
-            <a:off x="6349463" y="376475"/>
-            <a:ext cx="5380762" cy="2545788"/>
-          </a:xfrm>
-          <a:prstGeom prst="rect">
-            <a:avLst/>
-          </a:prstGeom>
-        </p:spPr>
-      </p:pic>
-      <p:grpSp>
-        <p:nvGrpSpPr>
-          <p:cNvPr id="13" name="그룹 12"/>
-          <p:cNvGrpSpPr/>
-          <p:nvPr/>
-        </p:nvGrpSpPr>
-        <p:grpSpPr>
-          <a:xfrm>
-            <a:off x="6349463" y="3143875"/>
-            <a:ext cx="5380762" cy="3527243"/>
-            <a:chOff x="6349463" y="3160943"/>
-            <a:chExt cx="5380762" cy="3527243"/>
-          </a:xfrm>
-        </p:grpSpPr>
-        <p:pic>
-          <p:nvPicPr>
-            <p:cNvPr id="11" name="그림 10"/>
-            <p:cNvPicPr>
-              <a:picLocks noChangeAspect="1"/>
-            </p:cNvPicPr>
-            <p:nvPr/>
-          </p:nvPicPr>
-          <p:blipFill>
-            <a:blip r:embed="rId5"/>
-            <a:stretch>
-              <a:fillRect/>
-            </a:stretch>
-          </p:blipFill>
-          <p:spPr>
-            <a:xfrm>
-              <a:off x="6349463" y="3160943"/>
-              <a:ext cx="5380762" cy="2338012"/>
-            </a:xfrm>
-            <a:prstGeom prst="rect">
-              <a:avLst/>
-            </a:prstGeom>
-          </p:spPr>
-        </p:pic>
-        <p:pic>
-          <p:nvPicPr>
-            <p:cNvPr id="12" name="그림 11"/>
-            <p:cNvPicPr>
-              <a:picLocks noChangeAspect="1"/>
-            </p:cNvPicPr>
-            <p:nvPr/>
-          </p:nvPicPr>
-          <p:blipFill>
-            <a:blip r:embed="rId6"/>
-            <a:stretch>
-              <a:fillRect/>
-            </a:stretch>
-          </p:blipFill>
-          <p:spPr>
-            <a:xfrm>
-              <a:off x="6349463" y="5432835"/>
-              <a:ext cx="5380762" cy="1255351"/>
-            </a:xfrm>
-            <a:prstGeom prst="rect">
-              <a:avLst/>
-            </a:prstGeom>
-          </p:spPr>
-        </p:pic>
-      </p:grpSp>
-      <p:sp>
-        <p:nvSpPr>
-          <p:cNvPr id="14" name="직사각형 13"/>
-          <p:cNvSpPr/>
-          <p:nvPr/>
-        </p:nvSpPr>
-        <p:spPr>
-          <a:xfrm>
-            <a:off x="323215" y="815861"/>
-            <a:ext cx="5759416" cy="5777444"/>
-          </a:xfrm>
-          <a:prstGeom prst="rect">
-            <a:avLst/>
-          </a:prstGeom>
-          <a:noFill/>
-        </p:spPr>
-        <p:style>
-          <a:lnRef idx="2">
-            <a:schemeClr val="accent1">
-              <a:shade val="50000"/>
-            </a:schemeClr>
-          </a:lnRef>
-          <a:fillRef idx="1">
-            <a:schemeClr val="accent1"/>
-          </a:fillRef>
-          <a:effectRef idx="0">
-            <a:schemeClr val="accent1"/>
-          </a:effectRef>
-          <a:fontRef idx="minor">
-            <a:schemeClr val="lt1"/>
-          </a:fontRef>
-        </p:style>
-        <p:txBody>
-          <a:bodyPr rtlCol="0" anchor="ctr"/>
-          <a:lstStyle/>
-          <a:p>
-            <a:pPr algn="ctr"/>
-            <a:endParaRPr lang="ko-KR" altLang="en-US"/>
-          </a:p>
-        </p:txBody>
-      </p:sp>
-      <p:sp>
-        <p:nvSpPr>
-          <p:cNvPr id="16" name="직사각형 15"/>
-          <p:cNvSpPr/>
-          <p:nvPr/>
-        </p:nvSpPr>
-        <p:spPr>
-          <a:xfrm>
-            <a:off x="6335794" y="376475"/>
-            <a:ext cx="5474404" cy="2453352"/>
-          </a:xfrm>
-          <a:prstGeom prst="rect">
-            <a:avLst/>
-          </a:prstGeom>
-          <a:noFill/>
-        </p:spPr>
-        <p:style>
-          <a:lnRef idx="2">
-            <a:schemeClr val="accent1">
-              <a:shade val="50000"/>
-            </a:schemeClr>
-          </a:lnRef>
-          <a:fillRef idx="1">
-            <a:schemeClr val="accent1"/>
-          </a:fillRef>
-          <a:effectRef idx="0">
-            <a:schemeClr val="accent1"/>
-          </a:effectRef>
-          <a:fontRef idx="minor">
-            <a:schemeClr val="lt1"/>
-          </a:fontRef>
-        </p:style>
-        <p:txBody>
-          <a:bodyPr rtlCol="0" anchor="ctr"/>
-          <a:lstStyle/>
-          <a:p>
-            <a:pPr algn="ctr"/>
-            <a:endParaRPr lang="ko-KR" altLang="en-US"/>
-          </a:p>
-        </p:txBody>
-      </p:sp>
-      <p:sp>
-        <p:nvSpPr>
-          <p:cNvPr id="19" name="직사각형 18"/>
-          <p:cNvSpPr/>
-          <p:nvPr/>
-        </p:nvSpPr>
-        <p:spPr>
-          <a:xfrm>
-            <a:off x="6349463" y="3143874"/>
-            <a:ext cx="5380762" cy="3527243"/>
-          </a:xfrm>
-          <a:prstGeom prst="rect">
-            <a:avLst/>
-          </a:prstGeom>
-          <a:noFill/>
-        </p:spPr>
-        <p:style>
-          <a:lnRef idx="2">
-            <a:schemeClr val="accent1">
-              <a:shade val="50000"/>
-            </a:schemeClr>
-          </a:lnRef>
-          <a:fillRef idx="1">
-            <a:schemeClr val="accent1"/>
-          </a:fillRef>
-          <a:effectRef idx="0">
-            <a:schemeClr val="accent1"/>
-          </a:effectRef>
-          <a:fontRef idx="minor">
-            <a:schemeClr val="lt1"/>
-          </a:fontRef>
-        </p:style>
-        <p:txBody>
-          <a:bodyPr rtlCol="0" anchor="ctr"/>
-          <a:lstStyle/>
-          <a:p>
-            <a:pPr algn="ctr"/>
-            <a:endParaRPr lang="ko-KR" altLang="en-US"/>
-          </a:p>
-        </p:txBody>
-      </p:sp>
-      <p:sp>
-        <p:nvSpPr>
-          <p:cNvPr id="20" name="TextBox 19">
-            <a:extLst>
-              <a:ext uri="{FF2B5EF4-FFF2-40B4-BE49-F238E27FC236}">
-                <a16:creationId xmlns:a16="http://schemas.microsoft.com/office/drawing/2014/main" id="{00721A06-02D8-A24D-97D5-8712D26CF2B9}"/>
-              </a:ext>
-            </a:extLst>
-          </p:cNvPr>
-          <p:cNvSpPr txBox="1"/>
-          <p:nvPr/>
-        </p:nvSpPr>
-        <p:spPr>
-          <a:xfrm>
-            <a:off x="323215" y="137795"/>
-            <a:ext cx="7522845" cy="584835"/>
-          </a:xfrm>
-          <a:prstGeom prst="rect">
-            <a:avLst/>
-          </a:prstGeom>
-          <a:noFill/>
-        </p:spPr>
-        <p:txBody>
-          <a:bodyPr wrap="square" rtlCol="0" anchor="ctr">
-            <a:spAutoFit/>
-          </a:bodyPr>
-          <a:lstStyle/>
-          <a:p>
-            <a:r>
-              <a:rPr lang="en-US" altLang="ko-KR" sz="3200" dirty="0" smtClean="0">
-                <a:effectLst>
-                  <a:outerShdw blurRad="38100" dist="38100" dir="2700000" algn="tl">
-                    <a:srgbClr val="000000">
-                      <a:alpha val="43137"/>
-                    </a:srgbClr>
-                  </a:outerShdw>
-                </a:effectLst>
-                <a:cs typeface="Arial" pitchFamily="34" charset="0"/>
-              </a:rPr>
-              <a:t>1-1.</a:t>
-            </a:r>
-            <a:r>
-              <a:rPr lang="ko-KR" altLang="en-US" sz="3200" dirty="0" smtClean="0">
-                <a:effectLst>
-                  <a:outerShdw blurRad="38100" dist="38100" dir="2700000" algn="tl">
-                    <a:srgbClr val="000000">
-                      <a:alpha val="43137"/>
-                    </a:srgbClr>
-                  </a:outerShdw>
-                </a:effectLst>
-                <a:cs typeface="Arial" pitchFamily="34" charset="0"/>
-              </a:rPr>
-              <a:t> 왜 </a:t>
-            </a:r>
-            <a:r>
-              <a:rPr lang="en-US" altLang="ko-KR" sz="2800" dirty="0" err="1" smtClean="0">
-                <a:effectLst>
-                  <a:outerShdw blurRad="38100" dist="38100" dir="2700000" algn="tl">
-                    <a:srgbClr val="000000">
-                      <a:alpha val="43137"/>
-                    </a:srgbClr>
-                  </a:outerShdw>
-                </a:effectLst>
-                <a:cs typeface="Arial" pitchFamily="34" charset="0"/>
-              </a:rPr>
-              <a:t>Git</a:t>
-            </a:r>
-            <a:r>
-              <a:rPr lang="ko-KR" altLang="en-US" sz="2800" dirty="0" smtClean="0">
-                <a:effectLst>
-                  <a:outerShdw blurRad="38100" dist="38100" dir="2700000" algn="tl">
-                    <a:srgbClr val="000000">
-                      <a:alpha val="43137"/>
-                    </a:srgbClr>
-                  </a:outerShdw>
-                </a:effectLst>
-                <a:cs typeface="Arial" pitchFamily="34" charset="0"/>
-              </a:rPr>
-              <a:t>이 필요할까</a:t>
-            </a:r>
-            <a:r>
-              <a:rPr lang="en-US" altLang="ko-KR" sz="2800" dirty="0" smtClean="0">
-                <a:effectLst>
-                  <a:outerShdw blurRad="38100" dist="38100" dir="2700000" algn="tl">
-                    <a:srgbClr val="000000">
-                      <a:alpha val="43137"/>
-                    </a:srgbClr>
-                  </a:outerShdw>
-                </a:effectLst>
-                <a:cs typeface="Arial" pitchFamily="34" charset="0"/>
-              </a:rPr>
-              <a:t>?</a:t>
-            </a:r>
-            <a:endParaRPr lang="ko-KR" altLang="en-US" sz="2400" dirty="0">
-              <a:effectLst>
-                <a:outerShdw blurRad="38100" dist="38100" dir="2700000" algn="tl">
-                  <a:srgbClr val="000000">
-                    <a:alpha val="43137"/>
-                  </a:srgbClr>
-                </a:outerShdw>
-              </a:effectLst>
-              <a:cs typeface="Arial" pitchFamily="34" charset="0"/>
-            </a:endParaRPr>
-          </a:p>
-        </p:txBody>
-      </p:sp>
-    </p:spTree>
-    <p:extLst>
-      <p:ext uri="{BB962C8B-B14F-4D97-AF65-F5344CB8AC3E}">
-        <p14:creationId xmlns:p14="http://schemas.microsoft.com/office/powerpoint/2010/main" val="4204119847"/>
       </p:ext>
     </p:extLst>
   </p:cSld>
@@ -7154,7 +8680,7 @@
                                           </p:stCondLst>
                                         </p:cTn>
                                         <p:tgtEl>
-                                          <p:spTgt spid="10"/>
+                                          <p:spTgt spid="12"/>
                                         </p:tgtEl>
                                         <p:attrNameLst>
                                           <p:attrName>style.visibility</p:attrName>
@@ -7168,7 +8694,597 @@
                                       <p:cBhvr>
                                         <p:cTn id="12" dur="500"/>
                                         <p:tgtEl>
-                                          <p:spTgt spid="10"/>
+                                          <p:spTgt spid="12"/>
+                                        </p:tgtEl>
+                                      </p:cBhvr>
+                                    </p:animEffect>
+                                  </p:childTnLst>
+                                </p:cTn>
+                              </p:par>
+                            </p:childTnLst>
+                          </p:cTn>
+                        </p:par>
+                      </p:childTnLst>
+                    </p:cTn>
+                  </p:par>
+                </p:childTnLst>
+              </p:cTn>
+              <p:prevCondLst>
+                <p:cond evt="onPrev" delay="0">
+                  <p:tgtEl>
+                    <p:sldTgt/>
+                  </p:tgtEl>
+                </p:cond>
+              </p:prevCondLst>
+              <p:nextCondLst>
+                <p:cond evt="onNext" delay="0">
+                  <p:tgtEl>
+                    <p:sldTgt/>
+                  </p:tgtEl>
+                </p:cond>
+              </p:nextCondLst>
+            </p:seq>
+          </p:childTnLst>
+        </p:cTn>
+      </p:par>
+    </p:tnLst>
+  </p:timing>
+</p:sld>
+</file>
+
+<file path=ppt/slides/slide5.xml><?xml version="1.0" encoding="utf-8"?>
+<p:sld xmlns:a="http://schemas.openxmlformats.org/drawingml/2006/main" xmlns:r="http://schemas.openxmlformats.org/officeDocument/2006/relationships" xmlns:p="http://schemas.openxmlformats.org/presentationml/2006/main">
+  <p:cSld>
+    <p:spTree>
+      <p:nvGrpSpPr>
+        <p:cNvPr id="1" name=""/>
+        <p:cNvGrpSpPr/>
+        <p:nvPr/>
+      </p:nvGrpSpPr>
+      <p:grpSpPr>
+        <a:xfrm>
+          <a:off x="0" y="0"/>
+          <a:ext cx="0" cy="0"/>
+          <a:chOff x="0" y="0"/>
+          <a:chExt cx="0" cy="0"/>
+        </a:xfrm>
+      </p:grpSpPr>
+      <p:grpSp>
+        <p:nvGrpSpPr>
+          <p:cNvPr id="15" name="그룹 14"/>
+          <p:cNvGrpSpPr/>
+          <p:nvPr/>
+        </p:nvGrpSpPr>
+        <p:grpSpPr>
+          <a:xfrm>
+            <a:off x="323215" y="815861"/>
+            <a:ext cx="5759416" cy="5777444"/>
+            <a:chOff x="323215" y="815861"/>
+            <a:chExt cx="5759416" cy="5777444"/>
+          </a:xfrm>
+        </p:grpSpPr>
+        <p:grpSp>
+          <p:nvGrpSpPr>
+            <p:cNvPr id="9" name="그룹 8"/>
+            <p:cNvGrpSpPr/>
+            <p:nvPr/>
+          </p:nvGrpSpPr>
+          <p:grpSpPr>
+            <a:xfrm>
+              <a:off x="323215" y="937030"/>
+              <a:ext cx="5759416" cy="5560333"/>
+              <a:chOff x="718387" y="-372006"/>
+              <a:chExt cx="5008645" cy="4957793"/>
+            </a:xfrm>
+          </p:grpSpPr>
+          <p:pic>
+            <p:nvPicPr>
+              <p:cNvPr id="5" name="그림 4"/>
+              <p:cNvPicPr>
+                <a:picLocks noChangeAspect="1"/>
+              </p:cNvPicPr>
+              <p:nvPr/>
+            </p:nvPicPr>
+            <p:blipFill>
+              <a:blip r:embed="rId2"/>
+              <a:stretch>
+                <a:fillRect/>
+              </a:stretch>
+            </p:blipFill>
+            <p:spPr>
+              <a:xfrm>
+                <a:off x="718387" y="-372006"/>
+                <a:ext cx="5008645" cy="3540211"/>
+              </a:xfrm>
+              <a:prstGeom prst="rect">
+                <a:avLst/>
+              </a:prstGeom>
+            </p:spPr>
+          </p:pic>
+          <p:pic>
+            <p:nvPicPr>
+              <p:cNvPr id="8" name="그림 7"/>
+              <p:cNvPicPr>
+                <a:picLocks noChangeAspect="1"/>
+              </p:cNvPicPr>
+              <p:nvPr/>
+            </p:nvPicPr>
+            <p:blipFill>
+              <a:blip r:embed="rId3"/>
+              <a:stretch>
+                <a:fillRect/>
+              </a:stretch>
+            </p:blipFill>
+            <p:spPr>
+              <a:xfrm>
+                <a:off x="718387" y="3251334"/>
+                <a:ext cx="5008645" cy="1334453"/>
+              </a:xfrm>
+              <a:prstGeom prst="rect">
+                <a:avLst/>
+              </a:prstGeom>
+            </p:spPr>
+          </p:pic>
+        </p:grpSp>
+        <p:sp>
+          <p:nvSpPr>
+            <p:cNvPr id="14" name="직사각형 13"/>
+            <p:cNvSpPr/>
+            <p:nvPr/>
+          </p:nvSpPr>
+          <p:spPr>
+            <a:xfrm>
+              <a:off x="323215" y="815861"/>
+              <a:ext cx="5759416" cy="5777444"/>
+            </a:xfrm>
+            <a:prstGeom prst="rect">
+              <a:avLst/>
+            </a:prstGeom>
+            <a:noFill/>
+          </p:spPr>
+          <p:style>
+            <a:lnRef idx="2">
+              <a:schemeClr val="accent1">
+                <a:shade val="50000"/>
+              </a:schemeClr>
+            </a:lnRef>
+            <a:fillRef idx="1">
+              <a:schemeClr val="accent1"/>
+            </a:fillRef>
+            <a:effectRef idx="0">
+              <a:schemeClr val="accent1"/>
+            </a:effectRef>
+            <a:fontRef idx="minor">
+              <a:schemeClr val="lt1"/>
+            </a:fontRef>
+          </p:style>
+          <p:txBody>
+            <a:bodyPr rtlCol="0" anchor="ctr"/>
+            <a:lstStyle/>
+            <a:p>
+              <a:pPr algn="ctr"/>
+              <a:endParaRPr lang="ko-KR" altLang="en-US"/>
+            </a:p>
+          </p:txBody>
+        </p:sp>
+      </p:grpSp>
+      <p:grpSp>
+        <p:nvGrpSpPr>
+          <p:cNvPr id="21" name="그룹 20"/>
+          <p:cNvGrpSpPr/>
+          <p:nvPr/>
+        </p:nvGrpSpPr>
+        <p:grpSpPr>
+          <a:xfrm>
+            <a:off x="6335794" y="376475"/>
+            <a:ext cx="5474404" cy="2545788"/>
+            <a:chOff x="6335794" y="376475"/>
+            <a:chExt cx="5474404" cy="2545788"/>
+          </a:xfrm>
+        </p:grpSpPr>
+        <p:pic>
+          <p:nvPicPr>
+            <p:cNvPr id="10" name="그림 9"/>
+            <p:cNvPicPr>
+              <a:picLocks noChangeAspect="1"/>
+            </p:cNvPicPr>
+            <p:nvPr/>
+          </p:nvPicPr>
+          <p:blipFill>
+            <a:blip r:embed="rId4"/>
+            <a:stretch>
+              <a:fillRect/>
+            </a:stretch>
+          </p:blipFill>
+          <p:spPr>
+            <a:xfrm>
+              <a:off x="6349463" y="376475"/>
+              <a:ext cx="5380762" cy="2545788"/>
+            </a:xfrm>
+            <a:prstGeom prst="rect">
+              <a:avLst/>
+            </a:prstGeom>
+          </p:spPr>
+        </p:pic>
+        <p:sp>
+          <p:nvSpPr>
+            <p:cNvPr id="16" name="직사각형 15"/>
+            <p:cNvSpPr/>
+            <p:nvPr/>
+          </p:nvSpPr>
+          <p:spPr>
+            <a:xfrm>
+              <a:off x="6335794" y="376475"/>
+              <a:ext cx="5474404" cy="2453352"/>
+            </a:xfrm>
+            <a:prstGeom prst="rect">
+              <a:avLst/>
+            </a:prstGeom>
+            <a:noFill/>
+          </p:spPr>
+          <p:style>
+            <a:lnRef idx="2">
+              <a:schemeClr val="accent1">
+                <a:shade val="50000"/>
+              </a:schemeClr>
+            </a:lnRef>
+            <a:fillRef idx="1">
+              <a:schemeClr val="accent1"/>
+            </a:fillRef>
+            <a:effectRef idx="0">
+              <a:schemeClr val="accent1"/>
+            </a:effectRef>
+            <a:fontRef idx="minor">
+              <a:schemeClr val="lt1"/>
+            </a:fontRef>
+          </p:style>
+          <p:txBody>
+            <a:bodyPr rtlCol="0" anchor="ctr"/>
+            <a:lstStyle/>
+            <a:p>
+              <a:pPr algn="ctr"/>
+              <a:endParaRPr lang="ko-KR" altLang="en-US"/>
+            </a:p>
+          </p:txBody>
+        </p:sp>
+      </p:grpSp>
+      <p:grpSp>
+        <p:nvGrpSpPr>
+          <p:cNvPr id="22" name="그룹 21"/>
+          <p:cNvGrpSpPr/>
+          <p:nvPr/>
+        </p:nvGrpSpPr>
+        <p:grpSpPr>
+          <a:xfrm>
+            <a:off x="6349463" y="3143874"/>
+            <a:ext cx="5380762" cy="3527244"/>
+            <a:chOff x="6349463" y="3143874"/>
+            <a:chExt cx="5380762" cy="3527244"/>
+          </a:xfrm>
+        </p:grpSpPr>
+        <p:grpSp>
+          <p:nvGrpSpPr>
+            <p:cNvPr id="13" name="그룹 12"/>
+            <p:cNvGrpSpPr/>
+            <p:nvPr/>
+          </p:nvGrpSpPr>
+          <p:grpSpPr>
+            <a:xfrm>
+              <a:off x="6349463" y="3143875"/>
+              <a:ext cx="5380762" cy="3527243"/>
+              <a:chOff x="6349463" y="3160943"/>
+              <a:chExt cx="5380762" cy="3527243"/>
+            </a:xfrm>
+          </p:grpSpPr>
+          <p:pic>
+            <p:nvPicPr>
+              <p:cNvPr id="11" name="그림 10"/>
+              <p:cNvPicPr>
+                <a:picLocks noChangeAspect="1"/>
+              </p:cNvPicPr>
+              <p:nvPr/>
+            </p:nvPicPr>
+            <p:blipFill>
+              <a:blip r:embed="rId5"/>
+              <a:stretch>
+                <a:fillRect/>
+              </a:stretch>
+            </p:blipFill>
+            <p:spPr>
+              <a:xfrm>
+                <a:off x="6349463" y="3160943"/>
+                <a:ext cx="5380762" cy="2338012"/>
+              </a:xfrm>
+              <a:prstGeom prst="rect">
+                <a:avLst/>
+              </a:prstGeom>
+            </p:spPr>
+          </p:pic>
+          <p:pic>
+            <p:nvPicPr>
+              <p:cNvPr id="12" name="그림 11"/>
+              <p:cNvPicPr>
+                <a:picLocks noChangeAspect="1"/>
+              </p:cNvPicPr>
+              <p:nvPr/>
+            </p:nvPicPr>
+            <p:blipFill>
+              <a:blip r:embed="rId6"/>
+              <a:stretch>
+                <a:fillRect/>
+              </a:stretch>
+            </p:blipFill>
+            <p:spPr>
+              <a:xfrm>
+                <a:off x="6349463" y="5432835"/>
+                <a:ext cx="5380762" cy="1255351"/>
+              </a:xfrm>
+              <a:prstGeom prst="rect">
+                <a:avLst/>
+              </a:prstGeom>
+            </p:spPr>
+          </p:pic>
+        </p:grpSp>
+        <p:sp>
+          <p:nvSpPr>
+            <p:cNvPr id="19" name="직사각형 18"/>
+            <p:cNvSpPr/>
+            <p:nvPr/>
+          </p:nvSpPr>
+          <p:spPr>
+            <a:xfrm>
+              <a:off x="6349463" y="3143874"/>
+              <a:ext cx="5380762" cy="3527243"/>
+            </a:xfrm>
+            <a:prstGeom prst="rect">
+              <a:avLst/>
+            </a:prstGeom>
+            <a:noFill/>
+          </p:spPr>
+          <p:style>
+            <a:lnRef idx="2">
+              <a:schemeClr val="accent1">
+                <a:shade val="50000"/>
+              </a:schemeClr>
+            </a:lnRef>
+            <a:fillRef idx="1">
+              <a:schemeClr val="accent1"/>
+            </a:fillRef>
+            <a:effectRef idx="0">
+              <a:schemeClr val="accent1"/>
+            </a:effectRef>
+            <a:fontRef idx="minor">
+              <a:schemeClr val="lt1"/>
+            </a:fontRef>
+          </p:style>
+          <p:txBody>
+            <a:bodyPr rtlCol="0" anchor="ctr"/>
+            <a:lstStyle/>
+            <a:p>
+              <a:pPr algn="ctr"/>
+              <a:endParaRPr lang="ko-KR" altLang="en-US"/>
+            </a:p>
+          </p:txBody>
+        </p:sp>
+      </p:grpSp>
+      <p:sp>
+        <p:nvSpPr>
+          <p:cNvPr id="20" name="TextBox 19">
+            <a:extLst>
+              <a:ext uri="{FF2B5EF4-FFF2-40B4-BE49-F238E27FC236}">
+                <a16:creationId xmlns:a16="http://schemas.microsoft.com/office/drawing/2014/main" id="{00721A06-02D8-A24D-97D5-8712D26CF2B9}"/>
+              </a:ext>
+            </a:extLst>
+          </p:cNvPr>
+          <p:cNvSpPr txBox="1"/>
+          <p:nvPr/>
+        </p:nvSpPr>
+        <p:spPr>
+          <a:xfrm>
+            <a:off x="323215" y="168602"/>
+            <a:ext cx="7522845" cy="523220"/>
+          </a:xfrm>
+          <a:prstGeom prst="rect">
+            <a:avLst/>
+          </a:prstGeom>
+          <a:noFill/>
+        </p:spPr>
+        <p:txBody>
+          <a:bodyPr wrap="square" rtlCol="0" anchor="ctr">
+            <a:spAutoFit/>
+          </a:bodyPr>
+          <a:lstStyle/>
+          <a:p>
+            <a:r>
+              <a:rPr lang="en-US" altLang="ko-KR" sz="2800" dirty="0" smtClean="0">
+                <a:effectLst>
+                  <a:outerShdw blurRad="38100" dist="38100" dir="2700000" algn="tl">
+                    <a:srgbClr val="000000">
+                      <a:alpha val="43137"/>
+                    </a:srgbClr>
+                  </a:outerShdw>
+                </a:effectLst>
+                <a:cs typeface="Arial" pitchFamily="34" charset="0"/>
+              </a:rPr>
+              <a:t>1-1.</a:t>
+            </a:r>
+            <a:r>
+              <a:rPr lang="ko-KR" altLang="en-US" sz="2800" dirty="0" smtClean="0">
+                <a:effectLst>
+                  <a:outerShdw blurRad="38100" dist="38100" dir="2700000" algn="tl">
+                    <a:srgbClr val="000000">
+                      <a:alpha val="43137"/>
+                    </a:srgbClr>
+                  </a:outerShdw>
+                </a:effectLst>
+                <a:cs typeface="Arial" pitchFamily="34" charset="0"/>
+              </a:rPr>
+              <a:t> 왜 </a:t>
+            </a:r>
+            <a:r>
+              <a:rPr lang="en-US" altLang="ko-KR" sz="2800" dirty="0" err="1" smtClean="0">
+                <a:effectLst>
+                  <a:outerShdw blurRad="38100" dist="38100" dir="2700000" algn="tl">
+                    <a:srgbClr val="000000">
+                      <a:alpha val="43137"/>
+                    </a:srgbClr>
+                  </a:outerShdw>
+                </a:effectLst>
+                <a:cs typeface="Arial" pitchFamily="34" charset="0"/>
+              </a:rPr>
+              <a:t>Git</a:t>
+            </a:r>
+            <a:r>
+              <a:rPr lang="ko-KR" altLang="en-US" sz="2800" dirty="0" smtClean="0">
+                <a:effectLst>
+                  <a:outerShdw blurRad="38100" dist="38100" dir="2700000" algn="tl">
+                    <a:srgbClr val="000000">
+                      <a:alpha val="43137"/>
+                    </a:srgbClr>
+                  </a:outerShdw>
+                </a:effectLst>
+                <a:cs typeface="Arial" pitchFamily="34" charset="0"/>
+              </a:rPr>
+              <a:t>이 필요할까</a:t>
+            </a:r>
+            <a:r>
+              <a:rPr lang="en-US" altLang="ko-KR" sz="2800" dirty="0" smtClean="0">
+                <a:effectLst>
+                  <a:outerShdw blurRad="38100" dist="38100" dir="2700000" algn="tl">
+                    <a:srgbClr val="000000">
+                      <a:alpha val="43137"/>
+                    </a:srgbClr>
+                  </a:outerShdw>
+                </a:effectLst>
+                <a:cs typeface="Arial" pitchFamily="34" charset="0"/>
+              </a:rPr>
+              <a:t>?</a:t>
+            </a:r>
+            <a:endParaRPr lang="ko-KR" altLang="en-US" sz="2800" dirty="0">
+              <a:effectLst>
+                <a:outerShdw blurRad="38100" dist="38100" dir="2700000" algn="tl">
+                  <a:srgbClr val="000000">
+                    <a:alpha val="43137"/>
+                  </a:srgbClr>
+                </a:outerShdw>
+              </a:effectLst>
+              <a:cs typeface="Arial" pitchFamily="34" charset="0"/>
+            </a:endParaRPr>
+          </a:p>
+        </p:txBody>
+      </p:sp>
+    </p:spTree>
+    <p:extLst>
+      <p:ext uri="{BB962C8B-B14F-4D97-AF65-F5344CB8AC3E}">
+        <p14:creationId xmlns:p14="http://schemas.microsoft.com/office/powerpoint/2010/main" val="4204119847"/>
+      </p:ext>
+    </p:extLst>
+  </p:cSld>
+  <p:clrMapOvr>
+    <a:masterClrMapping/>
+  </p:clrMapOvr>
+  <p:timing>
+    <p:tnLst>
+      <p:par>
+        <p:cTn id="1" dur="indefinite" restart="never" nodeType="tmRoot">
+          <p:childTnLst>
+            <p:seq concurrent="1" nextAc="seek">
+              <p:cTn id="2" dur="indefinite" nodeType="mainSeq">
+                <p:childTnLst>
+                  <p:par>
+                    <p:cTn id="3" fill="hold">
+                      <p:stCondLst>
+                        <p:cond delay="indefinite"/>
+                      </p:stCondLst>
+                      <p:childTnLst>
+                        <p:par>
+                          <p:cTn id="4" fill="hold">
+                            <p:stCondLst>
+                              <p:cond delay="0"/>
+                            </p:stCondLst>
+                            <p:childTnLst>
+                              <p:par>
+                                <p:cTn id="5" presetID="10" presetClass="entr" presetSubtype="0" fill="hold" nodeType="clickEffect">
+                                  <p:stCondLst>
+                                    <p:cond delay="0"/>
+                                  </p:stCondLst>
+                                  <p:childTnLst>
+                                    <p:set>
+                                      <p:cBhvr>
+                                        <p:cTn id="6" dur="1" fill="hold">
+                                          <p:stCondLst>
+                                            <p:cond delay="0"/>
+                                          </p:stCondLst>
+                                        </p:cTn>
+                                        <p:tgtEl>
+                                          <p:spTgt spid="15"/>
+                                        </p:tgtEl>
+                                        <p:attrNameLst>
+                                          <p:attrName>style.visibility</p:attrName>
+                                        </p:attrNameLst>
+                                      </p:cBhvr>
+                                      <p:to>
+                                        <p:strVal val="visible"/>
+                                      </p:to>
+                                    </p:set>
+                                    <p:animEffect transition="in" filter="fade">
+                                      <p:cBhvr>
+                                        <p:cTn id="7" dur="500"/>
+                                        <p:tgtEl>
+                                          <p:spTgt spid="15"/>
+                                        </p:tgtEl>
+                                      </p:cBhvr>
+                                    </p:animEffect>
+                                  </p:childTnLst>
+                                </p:cTn>
+                              </p:par>
+                            </p:childTnLst>
+                          </p:cTn>
+                        </p:par>
+                      </p:childTnLst>
+                    </p:cTn>
+                  </p:par>
+                  <p:par>
+                    <p:cTn id="8" fill="hold">
+                      <p:stCondLst>
+                        <p:cond delay="indefinite"/>
+                      </p:stCondLst>
+                      <p:childTnLst>
+                        <p:par>
+                          <p:cTn id="9" fill="hold">
+                            <p:stCondLst>
+                              <p:cond delay="0"/>
+                            </p:stCondLst>
+                            <p:childTnLst>
+                              <p:par>
+                                <p:cTn id="10" presetID="10" presetClass="entr" presetSubtype="0" fill="hold" nodeType="clickEffect">
+                                  <p:stCondLst>
+                                    <p:cond delay="0"/>
+                                  </p:stCondLst>
+                                  <p:childTnLst>
+                                    <p:set>
+                                      <p:cBhvr>
+                                        <p:cTn id="11" dur="1" fill="hold">
+                                          <p:stCondLst>
+                                            <p:cond delay="0"/>
+                                          </p:stCondLst>
+                                        </p:cTn>
+                                        <p:tgtEl>
+                                          <p:spTgt spid="21"/>
+                                        </p:tgtEl>
+                                        <p:attrNameLst>
+                                          <p:attrName>style.visibility</p:attrName>
+                                        </p:attrNameLst>
+                                      </p:cBhvr>
+                                      <p:to>
+                                        <p:strVal val="visible"/>
+                                      </p:to>
+                                    </p:set>
+                                    <p:animEffect transition="in" filter="fade">
+                                      <p:cBhvr>
+                                        <p:cTn id="12" dur="500"/>
+                                        <p:tgtEl>
+                                          <p:spTgt spid="21"/>
                                         </p:tgtEl>
                                       </p:cBhvr>
                                     </p:animEffect>
@@ -7207,7 +9323,7 @@
                                           </p:stCondLst>
                                         </p:cTn>
                                         <p:tgtEl>
-                                          <p:spTgt spid="13"/>
+                                          <p:spTgt spid="22"/>
                                         </p:tgtEl>
                                         <p:attrNameLst>
                                           <p:attrName>style.visibility</p:attrName>
@@ -7221,7 +9337,7 @@
                                       <p:cBhvr>
                                         <p:cTn id="17" dur="500"/>
                                         <p:tgtEl>
-                                          <p:spTgt spid="13"/>
+                                          <p:spTgt spid="22"/>
                                         </p:tgtEl>
                                       </p:cBhvr>
                                     </p:animEffect>
@@ -7260,6 +9376,160 @@
 </file>
 
 <file path=ppt/slides/slide6.xml><?xml version="1.0" encoding="utf-8"?>
+<p:sld xmlns:a="http://schemas.openxmlformats.org/drawingml/2006/main" xmlns:r="http://schemas.openxmlformats.org/officeDocument/2006/relationships" xmlns:p="http://schemas.openxmlformats.org/presentationml/2006/main">
+  <p:cSld>
+    <p:spTree>
+      <p:nvGrpSpPr>
+        <p:cNvPr id="1" name=""/>
+        <p:cNvGrpSpPr/>
+        <p:nvPr/>
+      </p:nvGrpSpPr>
+      <p:grpSpPr>
+        <a:xfrm>
+          <a:off x="0" y="0"/>
+          <a:ext cx="0" cy="0"/>
+          <a:chOff x="0" y="0"/>
+          <a:chExt cx="0" cy="0"/>
+        </a:xfrm>
+      </p:grpSpPr>
+      <p:pic>
+        <p:nvPicPr>
+          <p:cNvPr id="4" name="그림 3"/>
+          <p:cNvPicPr>
+            <a:picLocks noChangeAspect="1"/>
+          </p:cNvPicPr>
+          <p:nvPr/>
+        </p:nvPicPr>
+        <p:blipFill>
+          <a:blip r:embed="rId2"/>
+          <a:stretch>
+            <a:fillRect/>
+          </a:stretch>
+        </p:blipFill>
+        <p:spPr>
+          <a:xfrm>
+            <a:off x="932729" y="1642813"/>
+            <a:ext cx="10326541" cy="3572374"/>
+          </a:xfrm>
+          <a:prstGeom prst="rect">
+            <a:avLst/>
+          </a:prstGeom>
+        </p:spPr>
+      </p:pic>
+      <p:sp>
+        <p:nvSpPr>
+          <p:cNvPr id="5" name="TextBox 4">
+            <a:extLst>
+              <a:ext uri="{FF2B5EF4-FFF2-40B4-BE49-F238E27FC236}">
+                <a16:creationId xmlns:a16="http://schemas.microsoft.com/office/drawing/2014/main" id="{00721A06-02D8-A24D-97D5-8712D26CF2B9}"/>
+              </a:ext>
+            </a:extLst>
+          </p:cNvPr>
+          <p:cNvSpPr txBox="1"/>
+          <p:nvPr/>
+        </p:nvSpPr>
+        <p:spPr>
+          <a:xfrm>
+            <a:off x="323215" y="168602"/>
+            <a:ext cx="7522845" cy="523220"/>
+          </a:xfrm>
+          <a:prstGeom prst="rect">
+            <a:avLst/>
+          </a:prstGeom>
+          <a:noFill/>
+        </p:spPr>
+        <p:txBody>
+          <a:bodyPr wrap="square" rtlCol="0" anchor="ctr">
+            <a:spAutoFit/>
+          </a:bodyPr>
+          <a:lstStyle/>
+          <a:p>
+            <a:r>
+              <a:rPr lang="en-US" altLang="ko-KR" sz="2800" dirty="0" smtClean="0">
+                <a:effectLst>
+                  <a:outerShdw blurRad="38100" dist="38100" dir="2700000" algn="tl">
+                    <a:srgbClr val="000000">
+                      <a:alpha val="43137"/>
+                    </a:srgbClr>
+                  </a:outerShdw>
+                </a:effectLst>
+                <a:cs typeface="Arial" pitchFamily="34" charset="0"/>
+              </a:rPr>
+              <a:t>1-2.</a:t>
+            </a:r>
+            <a:r>
+              <a:rPr lang="ko-KR" altLang="en-US" sz="2800" dirty="0" smtClean="0">
+                <a:effectLst>
+                  <a:outerShdw blurRad="38100" dist="38100" dir="2700000" algn="tl">
+                    <a:srgbClr val="000000">
+                      <a:alpha val="43137"/>
+                    </a:srgbClr>
+                  </a:outerShdw>
+                </a:effectLst>
+                <a:cs typeface="Arial" pitchFamily="34" charset="0"/>
+              </a:rPr>
+              <a:t> </a:t>
+            </a:r>
+            <a:r>
+              <a:rPr lang="en-US" altLang="ko-KR" sz="2800" dirty="0" err="1" smtClean="0">
+                <a:effectLst>
+                  <a:outerShdw blurRad="38100" dist="38100" dir="2700000" algn="tl">
+                    <a:srgbClr val="000000">
+                      <a:alpha val="43137"/>
+                    </a:srgbClr>
+                  </a:outerShdw>
+                </a:effectLst>
+                <a:cs typeface="Arial" pitchFamily="34" charset="0"/>
+              </a:rPr>
+              <a:t>Git</a:t>
+            </a:r>
+            <a:r>
+              <a:rPr lang="ko-KR" altLang="en-US" sz="2800" dirty="0" smtClean="0">
+                <a:effectLst>
+                  <a:outerShdw blurRad="38100" dist="38100" dir="2700000" algn="tl">
+                    <a:srgbClr val="000000">
+                      <a:alpha val="43137"/>
+                    </a:srgbClr>
+                  </a:outerShdw>
+                </a:effectLst>
+                <a:cs typeface="Arial" pitchFamily="34" charset="0"/>
+              </a:rPr>
+              <a:t>을 사용하기 전</a:t>
+            </a:r>
+            <a:endParaRPr lang="ko-KR" altLang="en-US" sz="2800" dirty="0">
+              <a:effectLst>
+                <a:outerShdw blurRad="38100" dist="38100" dir="2700000" algn="tl">
+                  <a:srgbClr val="000000">
+                    <a:alpha val="43137"/>
+                  </a:srgbClr>
+                </a:outerShdw>
+              </a:effectLst>
+              <a:cs typeface="Arial" pitchFamily="34" charset="0"/>
+            </a:endParaRPr>
+          </a:p>
+        </p:txBody>
+      </p:sp>
+    </p:spTree>
+    <p:extLst>
+      <p:ext uri="{BB962C8B-B14F-4D97-AF65-F5344CB8AC3E}">
+        <p14:creationId xmlns:p14="http://schemas.microsoft.com/office/powerpoint/2010/main" val="202908657"/>
+      </p:ext>
+    </p:extLst>
+  </p:cSld>
+  <p:clrMapOvr>
+    <a:masterClrMapping/>
+  </p:clrMapOvr>
+  <p:timing>
+    <p:tnLst>
+      <p:par>
+        <p:cTn id="1" dur="indefinite" restart="never" nodeType="tmRoot"/>
+      </p:par>
+    </p:tnLst>
+  </p:timing>
+</p:sld>
+</file>
+
+<file path=ppt/slides/slide7.xml><?xml version="1.0" encoding="utf-8"?>
 <p:sld xmlns:a="http://schemas.openxmlformats.org/drawingml/2006/main" xmlns:r="http://schemas.openxmlformats.org/officeDocument/2006/relationships" xmlns:p="http://schemas.openxmlformats.org/presentationml/2006/main">
   <p:cSld>
     <p:spTree>
@@ -7336,8 +9606,8 @@
         </p:nvSpPr>
         <p:spPr>
           <a:xfrm>
-            <a:off x="323215" y="137795"/>
-            <a:ext cx="7522845" cy="584835"/>
+            <a:off x="323215" y="168602"/>
+            <a:ext cx="7522845" cy="523220"/>
           </a:xfrm>
           <a:prstGeom prst="rect">
             <a:avLst/>
@@ -7351,7 +9621,7 @@
           <a:lstStyle/>
           <a:p>
             <a:r>
-              <a:rPr lang="en-US" altLang="ko-KR" sz="3200" dirty="0" smtClean="0">
+              <a:rPr lang="en-US" altLang="ko-KR" sz="2800" dirty="0" smtClean="0">
                 <a:effectLst>
                   <a:outerShdw blurRad="38100" dist="38100" dir="2700000" algn="tl">
                     <a:srgbClr val="000000">
@@ -7364,7 +9634,7 @@
               <a:t>1-2.</a:t>
             </a:r>
             <a:r>
-              <a:rPr lang="ko-KR" altLang="en-US" sz="3200" dirty="0" smtClean="0">
+              <a:rPr lang="ko-KR" altLang="en-US" sz="2800" dirty="0" smtClean="0">
                 <a:effectLst>
                   <a:outerShdw blurRad="38100" dist="38100" dir="2700000" algn="tl">
                     <a:srgbClr val="000000">
@@ -7402,7 +9672,7 @@
               </a:rPr>
               <a:t>을 사용하기 전</a:t>
             </a:r>
-            <a:endParaRPr lang="ko-KR" altLang="en-US" sz="2400" dirty="0">
+            <a:endParaRPr lang="ko-KR" altLang="en-US" sz="2800" dirty="0">
               <a:effectLst>
                 <a:outerShdw blurRad="38100" dist="38100" dir="2700000" algn="tl">
                   <a:srgbClr val="000000">
@@ -7693,7 +9963,7 @@
 </p:sld>
 </file>
 
-<file path=ppt/slides/slide7.xml><?xml version="1.0" encoding="utf-8"?>
+<file path=ppt/slides/slide8.xml><?xml version="1.0" encoding="utf-8"?>
 <p:sld xmlns:a="http://schemas.openxmlformats.org/drawingml/2006/main" xmlns:r="http://schemas.openxmlformats.org/officeDocument/2006/relationships" xmlns:p="http://schemas.openxmlformats.org/presentationml/2006/main">
   <p:cSld>
     <p:spTree>
@@ -7858,7 +10128,7 @@
       </p:pic>
       <p:sp>
         <p:nvSpPr>
-          <p:cNvPr id="11" name="TextBox 10">
+          <p:cNvPr id="13" name="TextBox 12">
             <a:extLst>
               <a:ext uri="{FF2B5EF4-FFF2-40B4-BE49-F238E27FC236}">
                 <a16:creationId xmlns:a16="http://schemas.microsoft.com/office/drawing/2014/main" id="{00721A06-02D8-A24D-97D5-8712D26CF2B9}"/>
@@ -7870,8 +10140,8 @@
         </p:nvSpPr>
         <p:spPr>
           <a:xfrm>
-            <a:off x="323215" y="137795"/>
-            <a:ext cx="7522845" cy="584835"/>
+            <a:off x="323215" y="168602"/>
+            <a:ext cx="7522845" cy="523220"/>
           </a:xfrm>
           <a:prstGeom prst="rect">
             <a:avLst/>
@@ -7885,30 +10155,65 @@
           <a:lstStyle/>
           <a:p>
             <a:r>
-              <a:rPr lang="en-US" altLang="ko-KR" sz="3200" dirty="0" smtClean="0">
+              <a:rPr lang="en-US" altLang="ko-KR" sz="2800" dirty="0" smtClean="0">
+                <a:effectLst>
+                  <a:outerShdw blurRad="38100" dist="38100" dir="2700000" algn="tl">
+                    <a:srgbClr val="000000">
+                      <a:alpha val="43137"/>
+                    </a:srgbClr>
+                  </a:outerShdw>
+                </a:effectLst>
                 <a:cs typeface="Arial" pitchFamily="34" charset="0"/>
               </a:rPr>
-              <a:t>1-1.</a:t>
+              <a:t>1-2.</a:t>
             </a:r>
             <a:r>
-              <a:rPr lang="ko-KR" altLang="en-US" sz="3200" dirty="0" smtClean="0">
+              <a:rPr lang="ko-KR" altLang="en-US" sz="2800" dirty="0" smtClean="0">
+                <a:effectLst>
+                  <a:outerShdw blurRad="38100" dist="38100" dir="2700000" algn="tl">
+                    <a:srgbClr val="000000">
+                      <a:alpha val="43137"/>
+                    </a:srgbClr>
+                  </a:outerShdw>
+                </a:effectLst>
                 <a:cs typeface="Arial" pitchFamily="34" charset="0"/>
               </a:rPr>
               <a:t> </a:t>
             </a:r>
             <a:r>
-              <a:rPr lang="en-US" altLang="ko-KR" sz="2800" dirty="0" smtClean="0">
-                <a:cs typeface="Arial" pitchFamily="34" charset="0"/>
-              </a:rPr>
-              <a:t>Without </a:t>
-            </a:r>
-            <a:r>
               <a:rPr lang="en-US" altLang="ko-KR" sz="2800" dirty="0" err="1" smtClean="0">
+                <a:effectLst>
+                  <a:outerShdw blurRad="38100" dist="38100" dir="2700000" algn="tl">
+                    <a:srgbClr val="000000">
+                      <a:alpha val="43137"/>
+                    </a:srgbClr>
+                  </a:outerShdw>
+                </a:effectLst>
                 <a:cs typeface="Arial" pitchFamily="34" charset="0"/>
               </a:rPr>
               <a:t>Git</a:t>
             </a:r>
-            <a:endParaRPr lang="ko-KR" altLang="en-US" sz="2400" dirty="0">
+            <a:r>
+              <a:rPr lang="ko-KR" altLang="en-US" sz="2800" dirty="0" smtClean="0">
+                <a:effectLst>
+                  <a:outerShdw blurRad="38100" dist="38100" dir="2700000" algn="tl">
+                    <a:srgbClr val="000000">
+                      <a:alpha val="43137"/>
+                    </a:srgbClr>
+                  </a:outerShdw>
+                </a:effectLst>
+                <a:cs typeface="Arial" pitchFamily="34" charset="0"/>
+              </a:rPr>
+              <a:t>을 사용하기 전</a:t>
+            </a:r>
+            <a:endParaRPr lang="ko-KR" altLang="en-US" sz="2800" dirty="0">
+              <a:effectLst>
+                <a:outerShdw blurRad="38100" dist="38100" dir="2700000" algn="tl">
+                  <a:srgbClr val="000000">
+                    <a:alpha val="43137"/>
+                  </a:srgbClr>
+                </a:outerShdw>
+              </a:effectLst>
               <a:cs typeface="Arial" pitchFamily="34" charset="0"/>
             </a:endParaRPr>
           </a:p>
@@ -8169,147 +10474,6 @@
 </p:sld>
 </file>
 
-<file path=ppt/slides/slide8.xml><?xml version="1.0" encoding="utf-8"?>
-<p:sld xmlns:a="http://schemas.openxmlformats.org/drawingml/2006/main" xmlns:r="http://schemas.openxmlformats.org/officeDocument/2006/relationships" xmlns:p="http://schemas.openxmlformats.org/presentationml/2006/main">
-  <p:cSld>
-    <p:spTree>
-      <p:nvGrpSpPr>
-        <p:cNvPr id="1" name=""/>
-        <p:cNvGrpSpPr/>
-        <p:nvPr/>
-      </p:nvGrpSpPr>
-      <p:grpSpPr>
-        <a:xfrm>
-          <a:off x="0" y="0"/>
-          <a:ext cx="0" cy="0"/>
-          <a:chOff x="0" y="0"/>
-          <a:chExt cx="0" cy="0"/>
-        </a:xfrm>
-      </p:grpSpPr>
-      <p:sp>
-        <p:nvSpPr>
-          <p:cNvPr id="11" name="TextBox 10">
-            <a:extLst>
-              <a:ext uri="{FF2B5EF4-FFF2-40B4-BE49-F238E27FC236}">
-                <a16:creationId xmlns:a16="http://schemas.microsoft.com/office/drawing/2014/main" id="{00721A06-02D8-A24D-97D5-8712D26CF2B9}"/>
-              </a:ext>
-            </a:extLst>
-          </p:cNvPr>
-          <p:cNvSpPr txBox="1"/>
-          <p:nvPr/>
-        </p:nvSpPr>
-        <p:spPr>
-          <a:xfrm>
-            <a:off x="323215" y="137795"/>
-            <a:ext cx="7522845" cy="584835"/>
-          </a:xfrm>
-          <a:prstGeom prst="rect">
-            <a:avLst/>
-          </a:prstGeom>
-          <a:noFill/>
-        </p:spPr>
-        <p:txBody>
-          <a:bodyPr wrap="square" rtlCol="0" anchor="ctr">
-            <a:spAutoFit/>
-          </a:bodyPr>
-          <a:lstStyle/>
-          <a:p>
-            <a:r>
-              <a:rPr lang="en-US" altLang="ko-KR" sz="3200" dirty="0" smtClean="0">
-                <a:cs typeface="Arial" pitchFamily="34" charset="0"/>
-              </a:rPr>
-              <a:t>1-1.</a:t>
-            </a:r>
-            <a:r>
-              <a:rPr lang="ko-KR" altLang="en-US" sz="3200" dirty="0" smtClean="0">
-                <a:cs typeface="Arial" pitchFamily="34" charset="0"/>
-              </a:rPr>
-              <a:t> </a:t>
-            </a:r>
-            <a:r>
-              <a:rPr lang="en-US" altLang="ko-KR" sz="2800" dirty="0" smtClean="0">
-                <a:cs typeface="Arial" pitchFamily="34" charset="0"/>
-              </a:rPr>
-              <a:t>Without </a:t>
-            </a:r>
-            <a:r>
-              <a:rPr lang="en-US" altLang="ko-KR" sz="2800" dirty="0" err="1" smtClean="0">
-                <a:cs typeface="Arial" pitchFamily="34" charset="0"/>
-              </a:rPr>
-              <a:t>Git</a:t>
-            </a:r>
-            <a:endParaRPr lang="ko-KR" altLang="en-US" sz="2400" dirty="0">
-              <a:cs typeface="Arial" pitchFamily="34" charset="0"/>
-            </a:endParaRPr>
-          </a:p>
-        </p:txBody>
-      </p:sp>
-      <p:sp>
-        <p:nvSpPr>
-          <p:cNvPr id="7" name="TextBox 6">
-            <a:extLst>
-              <a:ext uri="{FF2B5EF4-FFF2-40B4-BE49-F238E27FC236}">
-                <a16:creationId xmlns:a16="http://schemas.microsoft.com/office/drawing/2014/main" id="{00721A06-02D8-A24D-97D5-8712D26CF2B9}"/>
-              </a:ext>
-            </a:extLst>
-          </p:cNvPr>
-          <p:cNvSpPr txBox="1"/>
-          <p:nvPr/>
-        </p:nvSpPr>
-        <p:spPr>
-          <a:xfrm>
-            <a:off x="4616083" y="1752089"/>
-            <a:ext cx="3026376" cy="461665"/>
-          </a:xfrm>
-          <a:prstGeom prst="rect">
-            <a:avLst/>
-          </a:prstGeom>
-          <a:noFill/>
-        </p:spPr>
-        <p:txBody>
-          <a:bodyPr wrap="square" rtlCol="0" anchor="ctr">
-            <a:spAutoFit/>
-          </a:bodyPr>
-          <a:lstStyle/>
-          <a:p>
-            <a:r>
-              <a:rPr lang="ko-KR" altLang="en-US" sz="2400" dirty="0" err="1" smtClean="0">
-                <a:cs typeface="Arial" pitchFamily="34" charset="0"/>
-              </a:rPr>
-              <a:t>여러명이서</a:t>
-            </a:r>
-            <a:r>
-              <a:rPr lang="ko-KR" altLang="en-US" sz="2400" dirty="0" smtClean="0">
-                <a:cs typeface="Arial" pitchFamily="34" charset="0"/>
-              </a:rPr>
-              <a:t> </a:t>
-            </a:r>
-            <a:endParaRPr lang="ko-KR" altLang="en-US" sz="2400" dirty="0">
-              <a:cs typeface="Arial" pitchFamily="34" charset="0"/>
-            </a:endParaRPr>
-          </a:p>
-        </p:txBody>
-      </p:sp>
-    </p:spTree>
-    <p:extLst>
-      <p:ext uri="{BB962C8B-B14F-4D97-AF65-F5344CB8AC3E}">
-        <p14:creationId xmlns:p14="http://schemas.microsoft.com/office/powerpoint/2010/main" val="645307338"/>
-      </p:ext>
-    </p:extLst>
-  </p:cSld>
-  <p:clrMapOvr>
-    <a:masterClrMapping/>
-  </p:clrMapOvr>
-  <p:timing>
-    <p:tnLst>
-      <p:par>
-        <p:cTn id="1" dur="indefinite" restart="never" nodeType="tmRoot"/>
-      </p:par>
-    </p:tnLst>
-  </p:timing>
-</p:sld>
-</file>
-
 <file path=ppt/slides/slide9.xml><?xml version="1.0" encoding="utf-8"?>
 <p:sld xmlns:a="http://schemas.openxmlformats.org/drawingml/2006/main" xmlns:r="http://schemas.openxmlformats.org/officeDocument/2006/relationships" xmlns:p="http://schemas.openxmlformats.org/presentationml/2006/main">
   <p:cSld>
@@ -8329,127 +10493,125 @@
       </p:grpSpPr>
       <p:sp>
         <p:nvSpPr>
-          <p:cNvPr id="4" name="직사각형 3"/>
-          <p:cNvSpPr/>
+          <p:cNvPr id="5" name="TextBox 4">
+            <a:extLst>
+              <a:ext uri="{FF2B5EF4-FFF2-40B4-BE49-F238E27FC236}">
+                <a16:creationId xmlns:a16="http://schemas.microsoft.com/office/drawing/2014/main" id="{00721A06-02D8-A24D-97D5-8712D26CF2B9}"/>
+              </a:ext>
+            </a:extLst>
+          </p:cNvPr>
+          <p:cNvSpPr txBox="1"/>
           <p:nvPr/>
         </p:nvSpPr>
         <p:spPr>
           <a:xfrm>
-            <a:off x="685395" y="4903816"/>
-            <a:ext cx="772477" cy="323576"/>
+            <a:off x="323215" y="168602"/>
+            <a:ext cx="7522845" cy="523220"/>
           </a:xfrm>
           <a:prstGeom prst="rect">
             <a:avLst/>
           </a:prstGeom>
           <a:noFill/>
-          <a:ln w="38100"/>
         </p:spPr>
-        <p:style>
-          <a:lnRef idx="2">
-            <a:schemeClr val="accent2"/>
-          </a:lnRef>
-          <a:fillRef idx="1">
-            <a:schemeClr val="lt1"/>
-          </a:fillRef>
-          <a:effectRef idx="0">
-            <a:schemeClr val="accent2"/>
-          </a:effectRef>
-          <a:fontRef idx="minor">
-            <a:schemeClr val="dk1"/>
-          </a:fontRef>
-        </p:style>
         <p:txBody>
-          <a:bodyPr rtlCol="0" anchor="ctr"/>
+          <a:bodyPr wrap="square" rtlCol="0" anchor="ctr">
+            <a:spAutoFit/>
+          </a:bodyPr>
           <a:lstStyle/>
           <a:p>
-            <a:pPr algn="ctr"/>
-            <a:endParaRPr lang="ko-KR" altLang="en-US"/>
-          </a:p>
-        </p:txBody>
-      </p:sp>
-      <p:sp>
-        <p:nvSpPr>
-          <p:cNvPr id="23" name="위쪽 화살표 22"/>
-          <p:cNvSpPr/>
-          <p:nvPr/>
-        </p:nvSpPr>
-        <p:spPr>
-          <a:xfrm rot="5400000">
-            <a:off x="1653652" y="4820507"/>
-            <a:ext cx="414779" cy="490194"/>
-          </a:xfrm>
-          <a:prstGeom prst="upArrow">
-            <a:avLst/>
-          </a:prstGeom>
-        </p:spPr>
-        <p:style>
-          <a:lnRef idx="0">
-            <a:schemeClr val="accent2"/>
-          </a:lnRef>
-          <a:fillRef idx="3">
-            <a:schemeClr val="accent2"/>
-          </a:fillRef>
-          <a:effectRef idx="3">
-            <a:schemeClr val="accent2"/>
-          </a:effectRef>
-          <a:fontRef idx="minor">
-            <a:schemeClr val="lt1"/>
-          </a:fontRef>
-        </p:style>
-        <p:txBody>
-          <a:bodyPr rtlCol="0" anchor="ctr"/>
-          <a:lstStyle/>
-          <a:p>
-            <a:pPr algn="ctr"/>
-            <a:endParaRPr lang="ko-KR" altLang="en-US"/>
+            <a:r>
+              <a:rPr lang="en-US" altLang="ko-KR" sz="2800" dirty="0" smtClean="0">
+                <a:effectLst>
+                  <a:outerShdw blurRad="38100" dist="38100" dir="2700000" algn="tl">
+                    <a:srgbClr val="000000">
+                      <a:alpha val="43137"/>
+                    </a:srgbClr>
+                  </a:outerShdw>
+                </a:effectLst>
+                <a:cs typeface="Arial" pitchFamily="34" charset="0"/>
+              </a:rPr>
+              <a:t>1-2.</a:t>
+            </a:r>
+            <a:r>
+              <a:rPr lang="ko-KR" altLang="en-US" sz="2800" dirty="0" smtClean="0">
+                <a:effectLst>
+                  <a:outerShdw blurRad="38100" dist="38100" dir="2700000" algn="tl">
+                    <a:srgbClr val="000000">
+                      <a:alpha val="43137"/>
+                    </a:srgbClr>
+                  </a:outerShdw>
+                </a:effectLst>
+                <a:cs typeface="Arial" pitchFamily="34" charset="0"/>
+              </a:rPr>
+              <a:t> </a:t>
+            </a:r>
+            <a:r>
+              <a:rPr lang="en-US" altLang="ko-KR" sz="2800" dirty="0" err="1" smtClean="0">
+                <a:effectLst>
+                  <a:outerShdw blurRad="38100" dist="38100" dir="2700000" algn="tl">
+                    <a:srgbClr val="000000">
+                      <a:alpha val="43137"/>
+                    </a:srgbClr>
+                  </a:outerShdw>
+                </a:effectLst>
+                <a:cs typeface="Arial" pitchFamily="34" charset="0"/>
+              </a:rPr>
+              <a:t>Git</a:t>
+            </a:r>
+            <a:r>
+              <a:rPr lang="ko-KR" altLang="en-US" sz="2800" dirty="0" smtClean="0">
+                <a:effectLst>
+                  <a:outerShdw blurRad="38100" dist="38100" dir="2700000" algn="tl">
+                    <a:srgbClr val="000000">
+                      <a:alpha val="43137"/>
+                    </a:srgbClr>
+                  </a:outerShdw>
+                </a:effectLst>
+                <a:cs typeface="Arial" pitchFamily="34" charset="0"/>
+              </a:rPr>
+              <a:t>을 사용하기 전</a:t>
+            </a:r>
+            <a:endParaRPr lang="ko-KR" altLang="en-US" sz="2800" dirty="0">
+              <a:effectLst>
+                <a:outerShdw blurRad="38100" dist="38100" dir="2700000" algn="tl">
+                  <a:srgbClr val="000000">
+                    <a:alpha val="43137"/>
+                  </a:srgbClr>
+                </a:outerShdw>
+              </a:effectLst>
+              <a:cs typeface="Arial" pitchFamily="34" charset="0"/>
+            </a:endParaRPr>
           </a:p>
         </p:txBody>
       </p:sp>
       <p:pic>
         <p:nvPicPr>
-          <p:cNvPr id="4098" name="Picture 2" descr="GitHub - topleft/git-tree: Git Repository Visualization App"/>
+          <p:cNvPr id="2" name="그림 1"/>
           <p:cNvPicPr>
-            <a:picLocks noChangeAspect="1" noChangeArrowheads="1"/>
+            <a:picLocks noChangeAspect="1"/>
           </p:cNvPicPr>
           <p:nvPr/>
         </p:nvPicPr>
         <p:blipFill>
-          <a:blip r:embed="rId2">
-            <a:extLst>
-              <a:ext uri="{28A0092B-C50C-407E-A947-70E740481C1C}">
-                <a14:useLocalDpi xmlns:a14="http://schemas.microsoft.com/office/drawing/2010/main" val="0"/>
-              </a:ext>
-            </a:extLst>
-          </a:blip>
-          <a:srcRect/>
+          <a:blip r:embed="rId2"/>
           <a:stretch>
             <a:fillRect/>
           </a:stretch>
         </p:blipFill>
-        <p:spPr bwMode="auto">
+        <p:spPr>
           <a:xfrm>
-            <a:off x="1615944" y="0"/>
-            <a:ext cx="9377266" cy="6858000"/>
+            <a:off x="2126560" y="907816"/>
+            <a:ext cx="7864464" cy="5721577"/>
           </a:xfrm>
           <a:prstGeom prst="rect">
             <a:avLst/>
           </a:prstGeom>
-          <a:noFill/>
-          <a:extLst>
-            <a:ext uri="{909E8E84-426E-40DD-AFC4-6F175D3DCCD1}">
-              <a14:hiddenFill xmlns:a14="http://schemas.microsoft.com/office/drawing/2010/main">
-                <a:solidFill>
-                  <a:srgbClr val="FFFFFF"/>
-                </a:solidFill>
-              </a14:hiddenFill>
-            </a:ext>
-          </a:extLst>
         </p:spPr>
       </p:pic>
     </p:spTree>
     <p:extLst>
       <p:ext uri="{BB962C8B-B14F-4D97-AF65-F5344CB8AC3E}">
-        <p14:creationId xmlns:p14="http://schemas.microsoft.com/office/powerpoint/2010/main" val="4219580201"/>
+        <p14:creationId xmlns:p14="http://schemas.microsoft.com/office/powerpoint/2010/main" val="2075162110"/>
       </p:ext>
     </p:extLst>
   </p:cSld>
